--- a/class-notes/wip/cs321-winter-2023-lecture-X.pptx
+++ b/class-notes/wip/cs321-winter-2023-lecture-X.pptx
@@ -5,27 +5,47 @@
     <p:sldMasterId id="2147484010" r:id="rId1"/>
   </p:sldMasterIdLst>
   <p:notesMasterIdLst>
-    <p:notesMasterId r:id="rId3"/>
+    <p:notesMasterId r:id="rId23"/>
   </p:notesMasterIdLst>
   <p:sldIdLst>
     <p:sldId id="449" r:id="rId2"/>
+    <p:sldId id="459" r:id="rId3"/>
+    <p:sldId id="460" r:id="rId4"/>
+    <p:sldId id="467" r:id="rId5"/>
+    <p:sldId id="470" r:id="rId6"/>
+    <p:sldId id="477" r:id="rId7"/>
+    <p:sldId id="461" r:id="rId8"/>
+    <p:sldId id="471" r:id="rId9"/>
+    <p:sldId id="490" r:id="rId10"/>
+    <p:sldId id="491" r:id="rId11"/>
+    <p:sldId id="468" r:id="rId12"/>
+    <p:sldId id="475" r:id="rId13"/>
+    <p:sldId id="489" r:id="rId14"/>
+    <p:sldId id="476" r:id="rId15"/>
+    <p:sldId id="474" r:id="rId16"/>
+    <p:sldId id="478" r:id="rId17"/>
+    <p:sldId id="479" r:id="rId18"/>
+    <p:sldId id="481" r:id="rId19"/>
+    <p:sldId id="482" r:id="rId20"/>
+    <p:sldId id="480" r:id="rId21"/>
+    <p:sldId id="462" r:id="rId22"/>
   </p:sldIdLst>
   <p:sldSz cx="18288000" cy="10287000"/>
   <p:notesSz cx="18288000" cy="10287000"/>
   <p:embeddedFontLst>
     <p:embeddedFont>
       <p:font typeface="Calibri" panose="020F0502020204030204" pitchFamily="34" charset="0"/>
-      <p:regular r:id="rId4"/>
-      <p:bold r:id="rId5"/>
-      <p:italic r:id="rId6"/>
-      <p:boldItalic r:id="rId7"/>
+      <p:regular r:id="rId24"/>
+      <p:bold r:id="rId25"/>
+      <p:italic r:id="rId26"/>
+      <p:boldItalic r:id="rId27"/>
     </p:embeddedFont>
     <p:embeddedFont>
       <p:font typeface="Corbel" panose="020B0503020204020204" pitchFamily="34" charset="0"/>
-      <p:regular r:id="rId8"/>
-      <p:bold r:id="rId9"/>
-      <p:italic r:id="rId10"/>
-      <p:boldItalic r:id="rId11"/>
+      <p:regular r:id="rId28"/>
+      <p:bold r:id="rId29"/>
+      <p:italic r:id="rId30"/>
+      <p:boldItalic r:id="rId31"/>
     </p:embeddedFont>
   </p:embeddedFontLst>
   <p:defaultTextStyle>
@@ -124,6 +144,39 @@
     </a:lvl9pPr>
   </p:defaultTextStyle>
   <p:extLst>
+    <p:ext uri="{521415D9-36F7-43E2-AB2F-B90AF26B5E84}">
+      <p14:sectionLst xmlns:p14="http://schemas.microsoft.com/office/powerpoint/2010/main">
+        <p14:section name="Default Section" id="{E934B621-8D18-49D6-8AE5-530C03226C06}">
+          <p14:sldIdLst>
+            <p14:sldId id="449"/>
+          </p14:sldIdLst>
+        </p14:section>
+        <p14:section name="Cross Cutting Concerns" id="{30CD9BDA-3A7C-4A5E-B05B-9A43811C45CD}">
+          <p14:sldIdLst>
+            <p14:sldId id="459"/>
+            <p14:sldId id="460"/>
+            <p14:sldId id="467"/>
+            <p14:sldId id="470"/>
+            <p14:sldId id="477"/>
+            <p14:sldId id="461"/>
+            <p14:sldId id="471"/>
+            <p14:sldId id="490"/>
+            <p14:sldId id="491"/>
+            <p14:sldId id="468"/>
+            <p14:sldId id="475"/>
+            <p14:sldId id="489"/>
+            <p14:sldId id="476"/>
+            <p14:sldId id="474"/>
+            <p14:sldId id="478"/>
+            <p14:sldId id="479"/>
+            <p14:sldId id="481"/>
+            <p14:sldId id="482"/>
+            <p14:sldId id="480"/>
+            <p14:sldId id="462"/>
+          </p14:sldIdLst>
+        </p14:section>
+      </p14:sectionLst>
+    </p:ext>
     <p:ext uri="{EFAFB233-063F-42B5-8137-9DF3F51BA10A}">
       <p15:sldGuideLst xmlns:p15="http://schemas.microsoft.com/office/powerpoint/2012/main">
         <p15:guide id="1" orient="horz" pos="2880">
@@ -282,6 +335,2799 @@
 </pc:chgInfo>
 </file>
 
+<file path=ppt/diagrams/colors1.xml><?xml version="1.0" encoding="utf-8"?>
+<dgm:colorsDef xmlns:dgm="http://schemas.openxmlformats.org/drawingml/2006/diagram" xmlns:a="http://schemas.openxmlformats.org/drawingml/2006/main" uniqueId="urn:microsoft.com/office/officeart/2005/8/colors/colorful2">
+  <dgm:title val=""/>
+  <dgm:desc val=""/>
+  <dgm:catLst>
+    <dgm:cat type="colorful" pri="10200"/>
+  </dgm:catLst>
+  <dgm:styleLbl name="node0">
+    <dgm:fillClrLst meth="repeat">
+      <a:schemeClr val="accent1"/>
+    </dgm:fillClrLst>
+    <dgm:linClrLst meth="repeat">
+      <a:schemeClr val="lt1"/>
+    </dgm:linClrLst>
+    <dgm:effectClrLst/>
+    <dgm:txLinClrLst/>
+    <dgm:txFillClrLst/>
+    <dgm:txEffectClrLst/>
+  </dgm:styleLbl>
+  <dgm:styleLbl name="node1">
+    <dgm:fillClrLst>
+      <a:schemeClr val="accent2"/>
+      <a:schemeClr val="accent3"/>
+    </dgm:fillClrLst>
+    <dgm:linClrLst meth="repeat">
+      <a:schemeClr val="lt1"/>
+    </dgm:linClrLst>
+    <dgm:effectClrLst/>
+    <dgm:txLinClrLst/>
+    <dgm:txFillClrLst/>
+    <dgm:txEffectClrLst/>
+  </dgm:styleLbl>
+  <dgm:styleLbl name="alignNode1">
+    <dgm:fillClrLst>
+      <a:schemeClr val="accent2"/>
+      <a:schemeClr val="accent3"/>
+    </dgm:fillClrLst>
+    <dgm:linClrLst>
+      <a:schemeClr val="accent2"/>
+      <a:schemeClr val="accent3"/>
+    </dgm:linClrLst>
+    <dgm:effectClrLst/>
+    <dgm:txLinClrLst/>
+    <dgm:txFillClrLst/>
+    <dgm:txEffectClrLst/>
+  </dgm:styleLbl>
+  <dgm:styleLbl name="lnNode1">
+    <dgm:fillClrLst>
+      <a:schemeClr val="accent2"/>
+      <a:schemeClr val="accent3"/>
+    </dgm:fillClrLst>
+    <dgm:linClrLst meth="repeat">
+      <a:schemeClr val="lt1"/>
+    </dgm:linClrLst>
+    <dgm:effectClrLst/>
+    <dgm:txLinClrLst/>
+    <dgm:txFillClrLst/>
+    <dgm:txEffectClrLst/>
+  </dgm:styleLbl>
+  <dgm:styleLbl name="vennNode1">
+    <dgm:fillClrLst>
+      <a:schemeClr val="accent2">
+        <a:alpha val="50000"/>
+      </a:schemeClr>
+      <a:schemeClr val="accent3">
+        <a:alpha val="50000"/>
+      </a:schemeClr>
+    </dgm:fillClrLst>
+    <dgm:linClrLst meth="repeat">
+      <a:schemeClr val="lt1"/>
+    </dgm:linClrLst>
+    <dgm:effectClrLst/>
+    <dgm:txLinClrLst/>
+    <dgm:txFillClrLst/>
+    <dgm:txEffectClrLst/>
+  </dgm:styleLbl>
+  <dgm:styleLbl name="node2">
+    <dgm:fillClrLst>
+      <a:schemeClr val="accent3"/>
+    </dgm:fillClrLst>
+    <dgm:linClrLst meth="repeat">
+      <a:schemeClr val="lt1"/>
+    </dgm:linClrLst>
+    <dgm:effectClrLst/>
+    <dgm:txLinClrLst/>
+    <dgm:txFillClrLst/>
+    <dgm:txEffectClrLst/>
+  </dgm:styleLbl>
+  <dgm:styleLbl name="node3">
+    <dgm:fillClrLst>
+      <a:schemeClr val="accent4"/>
+    </dgm:fillClrLst>
+    <dgm:linClrLst meth="repeat">
+      <a:schemeClr val="lt1"/>
+    </dgm:linClrLst>
+    <dgm:effectClrLst/>
+    <dgm:txLinClrLst/>
+    <dgm:txFillClrLst/>
+    <dgm:txEffectClrLst/>
+  </dgm:styleLbl>
+  <dgm:styleLbl name="node4">
+    <dgm:fillClrLst>
+      <a:schemeClr val="accent5"/>
+    </dgm:fillClrLst>
+    <dgm:linClrLst meth="repeat">
+      <a:schemeClr val="lt1"/>
+    </dgm:linClrLst>
+    <dgm:effectClrLst/>
+    <dgm:txLinClrLst/>
+    <dgm:txFillClrLst/>
+    <dgm:txEffectClrLst/>
+  </dgm:styleLbl>
+  <dgm:styleLbl name="fgImgPlace1">
+    <dgm:fillClrLst>
+      <a:schemeClr val="accent2">
+        <a:tint val="50000"/>
+      </a:schemeClr>
+      <a:schemeClr val="accent3">
+        <a:tint val="50000"/>
+      </a:schemeClr>
+    </dgm:fillClrLst>
+    <dgm:linClrLst meth="repeat">
+      <a:schemeClr val="lt1"/>
+    </dgm:linClrLst>
+    <dgm:effectClrLst/>
+    <dgm:txLinClrLst/>
+    <dgm:txFillClrLst meth="repeat">
+      <a:schemeClr val="lt1"/>
+    </dgm:txFillClrLst>
+    <dgm:txEffectClrLst/>
+  </dgm:styleLbl>
+  <dgm:styleLbl name="alignImgPlace1">
+    <dgm:fillClrLst>
+      <a:schemeClr val="accent2">
+        <a:tint val="50000"/>
+      </a:schemeClr>
+      <a:schemeClr val="accent3">
+        <a:tint val="20000"/>
+      </a:schemeClr>
+    </dgm:fillClrLst>
+    <dgm:linClrLst meth="repeat">
+      <a:schemeClr val="lt1"/>
+    </dgm:linClrLst>
+    <dgm:effectClrLst/>
+    <dgm:txLinClrLst/>
+    <dgm:txFillClrLst meth="repeat">
+      <a:schemeClr val="lt1"/>
+    </dgm:txFillClrLst>
+    <dgm:txEffectClrLst/>
+  </dgm:styleLbl>
+  <dgm:styleLbl name="bgImgPlace1">
+    <dgm:fillClrLst>
+      <a:schemeClr val="accent2">
+        <a:tint val="50000"/>
+      </a:schemeClr>
+      <a:schemeClr val="accent3">
+        <a:tint val="20000"/>
+      </a:schemeClr>
+    </dgm:fillClrLst>
+    <dgm:linClrLst meth="repeat">
+      <a:schemeClr val="lt1"/>
+    </dgm:linClrLst>
+    <dgm:effectClrLst/>
+    <dgm:txLinClrLst/>
+    <dgm:txFillClrLst meth="repeat">
+      <a:schemeClr val="lt1"/>
+    </dgm:txFillClrLst>
+    <dgm:txEffectClrLst/>
+  </dgm:styleLbl>
+  <dgm:styleLbl name="sibTrans2D1">
+    <dgm:fillClrLst>
+      <a:schemeClr val="accent2"/>
+      <a:schemeClr val="accent3"/>
+    </dgm:fillClrLst>
+    <dgm:linClrLst meth="repeat">
+      <a:schemeClr val="lt1"/>
+    </dgm:linClrLst>
+    <dgm:effectClrLst/>
+    <dgm:txLinClrLst/>
+    <dgm:txFillClrLst/>
+    <dgm:txEffectClrLst/>
+  </dgm:styleLbl>
+  <dgm:styleLbl name="fgSibTrans2D1">
+    <dgm:fillClrLst>
+      <a:schemeClr val="accent2"/>
+      <a:schemeClr val="accent3"/>
+    </dgm:fillClrLst>
+    <dgm:linClrLst meth="repeat">
+      <a:schemeClr val="lt1"/>
+    </dgm:linClrLst>
+    <dgm:effectClrLst/>
+    <dgm:txLinClrLst/>
+    <dgm:txFillClrLst meth="repeat">
+      <a:schemeClr val="lt1"/>
+    </dgm:txFillClrLst>
+    <dgm:txEffectClrLst/>
+  </dgm:styleLbl>
+  <dgm:styleLbl name="bgSibTrans2D1">
+    <dgm:fillClrLst>
+      <a:schemeClr val="accent2"/>
+      <a:schemeClr val="accent3"/>
+    </dgm:fillClrLst>
+    <dgm:linClrLst meth="repeat">
+      <a:schemeClr val="lt1"/>
+    </dgm:linClrLst>
+    <dgm:effectClrLst/>
+    <dgm:txLinClrLst/>
+    <dgm:txFillClrLst meth="repeat">
+      <a:schemeClr val="lt1"/>
+    </dgm:txFillClrLst>
+    <dgm:txEffectClrLst/>
+  </dgm:styleLbl>
+  <dgm:styleLbl name="sibTrans1D1">
+    <dgm:fillClrLst/>
+    <dgm:linClrLst>
+      <a:schemeClr val="accent2"/>
+      <a:schemeClr val="accent3"/>
+    </dgm:linClrLst>
+    <dgm:effectClrLst/>
+    <dgm:txLinClrLst/>
+    <dgm:txFillClrLst meth="repeat">
+      <a:schemeClr val="tx1"/>
+    </dgm:txFillClrLst>
+    <dgm:txEffectClrLst/>
+  </dgm:styleLbl>
+  <dgm:styleLbl name="callout">
+    <dgm:fillClrLst meth="repeat">
+      <a:schemeClr val="accent2"/>
+    </dgm:fillClrLst>
+    <dgm:linClrLst meth="repeat">
+      <a:schemeClr val="accent2">
+        <a:tint val="50000"/>
+      </a:schemeClr>
+    </dgm:linClrLst>
+    <dgm:effectClrLst/>
+    <dgm:txLinClrLst/>
+    <dgm:txFillClrLst meth="repeat">
+      <a:schemeClr val="tx1"/>
+    </dgm:txFillClrLst>
+    <dgm:txEffectClrLst/>
+  </dgm:styleLbl>
+  <dgm:styleLbl name="asst0">
+    <dgm:fillClrLst meth="repeat">
+      <a:schemeClr val="accent2"/>
+    </dgm:fillClrLst>
+    <dgm:linClrLst meth="repeat">
+      <a:schemeClr val="lt1">
+        <a:shade val="80000"/>
+      </a:schemeClr>
+    </dgm:linClrLst>
+    <dgm:effectClrLst/>
+    <dgm:txLinClrLst/>
+    <dgm:txFillClrLst/>
+    <dgm:txEffectClrLst/>
+  </dgm:styleLbl>
+  <dgm:styleLbl name="asst1">
+    <dgm:fillClrLst meth="repeat">
+      <a:schemeClr val="accent3"/>
+    </dgm:fillClrLst>
+    <dgm:linClrLst meth="repeat">
+      <a:schemeClr val="lt1">
+        <a:shade val="80000"/>
+      </a:schemeClr>
+    </dgm:linClrLst>
+    <dgm:effectClrLst/>
+    <dgm:txLinClrLst/>
+    <dgm:txFillClrLst/>
+    <dgm:txEffectClrLst/>
+  </dgm:styleLbl>
+  <dgm:styleLbl name="asst2">
+    <dgm:fillClrLst>
+      <a:schemeClr val="accent4"/>
+    </dgm:fillClrLst>
+    <dgm:linClrLst meth="repeat">
+      <a:schemeClr val="lt1"/>
+    </dgm:linClrLst>
+    <dgm:effectClrLst/>
+    <dgm:txLinClrLst/>
+    <dgm:txFillClrLst/>
+    <dgm:txEffectClrLst/>
+  </dgm:styleLbl>
+  <dgm:styleLbl name="asst3">
+    <dgm:fillClrLst>
+      <a:schemeClr val="accent5"/>
+    </dgm:fillClrLst>
+    <dgm:linClrLst meth="repeat">
+      <a:schemeClr val="lt1"/>
+    </dgm:linClrLst>
+    <dgm:effectClrLst/>
+    <dgm:txLinClrLst/>
+    <dgm:txFillClrLst/>
+    <dgm:txEffectClrLst/>
+  </dgm:styleLbl>
+  <dgm:styleLbl name="asst4">
+    <dgm:fillClrLst>
+      <a:schemeClr val="accent6"/>
+    </dgm:fillClrLst>
+    <dgm:linClrLst meth="repeat">
+      <a:schemeClr val="lt1"/>
+    </dgm:linClrLst>
+    <dgm:effectClrLst/>
+    <dgm:txLinClrLst/>
+    <dgm:txFillClrLst/>
+    <dgm:txEffectClrLst/>
+  </dgm:styleLbl>
+  <dgm:styleLbl name="parChTrans2D1">
+    <dgm:fillClrLst meth="repeat">
+      <a:schemeClr val="accent2"/>
+    </dgm:fillClrLst>
+    <dgm:linClrLst meth="repeat">
+      <a:schemeClr val="lt1"/>
+    </dgm:linClrLst>
+    <dgm:effectClrLst/>
+    <dgm:txLinClrLst/>
+    <dgm:txFillClrLst meth="repeat">
+      <a:schemeClr val="lt1"/>
+    </dgm:txFillClrLst>
+    <dgm:txEffectClrLst/>
+  </dgm:styleLbl>
+  <dgm:styleLbl name="parChTrans2D2">
+    <dgm:fillClrLst meth="repeat">
+      <a:schemeClr val="accent3"/>
+    </dgm:fillClrLst>
+    <dgm:linClrLst meth="repeat">
+      <a:schemeClr val="lt1"/>
+    </dgm:linClrLst>
+    <dgm:effectClrLst/>
+    <dgm:txLinClrLst/>
+    <dgm:txFillClrLst/>
+    <dgm:txEffectClrLst/>
+  </dgm:styleLbl>
+  <dgm:styleLbl name="parChTrans2D3">
+    <dgm:fillClrLst meth="repeat">
+      <a:schemeClr val="accent4"/>
+    </dgm:fillClrLst>
+    <dgm:linClrLst meth="repeat">
+      <a:schemeClr val="lt1"/>
+    </dgm:linClrLst>
+    <dgm:effectClrLst/>
+    <dgm:txLinClrLst/>
+    <dgm:txFillClrLst/>
+    <dgm:txEffectClrLst/>
+  </dgm:styleLbl>
+  <dgm:styleLbl name="parChTrans2D4">
+    <dgm:fillClrLst meth="repeat">
+      <a:schemeClr val="accent5"/>
+    </dgm:fillClrLst>
+    <dgm:linClrLst meth="repeat">
+      <a:schemeClr val="lt1"/>
+    </dgm:linClrLst>
+    <dgm:effectClrLst/>
+    <dgm:txLinClrLst/>
+    <dgm:txFillClrLst meth="repeat">
+      <a:schemeClr val="lt1"/>
+    </dgm:txFillClrLst>
+    <dgm:txEffectClrLst/>
+  </dgm:styleLbl>
+  <dgm:styleLbl name="parChTrans1D1">
+    <dgm:fillClrLst meth="repeat">
+      <a:schemeClr val="accent2"/>
+    </dgm:fillClrLst>
+    <dgm:linClrLst meth="repeat">
+      <a:schemeClr val="accent2"/>
+    </dgm:linClrLst>
+    <dgm:effectClrLst/>
+    <dgm:txLinClrLst/>
+    <dgm:txFillClrLst meth="repeat">
+      <a:schemeClr val="tx1"/>
+    </dgm:txFillClrLst>
+    <dgm:txEffectClrLst/>
+  </dgm:styleLbl>
+  <dgm:styleLbl name="parChTrans1D2">
+    <dgm:fillClrLst meth="repeat">
+      <a:schemeClr val="accent2">
+        <a:tint val="90000"/>
+      </a:schemeClr>
+    </dgm:fillClrLst>
+    <dgm:linClrLst meth="repeat">
+      <a:schemeClr val="accent3"/>
+    </dgm:linClrLst>
+    <dgm:effectClrLst/>
+    <dgm:txLinClrLst/>
+    <dgm:txFillClrLst meth="repeat">
+      <a:schemeClr val="tx1"/>
+    </dgm:txFillClrLst>
+    <dgm:txEffectClrLst/>
+  </dgm:styleLbl>
+  <dgm:styleLbl name="parChTrans1D3">
+    <dgm:fillClrLst meth="repeat">
+      <a:schemeClr val="accent2">
+        <a:tint val="70000"/>
+      </a:schemeClr>
+    </dgm:fillClrLst>
+    <dgm:linClrLst meth="repeat">
+      <a:schemeClr val="accent4"/>
+    </dgm:linClrLst>
+    <dgm:effectClrLst/>
+    <dgm:txLinClrLst/>
+    <dgm:txFillClrLst meth="repeat">
+      <a:schemeClr val="tx1"/>
+    </dgm:txFillClrLst>
+    <dgm:txEffectClrLst/>
+  </dgm:styleLbl>
+  <dgm:styleLbl name="parChTrans1D4">
+    <dgm:fillClrLst meth="repeat">
+      <a:schemeClr val="accent2">
+        <a:tint val="50000"/>
+      </a:schemeClr>
+    </dgm:fillClrLst>
+    <dgm:linClrLst meth="repeat">
+      <a:schemeClr val="accent5"/>
+    </dgm:linClrLst>
+    <dgm:effectClrLst/>
+    <dgm:txLinClrLst/>
+    <dgm:txFillClrLst meth="repeat">
+      <a:schemeClr val="tx1"/>
+    </dgm:txFillClrLst>
+    <dgm:txEffectClrLst/>
+  </dgm:styleLbl>
+  <dgm:styleLbl name="fgAcc1">
+    <dgm:fillClrLst meth="repeat">
+      <a:schemeClr val="lt1">
+        <a:alpha val="90000"/>
+      </a:schemeClr>
+    </dgm:fillClrLst>
+    <dgm:linClrLst>
+      <a:schemeClr val="accent2"/>
+      <a:schemeClr val="accent3"/>
+    </dgm:linClrLst>
+    <dgm:effectClrLst/>
+    <dgm:txLinClrLst/>
+    <dgm:txFillClrLst meth="repeat">
+      <a:schemeClr val="dk1"/>
+    </dgm:txFillClrLst>
+    <dgm:txEffectClrLst/>
+  </dgm:styleLbl>
+  <dgm:styleLbl name="conFgAcc1">
+    <dgm:fillClrLst meth="repeat">
+      <a:schemeClr val="lt1">
+        <a:alpha val="90000"/>
+      </a:schemeClr>
+    </dgm:fillClrLst>
+    <dgm:linClrLst>
+      <a:schemeClr val="accent2"/>
+      <a:schemeClr val="accent3"/>
+    </dgm:linClrLst>
+    <dgm:effectClrLst/>
+    <dgm:txLinClrLst/>
+    <dgm:txFillClrLst meth="repeat">
+      <a:schemeClr val="dk1"/>
+    </dgm:txFillClrLst>
+    <dgm:txEffectClrLst/>
+  </dgm:styleLbl>
+  <dgm:styleLbl name="alignAcc1">
+    <dgm:fillClrLst meth="repeat">
+      <a:schemeClr val="lt1">
+        <a:alpha val="90000"/>
+      </a:schemeClr>
+    </dgm:fillClrLst>
+    <dgm:linClrLst>
+      <a:schemeClr val="accent2"/>
+      <a:schemeClr val="accent3"/>
+    </dgm:linClrLst>
+    <dgm:effectClrLst/>
+    <dgm:txLinClrLst/>
+    <dgm:txFillClrLst meth="repeat">
+      <a:schemeClr val="dk1"/>
+    </dgm:txFillClrLst>
+    <dgm:txEffectClrLst/>
+  </dgm:styleLbl>
+  <dgm:styleLbl name="trAlignAcc1">
+    <dgm:fillClrLst meth="repeat">
+      <a:schemeClr val="lt1">
+        <a:alpha val="40000"/>
+      </a:schemeClr>
+    </dgm:fillClrLst>
+    <dgm:linClrLst meth="repeat">
+      <a:schemeClr val="accent2"/>
+    </dgm:linClrLst>
+    <dgm:effectClrLst/>
+    <dgm:txLinClrLst/>
+    <dgm:txFillClrLst meth="repeat">
+      <a:schemeClr val="dk1"/>
+    </dgm:txFillClrLst>
+    <dgm:txEffectClrLst/>
+  </dgm:styleLbl>
+  <dgm:styleLbl name="bgAcc1">
+    <dgm:fillClrLst meth="repeat">
+      <a:schemeClr val="lt1">
+        <a:alpha val="90000"/>
+      </a:schemeClr>
+    </dgm:fillClrLst>
+    <dgm:linClrLst>
+      <a:schemeClr val="accent2"/>
+      <a:schemeClr val="accent3"/>
+    </dgm:linClrLst>
+    <dgm:effectClrLst/>
+    <dgm:txLinClrLst/>
+    <dgm:txFillClrLst meth="repeat">
+      <a:schemeClr val="dk1"/>
+    </dgm:txFillClrLst>
+    <dgm:txEffectClrLst/>
+  </dgm:styleLbl>
+  <dgm:styleLbl name="solidFgAcc1">
+    <dgm:fillClrLst meth="repeat">
+      <a:schemeClr val="lt1"/>
+    </dgm:fillClrLst>
+    <dgm:linClrLst>
+      <a:schemeClr val="accent2"/>
+      <a:schemeClr val="accent3"/>
+    </dgm:linClrLst>
+    <dgm:effectClrLst/>
+    <dgm:txLinClrLst/>
+    <dgm:txFillClrLst meth="repeat">
+      <a:schemeClr val="dk1"/>
+    </dgm:txFillClrLst>
+    <dgm:txEffectClrLst/>
+  </dgm:styleLbl>
+  <dgm:styleLbl name="solidAlignAcc1">
+    <dgm:fillClrLst meth="repeat">
+      <a:schemeClr val="lt1"/>
+    </dgm:fillClrLst>
+    <dgm:linClrLst>
+      <a:schemeClr val="accent2"/>
+      <a:schemeClr val="accent3"/>
+    </dgm:linClrLst>
+    <dgm:effectClrLst/>
+    <dgm:txLinClrLst/>
+    <dgm:txFillClrLst meth="repeat">
+      <a:schemeClr val="dk1"/>
+    </dgm:txFillClrLst>
+    <dgm:txEffectClrLst/>
+  </dgm:styleLbl>
+  <dgm:styleLbl name="solidBgAcc1">
+    <dgm:fillClrLst meth="repeat">
+      <a:schemeClr val="lt1"/>
+    </dgm:fillClrLst>
+    <dgm:linClrLst>
+      <a:schemeClr val="accent2"/>
+      <a:schemeClr val="accent3"/>
+    </dgm:linClrLst>
+    <dgm:effectClrLst/>
+    <dgm:txLinClrLst/>
+    <dgm:txFillClrLst meth="repeat">
+      <a:schemeClr val="dk1"/>
+    </dgm:txFillClrLst>
+    <dgm:txEffectClrLst/>
+  </dgm:styleLbl>
+  <dgm:styleLbl name="fgAccFollowNode1">
+    <dgm:fillClrLst>
+      <a:schemeClr val="accent2">
+        <a:tint val="40000"/>
+        <a:alpha val="90000"/>
+      </a:schemeClr>
+      <a:schemeClr val="accent3">
+        <a:tint val="40000"/>
+        <a:alpha val="90000"/>
+      </a:schemeClr>
+    </dgm:fillClrLst>
+    <dgm:linClrLst>
+      <a:schemeClr val="accent2">
+        <a:tint val="40000"/>
+        <a:alpha val="90000"/>
+      </a:schemeClr>
+      <a:schemeClr val="accent3">
+        <a:tint val="40000"/>
+        <a:alpha val="90000"/>
+      </a:schemeClr>
+    </dgm:linClrLst>
+    <dgm:effectClrLst/>
+    <dgm:txLinClrLst/>
+    <dgm:txFillClrLst meth="repeat">
+      <a:schemeClr val="dk1"/>
+    </dgm:txFillClrLst>
+    <dgm:txEffectClrLst/>
+  </dgm:styleLbl>
+  <dgm:styleLbl name="alignAccFollowNode1">
+    <dgm:fillClrLst>
+      <a:schemeClr val="accent2">
+        <a:tint val="40000"/>
+        <a:alpha val="90000"/>
+      </a:schemeClr>
+      <a:schemeClr val="accent3">
+        <a:tint val="40000"/>
+        <a:alpha val="90000"/>
+      </a:schemeClr>
+    </dgm:fillClrLst>
+    <dgm:linClrLst>
+      <a:schemeClr val="accent2">
+        <a:tint val="40000"/>
+        <a:alpha val="90000"/>
+      </a:schemeClr>
+      <a:schemeClr val="accent3">
+        <a:tint val="40000"/>
+        <a:alpha val="90000"/>
+      </a:schemeClr>
+    </dgm:linClrLst>
+    <dgm:effectClrLst/>
+    <dgm:txLinClrLst/>
+    <dgm:txFillClrLst meth="repeat">
+      <a:schemeClr val="dk1"/>
+    </dgm:txFillClrLst>
+    <dgm:txEffectClrLst/>
+  </dgm:styleLbl>
+  <dgm:styleLbl name="bgAccFollowNode1">
+    <dgm:fillClrLst>
+      <a:schemeClr val="accent2">
+        <a:tint val="40000"/>
+        <a:alpha val="90000"/>
+      </a:schemeClr>
+      <a:schemeClr val="accent3">
+        <a:tint val="40000"/>
+        <a:alpha val="90000"/>
+      </a:schemeClr>
+    </dgm:fillClrLst>
+    <dgm:linClrLst>
+      <a:schemeClr val="accent2">
+        <a:tint val="40000"/>
+        <a:alpha val="90000"/>
+      </a:schemeClr>
+      <a:schemeClr val="accent3">
+        <a:tint val="40000"/>
+        <a:alpha val="90000"/>
+      </a:schemeClr>
+    </dgm:linClrLst>
+    <dgm:effectClrLst/>
+    <dgm:txLinClrLst/>
+    <dgm:txFillClrLst meth="repeat">
+      <a:schemeClr val="dk1"/>
+    </dgm:txFillClrLst>
+    <dgm:txEffectClrLst/>
+  </dgm:styleLbl>
+  <dgm:styleLbl name="fgAcc0">
+    <dgm:fillClrLst meth="repeat">
+      <a:schemeClr val="lt1">
+        <a:alpha val="90000"/>
+      </a:schemeClr>
+    </dgm:fillClrLst>
+    <dgm:linClrLst>
+      <a:schemeClr val="accent1"/>
+    </dgm:linClrLst>
+    <dgm:effectClrLst/>
+    <dgm:txLinClrLst/>
+    <dgm:txFillClrLst meth="repeat">
+      <a:schemeClr val="dk1"/>
+    </dgm:txFillClrLst>
+    <dgm:txEffectClrLst/>
+  </dgm:styleLbl>
+  <dgm:styleLbl name="fgAcc2">
+    <dgm:fillClrLst meth="repeat">
+      <a:schemeClr val="lt1">
+        <a:alpha val="90000"/>
+      </a:schemeClr>
+    </dgm:fillClrLst>
+    <dgm:linClrLst>
+      <a:schemeClr val="accent3"/>
+    </dgm:linClrLst>
+    <dgm:effectClrLst/>
+    <dgm:txLinClrLst/>
+    <dgm:txFillClrLst meth="repeat">
+      <a:schemeClr val="dk1"/>
+    </dgm:txFillClrLst>
+    <dgm:txEffectClrLst/>
+  </dgm:styleLbl>
+  <dgm:styleLbl name="fgAcc3">
+    <dgm:fillClrLst meth="repeat">
+      <a:schemeClr val="lt1">
+        <a:alpha val="90000"/>
+      </a:schemeClr>
+    </dgm:fillClrLst>
+    <dgm:linClrLst>
+      <a:schemeClr val="accent4"/>
+    </dgm:linClrLst>
+    <dgm:effectClrLst/>
+    <dgm:txLinClrLst/>
+    <dgm:txFillClrLst meth="repeat">
+      <a:schemeClr val="dk1"/>
+    </dgm:txFillClrLst>
+    <dgm:txEffectClrLst/>
+  </dgm:styleLbl>
+  <dgm:styleLbl name="fgAcc4">
+    <dgm:fillClrLst meth="repeat">
+      <a:schemeClr val="lt1">
+        <a:alpha val="90000"/>
+      </a:schemeClr>
+    </dgm:fillClrLst>
+    <dgm:linClrLst>
+      <a:schemeClr val="accent5"/>
+    </dgm:linClrLst>
+    <dgm:effectClrLst/>
+    <dgm:txLinClrLst/>
+    <dgm:txFillClrLst meth="repeat">
+      <a:schemeClr val="dk1"/>
+    </dgm:txFillClrLst>
+    <dgm:txEffectClrLst/>
+  </dgm:styleLbl>
+  <dgm:styleLbl name="bgShp">
+    <dgm:fillClrLst meth="repeat">
+      <a:schemeClr val="accent2">
+        <a:tint val="40000"/>
+      </a:schemeClr>
+    </dgm:fillClrLst>
+    <dgm:linClrLst meth="repeat">
+      <a:schemeClr val="dk1"/>
+    </dgm:linClrLst>
+    <dgm:effectClrLst/>
+    <dgm:txLinClrLst/>
+    <dgm:txFillClrLst meth="repeat">
+      <a:schemeClr val="dk1"/>
+    </dgm:txFillClrLst>
+    <dgm:txEffectClrLst/>
+  </dgm:styleLbl>
+  <dgm:styleLbl name="dkBgShp">
+    <dgm:fillClrLst meth="repeat">
+      <a:schemeClr val="accent2">
+        <a:shade val="90000"/>
+      </a:schemeClr>
+    </dgm:fillClrLst>
+    <dgm:linClrLst meth="repeat">
+      <a:schemeClr val="dk1"/>
+    </dgm:linClrLst>
+    <dgm:effectClrLst/>
+    <dgm:txLinClrLst/>
+    <dgm:txFillClrLst meth="repeat">
+      <a:schemeClr val="lt1"/>
+    </dgm:txFillClrLst>
+    <dgm:txEffectClrLst/>
+  </dgm:styleLbl>
+  <dgm:styleLbl name="trBgShp">
+    <dgm:fillClrLst meth="repeat">
+      <a:schemeClr val="accent2">
+        <a:tint val="50000"/>
+        <a:alpha val="40000"/>
+      </a:schemeClr>
+    </dgm:fillClrLst>
+    <dgm:linClrLst meth="repeat">
+      <a:schemeClr val="accent2"/>
+    </dgm:linClrLst>
+    <dgm:effectClrLst/>
+    <dgm:txLinClrLst/>
+    <dgm:txFillClrLst meth="repeat">
+      <a:schemeClr val="lt1"/>
+    </dgm:txFillClrLst>
+    <dgm:txEffectClrLst/>
+  </dgm:styleLbl>
+  <dgm:styleLbl name="fgShp">
+    <dgm:fillClrLst meth="repeat">
+      <a:schemeClr val="accent2">
+        <a:tint val="40000"/>
+      </a:schemeClr>
+    </dgm:fillClrLst>
+    <dgm:linClrLst meth="repeat">
+      <a:schemeClr val="lt1"/>
+    </dgm:linClrLst>
+    <dgm:effectClrLst/>
+    <dgm:txLinClrLst/>
+    <dgm:txFillClrLst meth="repeat">
+      <a:schemeClr val="dk1"/>
+    </dgm:txFillClrLst>
+    <dgm:txEffectClrLst/>
+  </dgm:styleLbl>
+  <dgm:styleLbl name="revTx">
+    <dgm:fillClrLst meth="repeat">
+      <a:schemeClr val="lt1">
+        <a:alpha val="0"/>
+      </a:schemeClr>
+    </dgm:fillClrLst>
+    <dgm:linClrLst meth="repeat">
+      <a:schemeClr val="dk1">
+        <a:alpha val="0"/>
+      </a:schemeClr>
+    </dgm:linClrLst>
+    <dgm:effectClrLst/>
+    <dgm:txLinClrLst/>
+    <dgm:txFillClrLst meth="repeat">
+      <a:schemeClr val="tx1"/>
+    </dgm:txFillClrLst>
+    <dgm:txEffectClrLst/>
+  </dgm:styleLbl>
+</dgm:colorsDef>
+</file>
+
+<file path=ppt/diagrams/data1.xml><?xml version="1.0" encoding="utf-8"?>
+<dgm:dataModel xmlns:dgm="http://schemas.openxmlformats.org/drawingml/2006/diagram" xmlns:a="http://schemas.openxmlformats.org/drawingml/2006/main">
+  <dgm:ptLst>
+    <dgm:pt modelId="{28D003CE-6D4E-45CC-9065-1914D1167227}" type="doc">
+      <dgm:prSet loTypeId="urn:microsoft.com/office/officeart/2005/8/layout/default" loCatId="list" qsTypeId="urn:microsoft.com/office/officeart/2005/8/quickstyle/simple1" qsCatId="simple" csTypeId="urn:microsoft.com/office/officeart/2005/8/colors/colorful2" csCatId="colorful"/>
+      <dgm:spPr/>
+      <dgm:t>
+        <a:bodyPr/>
+        <a:lstStyle/>
+        <a:p>
+          <a:endParaRPr lang="en-US"/>
+        </a:p>
+      </dgm:t>
+    </dgm:pt>
+    <dgm:pt modelId="{BE3258A0-CC15-47C8-AB6C-FBDC889ABFB9}">
+      <dgm:prSet/>
+      <dgm:spPr/>
+      <dgm:t>
+        <a:bodyPr/>
+        <a:lstStyle/>
+        <a:p>
+          <a:r>
+            <a:rPr lang="en-CA"/>
+            <a:t>There is a big while loop</a:t>
+          </a:r>
+          <a:endParaRPr lang="en-US"/>
+        </a:p>
+      </dgm:t>
+    </dgm:pt>
+    <dgm:pt modelId="{944E886B-C753-438E-9652-F4A3293E59A5}" type="parTrans" cxnId="{78921A39-AD7C-4F68-A4BE-0D01E88F66CA}">
+      <dgm:prSet/>
+      <dgm:spPr/>
+      <dgm:t>
+        <a:bodyPr/>
+        <a:lstStyle/>
+        <a:p>
+          <a:endParaRPr lang="en-US"/>
+        </a:p>
+      </dgm:t>
+    </dgm:pt>
+    <dgm:pt modelId="{8CBFF372-F1EC-4B4C-AA94-1863869941C1}" type="sibTrans" cxnId="{78921A39-AD7C-4F68-A4BE-0D01E88F66CA}">
+      <dgm:prSet/>
+      <dgm:spPr/>
+      <dgm:t>
+        <a:bodyPr/>
+        <a:lstStyle/>
+        <a:p>
+          <a:endParaRPr lang="en-US"/>
+        </a:p>
+      </dgm:t>
+    </dgm:pt>
+    <dgm:pt modelId="{C4526EB0-011D-45A0-8CAB-62E124E6FF30}">
+      <dgm:prSet/>
+      <dgm:spPr/>
+      <dgm:t>
+        <a:bodyPr/>
+        <a:lstStyle/>
+        <a:p>
+          <a:r>
+            <a:rPr lang="en-CA"/>
+            <a:t>The user does something</a:t>
+          </a:r>
+          <a:endParaRPr lang="en-US"/>
+        </a:p>
+      </dgm:t>
+    </dgm:pt>
+    <dgm:pt modelId="{39718D45-DDA6-4EBC-B72F-DFDD3A4FE291}" type="parTrans" cxnId="{84C9B172-835B-49F6-B5B3-C8E693480218}">
+      <dgm:prSet/>
+      <dgm:spPr/>
+      <dgm:t>
+        <a:bodyPr/>
+        <a:lstStyle/>
+        <a:p>
+          <a:endParaRPr lang="en-US"/>
+        </a:p>
+      </dgm:t>
+    </dgm:pt>
+    <dgm:pt modelId="{BAF0E9C5-C368-4D6F-84E3-301D11692017}" type="sibTrans" cxnId="{84C9B172-835B-49F6-B5B3-C8E693480218}">
+      <dgm:prSet/>
+      <dgm:spPr/>
+      <dgm:t>
+        <a:bodyPr/>
+        <a:lstStyle/>
+        <a:p>
+          <a:endParaRPr lang="en-US"/>
+        </a:p>
+      </dgm:t>
+    </dgm:pt>
+    <dgm:pt modelId="{CD3B39CF-E4DA-43D2-897B-0FCA6D63BAAC}">
+      <dgm:prSet/>
+      <dgm:spPr/>
+      <dgm:t>
+        <a:bodyPr/>
+        <a:lstStyle/>
+        <a:p>
+          <a:r>
+            <a:rPr lang="en-CA"/>
+            <a:t>A message arrives</a:t>
+          </a:r>
+          <a:endParaRPr lang="en-US"/>
+        </a:p>
+      </dgm:t>
+    </dgm:pt>
+    <dgm:pt modelId="{188F1D7E-6B40-46CF-81C4-1A256634194A}" type="parTrans" cxnId="{48990940-E338-46E4-9B5D-7DEF729FBAF2}">
+      <dgm:prSet/>
+      <dgm:spPr/>
+      <dgm:t>
+        <a:bodyPr/>
+        <a:lstStyle/>
+        <a:p>
+          <a:endParaRPr lang="en-US"/>
+        </a:p>
+      </dgm:t>
+    </dgm:pt>
+    <dgm:pt modelId="{180C2C07-01F1-4EF8-960B-282204A70B23}" type="sibTrans" cxnId="{48990940-E338-46E4-9B5D-7DEF729FBAF2}">
+      <dgm:prSet/>
+      <dgm:spPr/>
+      <dgm:t>
+        <a:bodyPr/>
+        <a:lstStyle/>
+        <a:p>
+          <a:endParaRPr lang="en-US"/>
+        </a:p>
+      </dgm:t>
+    </dgm:pt>
+    <dgm:pt modelId="{B71910AE-8C8E-4899-8DC0-F180133AAE2F}">
+      <dgm:prSet/>
+      <dgm:spPr/>
+      <dgm:t>
+        <a:bodyPr/>
+        <a:lstStyle/>
+        <a:p>
+          <a:r>
+            <a:rPr lang="en-CA"/>
+            <a:t>Parts of the application are notified</a:t>
+          </a:r>
+          <a:endParaRPr lang="en-US"/>
+        </a:p>
+      </dgm:t>
+    </dgm:pt>
+    <dgm:pt modelId="{9CBD011D-9C1A-443E-92D2-2CCE078A9CCD}" type="parTrans" cxnId="{A641F2C7-CE60-45B4-AE99-237C8531490A}">
+      <dgm:prSet/>
+      <dgm:spPr/>
+      <dgm:t>
+        <a:bodyPr/>
+        <a:lstStyle/>
+        <a:p>
+          <a:endParaRPr lang="en-US"/>
+        </a:p>
+      </dgm:t>
+    </dgm:pt>
+    <dgm:pt modelId="{B414ACE8-C1AA-4968-AC42-418F742EB90E}" type="sibTrans" cxnId="{A641F2C7-CE60-45B4-AE99-237C8531490A}">
+      <dgm:prSet/>
+      <dgm:spPr/>
+      <dgm:t>
+        <a:bodyPr/>
+        <a:lstStyle/>
+        <a:p>
+          <a:endParaRPr lang="en-US"/>
+        </a:p>
+      </dgm:t>
+    </dgm:pt>
+    <dgm:pt modelId="{77F7B7A6-3EEE-479B-8EC3-78D092FA945B}">
+      <dgm:prSet/>
+      <dgm:spPr/>
+      <dgm:t>
+        <a:bodyPr/>
+        <a:lstStyle/>
+        <a:p>
+          <a:r>
+            <a:rPr lang="en-CA"/>
+            <a:t>Internal data changes </a:t>
+          </a:r>
+          <a:endParaRPr lang="en-US"/>
+        </a:p>
+      </dgm:t>
+    </dgm:pt>
+    <dgm:pt modelId="{BC610F84-100B-4788-A9C0-400590ABC79F}" type="parTrans" cxnId="{D677337C-FA4A-45F1-83CD-86613EDAFC99}">
+      <dgm:prSet/>
+      <dgm:spPr/>
+      <dgm:t>
+        <a:bodyPr/>
+        <a:lstStyle/>
+        <a:p>
+          <a:endParaRPr lang="en-US"/>
+        </a:p>
+      </dgm:t>
+    </dgm:pt>
+    <dgm:pt modelId="{B5EB0BE4-0500-4F8F-B010-6CB5765CE7B7}" type="sibTrans" cxnId="{D677337C-FA4A-45F1-83CD-86613EDAFC99}">
+      <dgm:prSet/>
+      <dgm:spPr/>
+      <dgm:t>
+        <a:bodyPr/>
+        <a:lstStyle/>
+        <a:p>
+          <a:endParaRPr lang="en-US"/>
+        </a:p>
+      </dgm:t>
+    </dgm:pt>
+    <dgm:pt modelId="{145CB044-EE4E-4E4A-A3B2-C328BE3108CC}">
+      <dgm:prSet/>
+      <dgm:spPr/>
+      <dgm:t>
+        <a:bodyPr/>
+        <a:lstStyle/>
+        <a:p>
+          <a:r>
+            <a:rPr lang="en-CA"/>
+            <a:t>The views must be redrawn </a:t>
+          </a:r>
+          <a:endParaRPr lang="en-US"/>
+        </a:p>
+      </dgm:t>
+    </dgm:pt>
+    <dgm:pt modelId="{380EDC5B-5982-46A7-8E2D-20E8FF66A791}" type="parTrans" cxnId="{E10C978C-C778-4942-8BB8-2F2C63781A82}">
+      <dgm:prSet/>
+      <dgm:spPr/>
+      <dgm:t>
+        <a:bodyPr/>
+        <a:lstStyle/>
+        <a:p>
+          <a:endParaRPr lang="en-US"/>
+        </a:p>
+      </dgm:t>
+    </dgm:pt>
+    <dgm:pt modelId="{0FEC2D6B-1472-4AE2-8274-92D07A5A873C}" type="sibTrans" cxnId="{E10C978C-C778-4942-8BB8-2F2C63781A82}">
+      <dgm:prSet/>
+      <dgm:spPr/>
+      <dgm:t>
+        <a:bodyPr/>
+        <a:lstStyle/>
+        <a:p>
+          <a:endParaRPr lang="en-US"/>
+        </a:p>
+      </dgm:t>
+    </dgm:pt>
+    <dgm:pt modelId="{6FAE90AF-7E3A-4611-B858-5438D3E3E7C4}" type="pres">
+      <dgm:prSet presAssocID="{28D003CE-6D4E-45CC-9065-1914D1167227}" presName="diagram" presStyleCnt="0">
+        <dgm:presLayoutVars>
+          <dgm:dir/>
+          <dgm:resizeHandles val="exact"/>
+        </dgm:presLayoutVars>
+      </dgm:prSet>
+      <dgm:spPr/>
+    </dgm:pt>
+    <dgm:pt modelId="{49AE028A-CB9F-4AE7-ADE1-70793C8873F7}" type="pres">
+      <dgm:prSet presAssocID="{BE3258A0-CC15-47C8-AB6C-FBDC889ABFB9}" presName="node" presStyleLbl="node1" presStyleIdx="0" presStyleCnt="6">
+        <dgm:presLayoutVars>
+          <dgm:bulletEnabled val="1"/>
+        </dgm:presLayoutVars>
+      </dgm:prSet>
+      <dgm:spPr/>
+    </dgm:pt>
+    <dgm:pt modelId="{D7138837-97EA-44DD-A7AB-B82D72D4D31E}" type="pres">
+      <dgm:prSet presAssocID="{8CBFF372-F1EC-4B4C-AA94-1863869941C1}" presName="sibTrans" presStyleCnt="0"/>
+      <dgm:spPr/>
+    </dgm:pt>
+    <dgm:pt modelId="{7E8F1138-652E-428B-B02E-F47773C45596}" type="pres">
+      <dgm:prSet presAssocID="{C4526EB0-011D-45A0-8CAB-62E124E6FF30}" presName="node" presStyleLbl="node1" presStyleIdx="1" presStyleCnt="6">
+        <dgm:presLayoutVars>
+          <dgm:bulletEnabled val="1"/>
+        </dgm:presLayoutVars>
+      </dgm:prSet>
+      <dgm:spPr/>
+    </dgm:pt>
+    <dgm:pt modelId="{0A35AEEC-FA1D-42E7-850C-4F827A7EA8FF}" type="pres">
+      <dgm:prSet presAssocID="{BAF0E9C5-C368-4D6F-84E3-301D11692017}" presName="sibTrans" presStyleCnt="0"/>
+      <dgm:spPr/>
+    </dgm:pt>
+    <dgm:pt modelId="{52315906-B2CE-4E50-B8BF-0EBFEE13B65D}" type="pres">
+      <dgm:prSet presAssocID="{CD3B39CF-E4DA-43D2-897B-0FCA6D63BAAC}" presName="node" presStyleLbl="node1" presStyleIdx="2" presStyleCnt="6">
+        <dgm:presLayoutVars>
+          <dgm:bulletEnabled val="1"/>
+        </dgm:presLayoutVars>
+      </dgm:prSet>
+      <dgm:spPr/>
+    </dgm:pt>
+    <dgm:pt modelId="{AB5D8AA5-7181-4B11-BE12-4B96697557C8}" type="pres">
+      <dgm:prSet presAssocID="{180C2C07-01F1-4EF8-960B-282204A70B23}" presName="sibTrans" presStyleCnt="0"/>
+      <dgm:spPr/>
+    </dgm:pt>
+    <dgm:pt modelId="{EAA2D682-0125-4B3F-863B-EDF1BC00B96C}" type="pres">
+      <dgm:prSet presAssocID="{B71910AE-8C8E-4899-8DC0-F180133AAE2F}" presName="node" presStyleLbl="node1" presStyleIdx="3" presStyleCnt="6">
+        <dgm:presLayoutVars>
+          <dgm:bulletEnabled val="1"/>
+        </dgm:presLayoutVars>
+      </dgm:prSet>
+      <dgm:spPr/>
+    </dgm:pt>
+    <dgm:pt modelId="{931D6E45-85AF-436B-A612-625306A2A6C6}" type="pres">
+      <dgm:prSet presAssocID="{B414ACE8-C1AA-4968-AC42-418F742EB90E}" presName="sibTrans" presStyleCnt="0"/>
+      <dgm:spPr/>
+    </dgm:pt>
+    <dgm:pt modelId="{C3DAEE82-675A-403D-A233-9DC41A94FB03}" type="pres">
+      <dgm:prSet presAssocID="{77F7B7A6-3EEE-479B-8EC3-78D092FA945B}" presName="node" presStyleLbl="node1" presStyleIdx="4" presStyleCnt="6">
+        <dgm:presLayoutVars>
+          <dgm:bulletEnabled val="1"/>
+        </dgm:presLayoutVars>
+      </dgm:prSet>
+      <dgm:spPr/>
+    </dgm:pt>
+    <dgm:pt modelId="{0FEB47C5-61A0-42CC-9033-9EAD5638355A}" type="pres">
+      <dgm:prSet presAssocID="{B5EB0BE4-0500-4F8F-B010-6CB5765CE7B7}" presName="sibTrans" presStyleCnt="0"/>
+      <dgm:spPr/>
+    </dgm:pt>
+    <dgm:pt modelId="{291621B4-DF82-4CC7-BE81-275FABACA3BE}" type="pres">
+      <dgm:prSet presAssocID="{145CB044-EE4E-4E4A-A3B2-C328BE3108CC}" presName="node" presStyleLbl="node1" presStyleIdx="5" presStyleCnt="6">
+        <dgm:presLayoutVars>
+          <dgm:bulletEnabled val="1"/>
+        </dgm:presLayoutVars>
+      </dgm:prSet>
+      <dgm:spPr/>
+    </dgm:pt>
+  </dgm:ptLst>
+  <dgm:cxnLst>
+    <dgm:cxn modelId="{51E99A30-0BF2-4E15-AFF1-172DD1656D23}" type="presOf" srcId="{CD3B39CF-E4DA-43D2-897B-0FCA6D63BAAC}" destId="{52315906-B2CE-4E50-B8BF-0EBFEE13B65D}" srcOrd="0" destOrd="0" presId="urn:microsoft.com/office/officeart/2005/8/layout/default"/>
+    <dgm:cxn modelId="{78921A39-AD7C-4F68-A4BE-0D01E88F66CA}" srcId="{28D003CE-6D4E-45CC-9065-1914D1167227}" destId="{BE3258A0-CC15-47C8-AB6C-FBDC889ABFB9}" srcOrd="0" destOrd="0" parTransId="{944E886B-C753-438E-9652-F4A3293E59A5}" sibTransId="{8CBFF372-F1EC-4B4C-AA94-1863869941C1}"/>
+    <dgm:cxn modelId="{B029FF39-F160-4524-B39C-65B546EE51F9}" type="presOf" srcId="{B71910AE-8C8E-4899-8DC0-F180133AAE2F}" destId="{EAA2D682-0125-4B3F-863B-EDF1BC00B96C}" srcOrd="0" destOrd="0" presId="urn:microsoft.com/office/officeart/2005/8/layout/default"/>
+    <dgm:cxn modelId="{48990940-E338-46E4-9B5D-7DEF729FBAF2}" srcId="{28D003CE-6D4E-45CC-9065-1914D1167227}" destId="{CD3B39CF-E4DA-43D2-897B-0FCA6D63BAAC}" srcOrd="2" destOrd="0" parTransId="{188F1D7E-6B40-46CF-81C4-1A256634194A}" sibTransId="{180C2C07-01F1-4EF8-960B-282204A70B23}"/>
+    <dgm:cxn modelId="{8EE6CF6A-A0B9-4A7F-8C18-5B6FB640FE1E}" type="presOf" srcId="{C4526EB0-011D-45A0-8CAB-62E124E6FF30}" destId="{7E8F1138-652E-428B-B02E-F47773C45596}" srcOrd="0" destOrd="0" presId="urn:microsoft.com/office/officeart/2005/8/layout/default"/>
+    <dgm:cxn modelId="{84C9B172-835B-49F6-B5B3-C8E693480218}" srcId="{28D003CE-6D4E-45CC-9065-1914D1167227}" destId="{C4526EB0-011D-45A0-8CAB-62E124E6FF30}" srcOrd="1" destOrd="0" parTransId="{39718D45-DDA6-4EBC-B72F-DFDD3A4FE291}" sibTransId="{BAF0E9C5-C368-4D6F-84E3-301D11692017}"/>
+    <dgm:cxn modelId="{D677337C-FA4A-45F1-83CD-86613EDAFC99}" srcId="{28D003CE-6D4E-45CC-9065-1914D1167227}" destId="{77F7B7A6-3EEE-479B-8EC3-78D092FA945B}" srcOrd="4" destOrd="0" parTransId="{BC610F84-100B-4788-A9C0-400590ABC79F}" sibTransId="{B5EB0BE4-0500-4F8F-B010-6CB5765CE7B7}"/>
+    <dgm:cxn modelId="{E10C978C-C778-4942-8BB8-2F2C63781A82}" srcId="{28D003CE-6D4E-45CC-9065-1914D1167227}" destId="{145CB044-EE4E-4E4A-A3B2-C328BE3108CC}" srcOrd="5" destOrd="0" parTransId="{380EDC5B-5982-46A7-8E2D-20E8FF66A791}" sibTransId="{0FEC2D6B-1472-4AE2-8274-92D07A5A873C}"/>
+    <dgm:cxn modelId="{0051A6C1-40B6-40A9-BC98-A049C89617C4}" type="presOf" srcId="{BE3258A0-CC15-47C8-AB6C-FBDC889ABFB9}" destId="{49AE028A-CB9F-4AE7-ADE1-70793C8873F7}" srcOrd="0" destOrd="0" presId="urn:microsoft.com/office/officeart/2005/8/layout/default"/>
+    <dgm:cxn modelId="{9FD656C2-1536-42D8-BABD-22E9E65B06D3}" type="presOf" srcId="{145CB044-EE4E-4E4A-A3B2-C328BE3108CC}" destId="{291621B4-DF82-4CC7-BE81-275FABACA3BE}" srcOrd="0" destOrd="0" presId="urn:microsoft.com/office/officeart/2005/8/layout/default"/>
+    <dgm:cxn modelId="{A641F2C7-CE60-45B4-AE99-237C8531490A}" srcId="{28D003CE-6D4E-45CC-9065-1914D1167227}" destId="{B71910AE-8C8E-4899-8DC0-F180133AAE2F}" srcOrd="3" destOrd="0" parTransId="{9CBD011D-9C1A-443E-92D2-2CCE078A9CCD}" sibTransId="{B414ACE8-C1AA-4968-AC42-418F742EB90E}"/>
+    <dgm:cxn modelId="{17E355ED-7A48-4394-B552-828F0C86F580}" type="presOf" srcId="{77F7B7A6-3EEE-479B-8EC3-78D092FA945B}" destId="{C3DAEE82-675A-403D-A233-9DC41A94FB03}" srcOrd="0" destOrd="0" presId="urn:microsoft.com/office/officeart/2005/8/layout/default"/>
+    <dgm:cxn modelId="{768756FD-CB20-4E64-B37B-3F6324FBC6E4}" type="presOf" srcId="{28D003CE-6D4E-45CC-9065-1914D1167227}" destId="{6FAE90AF-7E3A-4611-B858-5438D3E3E7C4}" srcOrd="0" destOrd="0" presId="urn:microsoft.com/office/officeart/2005/8/layout/default"/>
+    <dgm:cxn modelId="{8B4941F8-A862-4D2B-8FC7-50848D2F19B7}" type="presParOf" srcId="{6FAE90AF-7E3A-4611-B858-5438D3E3E7C4}" destId="{49AE028A-CB9F-4AE7-ADE1-70793C8873F7}" srcOrd="0" destOrd="0" presId="urn:microsoft.com/office/officeart/2005/8/layout/default"/>
+    <dgm:cxn modelId="{D7630E5C-F2CD-450B-ABBF-2F9732B12532}" type="presParOf" srcId="{6FAE90AF-7E3A-4611-B858-5438D3E3E7C4}" destId="{D7138837-97EA-44DD-A7AB-B82D72D4D31E}" srcOrd="1" destOrd="0" presId="urn:microsoft.com/office/officeart/2005/8/layout/default"/>
+    <dgm:cxn modelId="{1C92064D-D19D-4207-A357-BB6AE4D9F487}" type="presParOf" srcId="{6FAE90AF-7E3A-4611-B858-5438D3E3E7C4}" destId="{7E8F1138-652E-428B-B02E-F47773C45596}" srcOrd="2" destOrd="0" presId="urn:microsoft.com/office/officeart/2005/8/layout/default"/>
+    <dgm:cxn modelId="{0A985E94-5AA1-455C-98CC-0F90090FB5F4}" type="presParOf" srcId="{6FAE90AF-7E3A-4611-B858-5438D3E3E7C4}" destId="{0A35AEEC-FA1D-42E7-850C-4F827A7EA8FF}" srcOrd="3" destOrd="0" presId="urn:microsoft.com/office/officeart/2005/8/layout/default"/>
+    <dgm:cxn modelId="{5DA4DB01-5179-44D7-9A5E-ECE897C0DCDD}" type="presParOf" srcId="{6FAE90AF-7E3A-4611-B858-5438D3E3E7C4}" destId="{52315906-B2CE-4E50-B8BF-0EBFEE13B65D}" srcOrd="4" destOrd="0" presId="urn:microsoft.com/office/officeart/2005/8/layout/default"/>
+    <dgm:cxn modelId="{F517F3F7-CED5-4AEE-8FE0-75E9E955D943}" type="presParOf" srcId="{6FAE90AF-7E3A-4611-B858-5438D3E3E7C4}" destId="{AB5D8AA5-7181-4B11-BE12-4B96697557C8}" srcOrd="5" destOrd="0" presId="urn:microsoft.com/office/officeart/2005/8/layout/default"/>
+    <dgm:cxn modelId="{0C85B0B7-4B53-47CE-843B-C2D042DF4DB8}" type="presParOf" srcId="{6FAE90AF-7E3A-4611-B858-5438D3E3E7C4}" destId="{EAA2D682-0125-4B3F-863B-EDF1BC00B96C}" srcOrd="6" destOrd="0" presId="urn:microsoft.com/office/officeart/2005/8/layout/default"/>
+    <dgm:cxn modelId="{3CC05D98-3452-4EB7-82CD-6B5C0C2DDFBA}" type="presParOf" srcId="{6FAE90AF-7E3A-4611-B858-5438D3E3E7C4}" destId="{931D6E45-85AF-436B-A612-625306A2A6C6}" srcOrd="7" destOrd="0" presId="urn:microsoft.com/office/officeart/2005/8/layout/default"/>
+    <dgm:cxn modelId="{2F50AF38-C324-4C1E-A68E-51CCFA5D5746}" type="presParOf" srcId="{6FAE90AF-7E3A-4611-B858-5438D3E3E7C4}" destId="{C3DAEE82-675A-403D-A233-9DC41A94FB03}" srcOrd="8" destOrd="0" presId="urn:microsoft.com/office/officeart/2005/8/layout/default"/>
+    <dgm:cxn modelId="{3C1B12CF-B41A-41B0-9384-4357426A5CEF}" type="presParOf" srcId="{6FAE90AF-7E3A-4611-B858-5438D3E3E7C4}" destId="{0FEB47C5-61A0-42CC-9033-9EAD5638355A}" srcOrd="9" destOrd="0" presId="urn:microsoft.com/office/officeart/2005/8/layout/default"/>
+    <dgm:cxn modelId="{60B00820-E722-4BE8-9382-CCE8DD645109}" type="presParOf" srcId="{6FAE90AF-7E3A-4611-B858-5438D3E3E7C4}" destId="{291621B4-DF82-4CC7-BE81-275FABACA3BE}" srcOrd="10" destOrd="0" presId="urn:microsoft.com/office/officeart/2005/8/layout/default"/>
+  </dgm:cxnLst>
+  <dgm:bg/>
+  <dgm:whole/>
+  <dgm:extLst>
+    <a:ext uri="http://schemas.microsoft.com/office/drawing/2008/diagram">
+      <dsp:dataModelExt xmlns:dsp="http://schemas.microsoft.com/office/drawing/2008/diagram" relId="rId6" minVer="http://schemas.openxmlformats.org/drawingml/2006/diagram"/>
+    </a:ext>
+  </dgm:extLst>
+</dgm:dataModel>
+</file>
+
+<file path=ppt/diagrams/drawing1.xml><?xml version="1.0" encoding="utf-8"?>
+<dsp:drawing xmlns:dgm="http://schemas.openxmlformats.org/drawingml/2006/diagram" xmlns:dsp="http://schemas.microsoft.com/office/drawing/2008/diagram" xmlns:a="http://schemas.openxmlformats.org/drawingml/2006/main">
+  <dsp:spTree>
+    <dsp:nvGrpSpPr>
+      <dsp:cNvPr id="0" name=""/>
+      <dsp:cNvGrpSpPr/>
+    </dsp:nvGrpSpPr>
+    <dsp:grpSpPr/>
+    <dsp:sp modelId="{49AE028A-CB9F-4AE7-ADE1-70793C8873F7}">
+      <dsp:nvSpPr>
+        <dsp:cNvPr id="0" name=""/>
+        <dsp:cNvSpPr/>
+      </dsp:nvSpPr>
+      <dsp:spPr>
+        <a:xfrm>
+          <a:off x="499337" y="46"/>
+          <a:ext cx="3849244" cy="2309546"/>
+        </a:xfrm>
+        <a:prstGeom prst="rect">
+          <a:avLst/>
+        </a:prstGeom>
+        <a:solidFill>
+          <a:schemeClr val="accent2">
+            <a:hueOff val="0"/>
+            <a:satOff val="0"/>
+            <a:lumOff val="0"/>
+            <a:alphaOff val="0"/>
+          </a:schemeClr>
+        </a:solidFill>
+        <a:ln w="19050" cap="flat" cmpd="sng" algn="ctr">
+          <a:solidFill>
+            <a:schemeClr val="lt1">
+              <a:hueOff val="0"/>
+              <a:satOff val="0"/>
+              <a:lumOff val="0"/>
+              <a:alphaOff val="0"/>
+            </a:schemeClr>
+          </a:solidFill>
+          <a:prstDash val="solid"/>
+        </a:ln>
+        <a:effectLst/>
+      </dsp:spPr>
+      <dsp:style>
+        <a:lnRef idx="2">
+          <a:scrgbClr r="0" g="0" b="0"/>
+        </a:lnRef>
+        <a:fillRef idx="1">
+          <a:scrgbClr r="0" g="0" b="0"/>
+        </a:fillRef>
+        <a:effectRef idx="0">
+          <a:scrgbClr r="0" g="0" b="0"/>
+        </a:effectRef>
+        <a:fontRef idx="minor">
+          <a:schemeClr val="lt1"/>
+        </a:fontRef>
+      </dsp:style>
+      <dsp:txBody>
+        <a:bodyPr spcFirstLastPara="0" vert="horz" wrap="square" lIns="175260" tIns="175260" rIns="175260" bIns="175260" numCol="1" spcCol="1270" anchor="ctr" anchorCtr="0">
+          <a:noAutofit/>
+        </a:bodyPr>
+        <a:lstStyle/>
+        <a:p>
+          <a:pPr marL="0" lvl="0" indent="0" algn="ctr" defTabSz="2044700">
+            <a:lnSpc>
+              <a:spcPct val="90000"/>
+            </a:lnSpc>
+            <a:spcBef>
+              <a:spcPct val="0"/>
+            </a:spcBef>
+            <a:spcAft>
+              <a:spcPct val="35000"/>
+            </a:spcAft>
+            <a:buNone/>
+          </a:pPr>
+          <a:r>
+            <a:rPr lang="en-CA" sz="4600" kern="1200"/>
+            <a:t>There is a big while loop</a:t>
+          </a:r>
+          <a:endParaRPr lang="en-US" sz="4600" kern="1200"/>
+        </a:p>
+      </dsp:txBody>
+      <dsp:txXfrm>
+        <a:off x="499337" y="46"/>
+        <a:ext cx="3849244" cy="2309546"/>
+      </dsp:txXfrm>
+    </dsp:sp>
+    <dsp:sp modelId="{7E8F1138-652E-428B-B02E-F47773C45596}">
+      <dsp:nvSpPr>
+        <dsp:cNvPr id="0" name=""/>
+        <dsp:cNvSpPr/>
+      </dsp:nvSpPr>
+      <dsp:spPr>
+        <a:xfrm>
+          <a:off x="4733506" y="46"/>
+          <a:ext cx="3849244" cy="2309546"/>
+        </a:xfrm>
+        <a:prstGeom prst="rect">
+          <a:avLst/>
+        </a:prstGeom>
+        <a:solidFill>
+          <a:schemeClr val="accent2">
+            <a:hueOff val="-255475"/>
+            <a:satOff val="702"/>
+            <a:lumOff val="470"/>
+            <a:alphaOff val="0"/>
+          </a:schemeClr>
+        </a:solidFill>
+        <a:ln w="19050" cap="flat" cmpd="sng" algn="ctr">
+          <a:solidFill>
+            <a:schemeClr val="lt1">
+              <a:hueOff val="0"/>
+              <a:satOff val="0"/>
+              <a:lumOff val="0"/>
+              <a:alphaOff val="0"/>
+            </a:schemeClr>
+          </a:solidFill>
+          <a:prstDash val="solid"/>
+        </a:ln>
+        <a:effectLst/>
+      </dsp:spPr>
+      <dsp:style>
+        <a:lnRef idx="2">
+          <a:scrgbClr r="0" g="0" b="0"/>
+        </a:lnRef>
+        <a:fillRef idx="1">
+          <a:scrgbClr r="0" g="0" b="0"/>
+        </a:fillRef>
+        <a:effectRef idx="0">
+          <a:scrgbClr r="0" g="0" b="0"/>
+        </a:effectRef>
+        <a:fontRef idx="minor">
+          <a:schemeClr val="lt1"/>
+        </a:fontRef>
+      </dsp:style>
+      <dsp:txBody>
+        <a:bodyPr spcFirstLastPara="0" vert="horz" wrap="square" lIns="175260" tIns="175260" rIns="175260" bIns="175260" numCol="1" spcCol="1270" anchor="ctr" anchorCtr="0">
+          <a:noAutofit/>
+        </a:bodyPr>
+        <a:lstStyle/>
+        <a:p>
+          <a:pPr marL="0" lvl="0" indent="0" algn="ctr" defTabSz="2044700">
+            <a:lnSpc>
+              <a:spcPct val="90000"/>
+            </a:lnSpc>
+            <a:spcBef>
+              <a:spcPct val="0"/>
+            </a:spcBef>
+            <a:spcAft>
+              <a:spcPct val="35000"/>
+            </a:spcAft>
+            <a:buNone/>
+          </a:pPr>
+          <a:r>
+            <a:rPr lang="en-CA" sz="4600" kern="1200"/>
+            <a:t>The user does something</a:t>
+          </a:r>
+          <a:endParaRPr lang="en-US" sz="4600" kern="1200"/>
+        </a:p>
+      </dsp:txBody>
+      <dsp:txXfrm>
+        <a:off x="4733506" y="46"/>
+        <a:ext cx="3849244" cy="2309546"/>
+      </dsp:txXfrm>
+    </dsp:sp>
+    <dsp:sp modelId="{52315906-B2CE-4E50-B8BF-0EBFEE13B65D}">
+      <dsp:nvSpPr>
+        <dsp:cNvPr id="0" name=""/>
+        <dsp:cNvSpPr/>
+      </dsp:nvSpPr>
+      <dsp:spPr>
+        <a:xfrm>
+          <a:off x="499337" y="2694517"/>
+          <a:ext cx="3849244" cy="2309546"/>
+        </a:xfrm>
+        <a:prstGeom prst="rect">
+          <a:avLst/>
+        </a:prstGeom>
+        <a:solidFill>
+          <a:schemeClr val="accent2">
+            <a:hueOff val="-510950"/>
+            <a:satOff val="1404"/>
+            <a:lumOff val="941"/>
+            <a:alphaOff val="0"/>
+          </a:schemeClr>
+        </a:solidFill>
+        <a:ln w="19050" cap="flat" cmpd="sng" algn="ctr">
+          <a:solidFill>
+            <a:schemeClr val="lt1">
+              <a:hueOff val="0"/>
+              <a:satOff val="0"/>
+              <a:lumOff val="0"/>
+              <a:alphaOff val="0"/>
+            </a:schemeClr>
+          </a:solidFill>
+          <a:prstDash val="solid"/>
+        </a:ln>
+        <a:effectLst/>
+      </dsp:spPr>
+      <dsp:style>
+        <a:lnRef idx="2">
+          <a:scrgbClr r="0" g="0" b="0"/>
+        </a:lnRef>
+        <a:fillRef idx="1">
+          <a:scrgbClr r="0" g="0" b="0"/>
+        </a:fillRef>
+        <a:effectRef idx="0">
+          <a:scrgbClr r="0" g="0" b="0"/>
+        </a:effectRef>
+        <a:fontRef idx="minor">
+          <a:schemeClr val="lt1"/>
+        </a:fontRef>
+      </dsp:style>
+      <dsp:txBody>
+        <a:bodyPr spcFirstLastPara="0" vert="horz" wrap="square" lIns="175260" tIns="175260" rIns="175260" bIns="175260" numCol="1" spcCol="1270" anchor="ctr" anchorCtr="0">
+          <a:noAutofit/>
+        </a:bodyPr>
+        <a:lstStyle/>
+        <a:p>
+          <a:pPr marL="0" lvl="0" indent="0" algn="ctr" defTabSz="2044700">
+            <a:lnSpc>
+              <a:spcPct val="90000"/>
+            </a:lnSpc>
+            <a:spcBef>
+              <a:spcPct val="0"/>
+            </a:spcBef>
+            <a:spcAft>
+              <a:spcPct val="35000"/>
+            </a:spcAft>
+            <a:buNone/>
+          </a:pPr>
+          <a:r>
+            <a:rPr lang="en-CA" sz="4600" kern="1200"/>
+            <a:t>A message arrives</a:t>
+          </a:r>
+          <a:endParaRPr lang="en-US" sz="4600" kern="1200"/>
+        </a:p>
+      </dsp:txBody>
+      <dsp:txXfrm>
+        <a:off x="499337" y="2694517"/>
+        <a:ext cx="3849244" cy="2309546"/>
+      </dsp:txXfrm>
+    </dsp:sp>
+    <dsp:sp modelId="{EAA2D682-0125-4B3F-863B-EDF1BC00B96C}">
+      <dsp:nvSpPr>
+        <dsp:cNvPr id="0" name=""/>
+        <dsp:cNvSpPr/>
+      </dsp:nvSpPr>
+      <dsp:spPr>
+        <a:xfrm>
+          <a:off x="4733506" y="2694517"/>
+          <a:ext cx="3849244" cy="2309546"/>
+        </a:xfrm>
+        <a:prstGeom prst="rect">
+          <a:avLst/>
+        </a:prstGeom>
+        <a:solidFill>
+          <a:schemeClr val="accent2">
+            <a:hueOff val="-766425"/>
+            <a:satOff val="2105"/>
+            <a:lumOff val="1411"/>
+            <a:alphaOff val="0"/>
+          </a:schemeClr>
+        </a:solidFill>
+        <a:ln w="19050" cap="flat" cmpd="sng" algn="ctr">
+          <a:solidFill>
+            <a:schemeClr val="lt1">
+              <a:hueOff val="0"/>
+              <a:satOff val="0"/>
+              <a:lumOff val="0"/>
+              <a:alphaOff val="0"/>
+            </a:schemeClr>
+          </a:solidFill>
+          <a:prstDash val="solid"/>
+        </a:ln>
+        <a:effectLst/>
+      </dsp:spPr>
+      <dsp:style>
+        <a:lnRef idx="2">
+          <a:scrgbClr r="0" g="0" b="0"/>
+        </a:lnRef>
+        <a:fillRef idx="1">
+          <a:scrgbClr r="0" g="0" b="0"/>
+        </a:fillRef>
+        <a:effectRef idx="0">
+          <a:scrgbClr r="0" g="0" b="0"/>
+        </a:effectRef>
+        <a:fontRef idx="minor">
+          <a:schemeClr val="lt1"/>
+        </a:fontRef>
+      </dsp:style>
+      <dsp:txBody>
+        <a:bodyPr spcFirstLastPara="0" vert="horz" wrap="square" lIns="175260" tIns="175260" rIns="175260" bIns="175260" numCol="1" spcCol="1270" anchor="ctr" anchorCtr="0">
+          <a:noAutofit/>
+        </a:bodyPr>
+        <a:lstStyle/>
+        <a:p>
+          <a:pPr marL="0" lvl="0" indent="0" algn="ctr" defTabSz="2044700">
+            <a:lnSpc>
+              <a:spcPct val="90000"/>
+            </a:lnSpc>
+            <a:spcBef>
+              <a:spcPct val="0"/>
+            </a:spcBef>
+            <a:spcAft>
+              <a:spcPct val="35000"/>
+            </a:spcAft>
+            <a:buNone/>
+          </a:pPr>
+          <a:r>
+            <a:rPr lang="en-CA" sz="4600" kern="1200"/>
+            <a:t>Parts of the application are notified</a:t>
+          </a:r>
+          <a:endParaRPr lang="en-US" sz="4600" kern="1200"/>
+        </a:p>
+      </dsp:txBody>
+      <dsp:txXfrm>
+        <a:off x="4733506" y="2694517"/>
+        <a:ext cx="3849244" cy="2309546"/>
+      </dsp:txXfrm>
+    </dsp:sp>
+    <dsp:sp modelId="{C3DAEE82-675A-403D-A233-9DC41A94FB03}">
+      <dsp:nvSpPr>
+        <dsp:cNvPr id="0" name=""/>
+        <dsp:cNvSpPr/>
+      </dsp:nvSpPr>
+      <dsp:spPr>
+        <a:xfrm>
+          <a:off x="499337" y="5388988"/>
+          <a:ext cx="3849244" cy="2309546"/>
+        </a:xfrm>
+        <a:prstGeom prst="rect">
+          <a:avLst/>
+        </a:prstGeom>
+        <a:solidFill>
+          <a:schemeClr val="accent2">
+            <a:hueOff val="-1021900"/>
+            <a:satOff val="2807"/>
+            <a:lumOff val="1882"/>
+            <a:alphaOff val="0"/>
+          </a:schemeClr>
+        </a:solidFill>
+        <a:ln w="19050" cap="flat" cmpd="sng" algn="ctr">
+          <a:solidFill>
+            <a:schemeClr val="lt1">
+              <a:hueOff val="0"/>
+              <a:satOff val="0"/>
+              <a:lumOff val="0"/>
+              <a:alphaOff val="0"/>
+            </a:schemeClr>
+          </a:solidFill>
+          <a:prstDash val="solid"/>
+        </a:ln>
+        <a:effectLst/>
+      </dsp:spPr>
+      <dsp:style>
+        <a:lnRef idx="2">
+          <a:scrgbClr r="0" g="0" b="0"/>
+        </a:lnRef>
+        <a:fillRef idx="1">
+          <a:scrgbClr r="0" g="0" b="0"/>
+        </a:fillRef>
+        <a:effectRef idx="0">
+          <a:scrgbClr r="0" g="0" b="0"/>
+        </a:effectRef>
+        <a:fontRef idx="minor">
+          <a:schemeClr val="lt1"/>
+        </a:fontRef>
+      </dsp:style>
+      <dsp:txBody>
+        <a:bodyPr spcFirstLastPara="0" vert="horz" wrap="square" lIns="175260" tIns="175260" rIns="175260" bIns="175260" numCol="1" spcCol="1270" anchor="ctr" anchorCtr="0">
+          <a:noAutofit/>
+        </a:bodyPr>
+        <a:lstStyle/>
+        <a:p>
+          <a:pPr marL="0" lvl="0" indent="0" algn="ctr" defTabSz="2044700">
+            <a:lnSpc>
+              <a:spcPct val="90000"/>
+            </a:lnSpc>
+            <a:spcBef>
+              <a:spcPct val="0"/>
+            </a:spcBef>
+            <a:spcAft>
+              <a:spcPct val="35000"/>
+            </a:spcAft>
+            <a:buNone/>
+          </a:pPr>
+          <a:r>
+            <a:rPr lang="en-CA" sz="4600" kern="1200"/>
+            <a:t>Internal data changes </a:t>
+          </a:r>
+          <a:endParaRPr lang="en-US" sz="4600" kern="1200"/>
+        </a:p>
+      </dsp:txBody>
+      <dsp:txXfrm>
+        <a:off x="499337" y="5388988"/>
+        <a:ext cx="3849244" cy="2309546"/>
+      </dsp:txXfrm>
+    </dsp:sp>
+    <dsp:sp modelId="{291621B4-DF82-4CC7-BE81-275FABACA3BE}">
+      <dsp:nvSpPr>
+        <dsp:cNvPr id="0" name=""/>
+        <dsp:cNvSpPr/>
+      </dsp:nvSpPr>
+      <dsp:spPr>
+        <a:xfrm>
+          <a:off x="4733506" y="5388988"/>
+          <a:ext cx="3849244" cy="2309546"/>
+        </a:xfrm>
+        <a:prstGeom prst="rect">
+          <a:avLst/>
+        </a:prstGeom>
+        <a:solidFill>
+          <a:schemeClr val="accent2">
+            <a:hueOff val="-1277375"/>
+            <a:satOff val="3509"/>
+            <a:lumOff val="2352"/>
+            <a:alphaOff val="0"/>
+          </a:schemeClr>
+        </a:solidFill>
+        <a:ln w="19050" cap="flat" cmpd="sng" algn="ctr">
+          <a:solidFill>
+            <a:schemeClr val="lt1">
+              <a:hueOff val="0"/>
+              <a:satOff val="0"/>
+              <a:lumOff val="0"/>
+              <a:alphaOff val="0"/>
+            </a:schemeClr>
+          </a:solidFill>
+          <a:prstDash val="solid"/>
+        </a:ln>
+        <a:effectLst/>
+      </dsp:spPr>
+      <dsp:style>
+        <a:lnRef idx="2">
+          <a:scrgbClr r="0" g="0" b="0"/>
+        </a:lnRef>
+        <a:fillRef idx="1">
+          <a:scrgbClr r="0" g="0" b="0"/>
+        </a:fillRef>
+        <a:effectRef idx="0">
+          <a:scrgbClr r="0" g="0" b="0"/>
+        </a:effectRef>
+        <a:fontRef idx="minor">
+          <a:schemeClr val="lt1"/>
+        </a:fontRef>
+      </dsp:style>
+      <dsp:txBody>
+        <a:bodyPr spcFirstLastPara="0" vert="horz" wrap="square" lIns="175260" tIns="175260" rIns="175260" bIns="175260" numCol="1" spcCol="1270" anchor="ctr" anchorCtr="0">
+          <a:noAutofit/>
+        </a:bodyPr>
+        <a:lstStyle/>
+        <a:p>
+          <a:pPr marL="0" lvl="0" indent="0" algn="ctr" defTabSz="2044700">
+            <a:lnSpc>
+              <a:spcPct val="90000"/>
+            </a:lnSpc>
+            <a:spcBef>
+              <a:spcPct val="0"/>
+            </a:spcBef>
+            <a:spcAft>
+              <a:spcPct val="35000"/>
+            </a:spcAft>
+            <a:buNone/>
+          </a:pPr>
+          <a:r>
+            <a:rPr lang="en-CA" sz="4600" kern="1200"/>
+            <a:t>The views must be redrawn </a:t>
+          </a:r>
+          <a:endParaRPr lang="en-US" sz="4600" kern="1200"/>
+        </a:p>
+      </dsp:txBody>
+      <dsp:txXfrm>
+        <a:off x="4733506" y="5388988"/>
+        <a:ext cx="3849244" cy="2309546"/>
+      </dsp:txXfrm>
+    </dsp:sp>
+  </dsp:spTree>
+</dsp:drawing>
+</file>
+
+<file path=ppt/diagrams/layout1.xml><?xml version="1.0" encoding="utf-8"?>
+<dgm:layoutDef xmlns:dgm="http://schemas.openxmlformats.org/drawingml/2006/diagram" xmlns:a="http://schemas.openxmlformats.org/drawingml/2006/main" uniqueId="urn:microsoft.com/office/officeart/2005/8/layout/default">
+  <dgm:title val=""/>
+  <dgm:desc val=""/>
+  <dgm:catLst>
+    <dgm:cat type="list" pri="400"/>
+  </dgm:catLst>
+  <dgm:sampData>
+    <dgm:dataModel>
+      <dgm:ptLst>
+        <dgm:pt modelId="0" type="doc"/>
+        <dgm:pt modelId="1">
+          <dgm:prSet phldr="1"/>
+        </dgm:pt>
+        <dgm:pt modelId="2">
+          <dgm:prSet phldr="1"/>
+        </dgm:pt>
+        <dgm:pt modelId="3">
+          <dgm:prSet phldr="1"/>
+        </dgm:pt>
+        <dgm:pt modelId="4">
+          <dgm:prSet phldr="1"/>
+        </dgm:pt>
+        <dgm:pt modelId="5">
+          <dgm:prSet phldr="1"/>
+        </dgm:pt>
+      </dgm:ptLst>
+      <dgm:cxnLst>
+        <dgm:cxn modelId="6" srcId="0" destId="1" srcOrd="0" destOrd="0"/>
+        <dgm:cxn modelId="7" srcId="0" destId="2" srcOrd="1" destOrd="0"/>
+        <dgm:cxn modelId="8" srcId="0" destId="3" srcOrd="2" destOrd="0"/>
+        <dgm:cxn modelId="9" srcId="0" destId="4" srcOrd="3" destOrd="0"/>
+        <dgm:cxn modelId="10" srcId="0" destId="5" srcOrd="4" destOrd="0"/>
+      </dgm:cxnLst>
+      <dgm:bg/>
+      <dgm:whole/>
+    </dgm:dataModel>
+  </dgm:sampData>
+  <dgm:styleData>
+    <dgm:dataModel>
+      <dgm:ptLst>
+        <dgm:pt modelId="0" type="doc"/>
+        <dgm:pt modelId="1"/>
+        <dgm:pt modelId="2"/>
+      </dgm:ptLst>
+      <dgm:cxnLst>
+        <dgm:cxn modelId="3" srcId="0" destId="1" srcOrd="0" destOrd="0"/>
+        <dgm:cxn modelId="4" srcId="0" destId="2" srcOrd="1" destOrd="0"/>
+      </dgm:cxnLst>
+      <dgm:bg/>
+      <dgm:whole/>
+    </dgm:dataModel>
+  </dgm:styleData>
+  <dgm:clrData>
+    <dgm:dataModel>
+      <dgm:ptLst>
+        <dgm:pt modelId="0" type="doc"/>
+        <dgm:pt modelId="1"/>
+        <dgm:pt modelId="2"/>
+        <dgm:pt modelId="3"/>
+        <dgm:pt modelId="4"/>
+        <dgm:pt modelId="5"/>
+        <dgm:pt modelId="6"/>
+      </dgm:ptLst>
+      <dgm:cxnLst>
+        <dgm:cxn modelId="7" srcId="0" destId="1" srcOrd="0" destOrd="0"/>
+        <dgm:cxn modelId="8" srcId="0" destId="2" srcOrd="1" destOrd="0"/>
+        <dgm:cxn modelId="9" srcId="0" destId="3" srcOrd="2" destOrd="0"/>
+        <dgm:cxn modelId="10" srcId="0" destId="4" srcOrd="3" destOrd="0"/>
+        <dgm:cxn modelId="11" srcId="0" destId="5" srcOrd="4" destOrd="0"/>
+        <dgm:cxn modelId="12" srcId="0" destId="6" srcOrd="5" destOrd="0"/>
+      </dgm:cxnLst>
+      <dgm:bg/>
+      <dgm:whole/>
+    </dgm:dataModel>
+  </dgm:clrData>
+  <dgm:layoutNode name="diagram">
+    <dgm:varLst>
+      <dgm:dir/>
+      <dgm:resizeHandles val="exact"/>
+    </dgm:varLst>
+    <dgm:choose name="Name0">
+      <dgm:if name="Name1" func="var" arg="dir" op="equ" val="norm">
+        <dgm:alg type="snake">
+          <dgm:param type="grDir" val="tL"/>
+          <dgm:param type="flowDir" val="row"/>
+          <dgm:param type="contDir" val="sameDir"/>
+          <dgm:param type="off" val="ctr"/>
+        </dgm:alg>
+      </dgm:if>
+      <dgm:else name="Name2">
+        <dgm:alg type="snake">
+          <dgm:param type="grDir" val="tR"/>
+          <dgm:param type="flowDir" val="row"/>
+          <dgm:param type="contDir" val="sameDir"/>
+          <dgm:param type="off" val="ctr"/>
+        </dgm:alg>
+      </dgm:else>
+    </dgm:choose>
+    <dgm:shape xmlns:r="http://schemas.openxmlformats.org/officeDocument/2006/relationships" r:blip="">
+      <dgm:adjLst/>
+    </dgm:shape>
+    <dgm:presOf/>
+    <dgm:constrLst>
+      <dgm:constr type="w" for="ch" forName="node" refType="w"/>
+      <dgm:constr type="h" for="ch" forName="node" refType="w" refFor="ch" refForName="node" fact="0.6"/>
+      <dgm:constr type="w" for="ch" forName="sibTrans" refType="w" refFor="ch" refForName="node" fact="0.1"/>
+      <dgm:constr type="sp" refType="w" refFor="ch" refForName="sibTrans"/>
+      <dgm:constr type="primFontSz" for="ch" forName="node" op="equ" val="65"/>
+    </dgm:constrLst>
+    <dgm:ruleLst/>
+    <dgm:forEach name="Name3" axis="ch" ptType="node">
+      <dgm:layoutNode name="node">
+        <dgm:varLst>
+          <dgm:bulletEnabled val="1"/>
+        </dgm:varLst>
+        <dgm:alg type="tx"/>
+        <dgm:shape xmlns:r="http://schemas.openxmlformats.org/officeDocument/2006/relationships" type="rect" r:blip="">
+          <dgm:adjLst/>
+        </dgm:shape>
+        <dgm:presOf axis="desOrSelf" ptType="node"/>
+        <dgm:constrLst>
+          <dgm:constr type="lMarg" refType="primFontSz" fact="0.3"/>
+          <dgm:constr type="rMarg" refType="primFontSz" fact="0.3"/>
+          <dgm:constr type="tMarg" refType="primFontSz" fact="0.3"/>
+          <dgm:constr type="bMarg" refType="primFontSz" fact="0.3"/>
+        </dgm:constrLst>
+        <dgm:ruleLst>
+          <dgm:rule type="primFontSz" val="5" fact="NaN" max="NaN"/>
+        </dgm:ruleLst>
+      </dgm:layoutNode>
+      <dgm:forEach name="Name4" axis="followSib" ptType="sibTrans" cnt="1">
+        <dgm:layoutNode name="sibTrans">
+          <dgm:alg type="sp"/>
+          <dgm:shape xmlns:r="http://schemas.openxmlformats.org/officeDocument/2006/relationships" r:blip="">
+            <dgm:adjLst/>
+          </dgm:shape>
+          <dgm:presOf/>
+          <dgm:constrLst/>
+          <dgm:ruleLst/>
+        </dgm:layoutNode>
+      </dgm:forEach>
+    </dgm:forEach>
+  </dgm:layoutNode>
+</dgm:layoutDef>
+</file>
+
+<file path=ppt/diagrams/quickStyle1.xml><?xml version="1.0" encoding="utf-8"?>
+<dgm:styleDef xmlns:dgm="http://schemas.openxmlformats.org/drawingml/2006/diagram" xmlns:a="http://schemas.openxmlformats.org/drawingml/2006/main" uniqueId="urn:microsoft.com/office/officeart/2005/8/quickstyle/simple1">
+  <dgm:title val=""/>
+  <dgm:desc val=""/>
+  <dgm:catLst>
+    <dgm:cat type="simple" pri="10100"/>
+  </dgm:catLst>
+  <dgm:scene3d>
+    <a:camera prst="orthographicFront"/>
+    <a:lightRig rig="threePt" dir="t"/>
+  </dgm:scene3d>
+  <dgm:styleLbl name="node0">
+    <dgm:scene3d>
+      <a:camera prst="orthographicFront"/>
+      <a:lightRig rig="threePt" dir="t"/>
+    </dgm:scene3d>
+    <dgm:sp3d/>
+    <dgm:txPr/>
+    <dgm:style>
+      <a:lnRef idx="2">
+        <a:scrgbClr r="0" g="0" b="0"/>
+      </a:lnRef>
+      <a:fillRef idx="1">
+        <a:scrgbClr r="0" g="0" b="0"/>
+      </a:fillRef>
+      <a:effectRef idx="0">
+        <a:scrgbClr r="0" g="0" b="0"/>
+      </a:effectRef>
+      <a:fontRef idx="minor">
+        <a:schemeClr val="lt1"/>
+      </a:fontRef>
+    </dgm:style>
+  </dgm:styleLbl>
+  <dgm:styleLbl name="lnNode1">
+    <dgm:scene3d>
+      <a:camera prst="orthographicFront"/>
+      <a:lightRig rig="threePt" dir="t"/>
+    </dgm:scene3d>
+    <dgm:sp3d/>
+    <dgm:txPr/>
+    <dgm:style>
+      <a:lnRef idx="2">
+        <a:scrgbClr r="0" g="0" b="0"/>
+      </a:lnRef>
+      <a:fillRef idx="1">
+        <a:scrgbClr r="0" g="0" b="0"/>
+      </a:fillRef>
+      <a:effectRef idx="0">
+        <a:scrgbClr r="0" g="0" b="0"/>
+      </a:effectRef>
+      <a:fontRef idx="minor">
+        <a:schemeClr val="lt1"/>
+      </a:fontRef>
+    </dgm:style>
+  </dgm:styleLbl>
+  <dgm:styleLbl name="vennNode1">
+    <dgm:scene3d>
+      <a:camera prst="orthographicFront"/>
+      <a:lightRig rig="threePt" dir="t"/>
+    </dgm:scene3d>
+    <dgm:sp3d/>
+    <dgm:txPr/>
+    <dgm:style>
+      <a:lnRef idx="2">
+        <a:scrgbClr r="0" g="0" b="0"/>
+      </a:lnRef>
+      <a:fillRef idx="1">
+        <a:scrgbClr r="0" g="0" b="0"/>
+      </a:fillRef>
+      <a:effectRef idx="0">
+        <a:scrgbClr r="0" g="0" b="0"/>
+      </a:effectRef>
+      <a:fontRef idx="minor">
+        <a:schemeClr val="tx1"/>
+      </a:fontRef>
+    </dgm:style>
+  </dgm:styleLbl>
+  <dgm:styleLbl name="alignNode1">
+    <dgm:scene3d>
+      <a:camera prst="orthographicFront"/>
+      <a:lightRig rig="threePt" dir="t"/>
+    </dgm:scene3d>
+    <dgm:sp3d/>
+    <dgm:txPr/>
+    <dgm:style>
+      <a:lnRef idx="2">
+        <a:scrgbClr r="0" g="0" b="0"/>
+      </a:lnRef>
+      <a:fillRef idx="1">
+        <a:scrgbClr r="0" g="0" b="0"/>
+      </a:fillRef>
+      <a:effectRef idx="0">
+        <a:scrgbClr r="0" g="0" b="0"/>
+      </a:effectRef>
+      <a:fontRef idx="minor">
+        <a:schemeClr val="lt1"/>
+      </a:fontRef>
+    </dgm:style>
+  </dgm:styleLbl>
+  <dgm:styleLbl name="node1">
+    <dgm:scene3d>
+      <a:camera prst="orthographicFront"/>
+      <a:lightRig rig="threePt" dir="t"/>
+    </dgm:scene3d>
+    <dgm:sp3d/>
+    <dgm:txPr/>
+    <dgm:style>
+      <a:lnRef idx="2">
+        <a:scrgbClr r="0" g="0" b="0"/>
+      </a:lnRef>
+      <a:fillRef idx="1">
+        <a:scrgbClr r="0" g="0" b="0"/>
+      </a:fillRef>
+      <a:effectRef idx="0">
+        <a:scrgbClr r="0" g="0" b="0"/>
+      </a:effectRef>
+      <a:fontRef idx="minor">
+        <a:schemeClr val="lt1"/>
+      </a:fontRef>
+    </dgm:style>
+  </dgm:styleLbl>
+  <dgm:styleLbl name="node2">
+    <dgm:scene3d>
+      <a:camera prst="orthographicFront"/>
+      <a:lightRig rig="threePt" dir="t"/>
+    </dgm:scene3d>
+    <dgm:sp3d/>
+    <dgm:txPr/>
+    <dgm:style>
+      <a:lnRef idx="2">
+        <a:scrgbClr r="0" g="0" b="0"/>
+      </a:lnRef>
+      <a:fillRef idx="1">
+        <a:scrgbClr r="0" g="0" b="0"/>
+      </a:fillRef>
+      <a:effectRef idx="0">
+        <a:scrgbClr r="0" g="0" b="0"/>
+      </a:effectRef>
+      <a:fontRef idx="minor">
+        <a:schemeClr val="lt1"/>
+      </a:fontRef>
+    </dgm:style>
+  </dgm:styleLbl>
+  <dgm:styleLbl name="node3">
+    <dgm:scene3d>
+      <a:camera prst="orthographicFront"/>
+      <a:lightRig rig="threePt" dir="t"/>
+    </dgm:scene3d>
+    <dgm:sp3d/>
+    <dgm:txPr/>
+    <dgm:style>
+      <a:lnRef idx="2">
+        <a:scrgbClr r="0" g="0" b="0"/>
+      </a:lnRef>
+      <a:fillRef idx="1">
+        <a:scrgbClr r="0" g="0" b="0"/>
+      </a:fillRef>
+      <a:effectRef idx="0">
+        <a:scrgbClr r="0" g="0" b="0"/>
+      </a:effectRef>
+      <a:fontRef idx="minor">
+        <a:schemeClr val="lt1"/>
+      </a:fontRef>
+    </dgm:style>
+  </dgm:styleLbl>
+  <dgm:styleLbl name="node4">
+    <dgm:scene3d>
+      <a:camera prst="orthographicFront"/>
+      <a:lightRig rig="threePt" dir="t"/>
+    </dgm:scene3d>
+    <dgm:sp3d/>
+    <dgm:txPr/>
+    <dgm:style>
+      <a:lnRef idx="2">
+        <a:scrgbClr r="0" g="0" b="0"/>
+      </a:lnRef>
+      <a:fillRef idx="1">
+        <a:scrgbClr r="0" g="0" b="0"/>
+      </a:fillRef>
+      <a:effectRef idx="0">
+        <a:scrgbClr r="0" g="0" b="0"/>
+      </a:effectRef>
+      <a:fontRef idx="minor">
+        <a:schemeClr val="lt1"/>
+      </a:fontRef>
+    </dgm:style>
+  </dgm:styleLbl>
+  <dgm:styleLbl name="fgImgPlace1">
+    <dgm:scene3d>
+      <a:camera prst="orthographicFront"/>
+      <a:lightRig rig="threePt" dir="t"/>
+    </dgm:scene3d>
+    <dgm:sp3d/>
+    <dgm:txPr/>
+    <dgm:style>
+      <a:lnRef idx="2">
+        <a:scrgbClr r="0" g="0" b="0"/>
+      </a:lnRef>
+      <a:fillRef idx="1">
+        <a:scrgbClr r="0" g="0" b="0"/>
+      </a:fillRef>
+      <a:effectRef idx="0">
+        <a:scrgbClr r="0" g="0" b="0"/>
+      </a:effectRef>
+      <a:fontRef idx="minor"/>
+    </dgm:style>
+  </dgm:styleLbl>
+  <dgm:styleLbl name="alignImgPlace1">
+    <dgm:scene3d>
+      <a:camera prst="orthographicFront"/>
+      <a:lightRig rig="threePt" dir="t"/>
+    </dgm:scene3d>
+    <dgm:sp3d/>
+    <dgm:txPr/>
+    <dgm:style>
+      <a:lnRef idx="2">
+        <a:scrgbClr r="0" g="0" b="0"/>
+      </a:lnRef>
+      <a:fillRef idx="1">
+        <a:scrgbClr r="0" g="0" b="0"/>
+      </a:fillRef>
+      <a:effectRef idx="0">
+        <a:scrgbClr r="0" g="0" b="0"/>
+      </a:effectRef>
+      <a:fontRef idx="minor"/>
+    </dgm:style>
+  </dgm:styleLbl>
+  <dgm:styleLbl name="bgImgPlace1">
+    <dgm:scene3d>
+      <a:camera prst="orthographicFront"/>
+      <a:lightRig rig="threePt" dir="t"/>
+    </dgm:scene3d>
+    <dgm:sp3d/>
+    <dgm:txPr/>
+    <dgm:style>
+      <a:lnRef idx="2">
+        <a:scrgbClr r="0" g="0" b="0"/>
+      </a:lnRef>
+      <a:fillRef idx="1">
+        <a:scrgbClr r="0" g="0" b="0"/>
+      </a:fillRef>
+      <a:effectRef idx="0">
+        <a:scrgbClr r="0" g="0" b="0"/>
+      </a:effectRef>
+      <a:fontRef idx="minor"/>
+    </dgm:style>
+  </dgm:styleLbl>
+  <dgm:styleLbl name="sibTrans2D1">
+    <dgm:scene3d>
+      <a:camera prst="orthographicFront"/>
+      <a:lightRig rig="threePt" dir="t"/>
+    </dgm:scene3d>
+    <dgm:sp3d/>
+    <dgm:txPr/>
+    <dgm:style>
+      <a:lnRef idx="0">
+        <a:scrgbClr r="0" g="0" b="0"/>
+      </a:lnRef>
+      <a:fillRef idx="1">
+        <a:scrgbClr r="0" g="0" b="0"/>
+      </a:fillRef>
+      <a:effectRef idx="0">
+        <a:scrgbClr r="0" g="0" b="0"/>
+      </a:effectRef>
+      <a:fontRef idx="minor">
+        <a:schemeClr val="lt1"/>
+      </a:fontRef>
+    </dgm:style>
+  </dgm:styleLbl>
+  <dgm:styleLbl name="fgSibTrans2D1">
+    <dgm:scene3d>
+      <a:camera prst="orthographicFront"/>
+      <a:lightRig rig="threePt" dir="t"/>
+    </dgm:scene3d>
+    <dgm:sp3d/>
+    <dgm:txPr/>
+    <dgm:style>
+      <a:lnRef idx="0">
+        <a:scrgbClr r="0" g="0" b="0"/>
+      </a:lnRef>
+      <a:fillRef idx="1">
+        <a:scrgbClr r="0" g="0" b="0"/>
+      </a:fillRef>
+      <a:effectRef idx="0">
+        <a:scrgbClr r="0" g="0" b="0"/>
+      </a:effectRef>
+      <a:fontRef idx="minor">
+        <a:schemeClr val="lt1"/>
+      </a:fontRef>
+    </dgm:style>
+  </dgm:styleLbl>
+  <dgm:styleLbl name="bgSibTrans2D1">
+    <dgm:scene3d>
+      <a:camera prst="orthographicFront"/>
+      <a:lightRig rig="threePt" dir="t"/>
+    </dgm:scene3d>
+    <dgm:sp3d/>
+    <dgm:txPr/>
+    <dgm:style>
+      <a:lnRef idx="0">
+        <a:scrgbClr r="0" g="0" b="0"/>
+      </a:lnRef>
+      <a:fillRef idx="1">
+        <a:scrgbClr r="0" g="0" b="0"/>
+      </a:fillRef>
+      <a:effectRef idx="0">
+        <a:scrgbClr r="0" g="0" b="0"/>
+      </a:effectRef>
+      <a:fontRef idx="minor">
+        <a:schemeClr val="lt1"/>
+      </a:fontRef>
+    </dgm:style>
+  </dgm:styleLbl>
+  <dgm:styleLbl name="sibTrans1D1">
+    <dgm:scene3d>
+      <a:camera prst="orthographicFront"/>
+      <a:lightRig rig="threePt" dir="t"/>
+    </dgm:scene3d>
+    <dgm:sp3d/>
+    <dgm:txPr/>
+    <dgm:style>
+      <a:lnRef idx="1">
+        <a:scrgbClr r="0" g="0" b="0"/>
+      </a:lnRef>
+      <a:fillRef idx="0">
+        <a:scrgbClr r="0" g="0" b="0"/>
+      </a:fillRef>
+      <a:effectRef idx="0">
+        <a:scrgbClr r="0" g="0" b="0"/>
+      </a:effectRef>
+      <a:fontRef idx="minor"/>
+    </dgm:style>
+  </dgm:styleLbl>
+  <dgm:styleLbl name="callout">
+    <dgm:scene3d>
+      <a:camera prst="orthographicFront"/>
+      <a:lightRig rig="threePt" dir="t"/>
+    </dgm:scene3d>
+    <dgm:sp3d/>
+    <dgm:txPr/>
+    <dgm:style>
+      <a:lnRef idx="2">
+        <a:scrgbClr r="0" g="0" b="0"/>
+      </a:lnRef>
+      <a:fillRef idx="1">
+        <a:scrgbClr r="0" g="0" b="0"/>
+      </a:fillRef>
+      <a:effectRef idx="0">
+        <a:scrgbClr r="0" g="0" b="0"/>
+      </a:effectRef>
+      <a:fontRef idx="minor"/>
+    </dgm:style>
+  </dgm:styleLbl>
+  <dgm:styleLbl name="asst0">
+    <dgm:scene3d>
+      <a:camera prst="orthographicFront"/>
+      <a:lightRig rig="threePt" dir="t"/>
+    </dgm:scene3d>
+    <dgm:sp3d/>
+    <dgm:txPr/>
+    <dgm:style>
+      <a:lnRef idx="2">
+        <a:scrgbClr r="0" g="0" b="0"/>
+      </a:lnRef>
+      <a:fillRef idx="1">
+        <a:scrgbClr r="0" g="0" b="0"/>
+      </a:fillRef>
+      <a:effectRef idx="0">
+        <a:scrgbClr r="0" g="0" b="0"/>
+      </a:effectRef>
+      <a:fontRef idx="minor">
+        <a:schemeClr val="lt1"/>
+      </a:fontRef>
+    </dgm:style>
+  </dgm:styleLbl>
+  <dgm:styleLbl name="asst1">
+    <dgm:scene3d>
+      <a:camera prst="orthographicFront"/>
+      <a:lightRig rig="threePt" dir="t"/>
+    </dgm:scene3d>
+    <dgm:sp3d/>
+    <dgm:txPr/>
+    <dgm:style>
+      <a:lnRef idx="2">
+        <a:scrgbClr r="0" g="0" b="0"/>
+      </a:lnRef>
+      <a:fillRef idx="1">
+        <a:scrgbClr r="0" g="0" b="0"/>
+      </a:fillRef>
+      <a:effectRef idx="0">
+        <a:scrgbClr r="0" g="0" b="0"/>
+      </a:effectRef>
+      <a:fontRef idx="minor">
+        <a:schemeClr val="lt1"/>
+      </a:fontRef>
+    </dgm:style>
+  </dgm:styleLbl>
+  <dgm:styleLbl name="asst2">
+    <dgm:scene3d>
+      <a:camera prst="orthographicFront"/>
+      <a:lightRig rig="threePt" dir="t"/>
+    </dgm:scene3d>
+    <dgm:sp3d/>
+    <dgm:txPr/>
+    <dgm:style>
+      <a:lnRef idx="2">
+        <a:scrgbClr r="0" g="0" b="0"/>
+      </a:lnRef>
+      <a:fillRef idx="1">
+        <a:scrgbClr r="0" g="0" b="0"/>
+      </a:fillRef>
+      <a:effectRef idx="0">
+        <a:scrgbClr r="0" g="0" b="0"/>
+      </a:effectRef>
+      <a:fontRef idx="minor">
+        <a:schemeClr val="lt1"/>
+      </a:fontRef>
+    </dgm:style>
+  </dgm:styleLbl>
+  <dgm:styleLbl name="asst3">
+    <dgm:scene3d>
+      <a:camera prst="orthographicFront"/>
+      <a:lightRig rig="threePt" dir="t"/>
+    </dgm:scene3d>
+    <dgm:sp3d/>
+    <dgm:txPr/>
+    <dgm:style>
+      <a:lnRef idx="2">
+        <a:scrgbClr r="0" g="0" b="0"/>
+      </a:lnRef>
+      <a:fillRef idx="1">
+        <a:scrgbClr r="0" g="0" b="0"/>
+      </a:fillRef>
+      <a:effectRef idx="0">
+        <a:scrgbClr r="0" g="0" b="0"/>
+      </a:effectRef>
+      <a:fontRef idx="minor">
+        <a:schemeClr val="lt1"/>
+      </a:fontRef>
+    </dgm:style>
+  </dgm:styleLbl>
+  <dgm:styleLbl name="asst4">
+    <dgm:scene3d>
+      <a:camera prst="orthographicFront"/>
+      <a:lightRig rig="threePt" dir="t"/>
+    </dgm:scene3d>
+    <dgm:sp3d/>
+    <dgm:txPr/>
+    <dgm:style>
+      <a:lnRef idx="2">
+        <a:scrgbClr r="0" g="0" b="0"/>
+      </a:lnRef>
+      <a:fillRef idx="1">
+        <a:scrgbClr r="0" g="0" b="0"/>
+      </a:fillRef>
+      <a:effectRef idx="0">
+        <a:scrgbClr r="0" g="0" b="0"/>
+      </a:effectRef>
+      <a:fontRef idx="minor">
+        <a:schemeClr val="lt1"/>
+      </a:fontRef>
+    </dgm:style>
+  </dgm:styleLbl>
+  <dgm:styleLbl name="parChTrans2D1">
+    <dgm:scene3d>
+      <a:camera prst="orthographicFront"/>
+      <a:lightRig rig="threePt" dir="t"/>
+    </dgm:scene3d>
+    <dgm:sp3d/>
+    <dgm:txPr/>
+    <dgm:style>
+      <a:lnRef idx="2">
+        <a:scrgbClr r="0" g="0" b="0"/>
+      </a:lnRef>
+      <a:fillRef idx="1">
+        <a:scrgbClr r="0" g="0" b="0"/>
+      </a:fillRef>
+      <a:effectRef idx="0">
+        <a:scrgbClr r="0" g="0" b="0"/>
+      </a:effectRef>
+      <a:fontRef idx="minor">
+        <a:schemeClr val="lt1"/>
+      </a:fontRef>
+    </dgm:style>
+  </dgm:styleLbl>
+  <dgm:styleLbl name="parChTrans2D2">
+    <dgm:scene3d>
+      <a:camera prst="orthographicFront"/>
+      <a:lightRig rig="threePt" dir="t"/>
+    </dgm:scene3d>
+    <dgm:sp3d/>
+    <dgm:txPr/>
+    <dgm:style>
+      <a:lnRef idx="2">
+        <a:scrgbClr r="0" g="0" b="0"/>
+      </a:lnRef>
+      <a:fillRef idx="1">
+        <a:scrgbClr r="0" g="0" b="0"/>
+      </a:fillRef>
+      <a:effectRef idx="0">
+        <a:scrgbClr r="0" g="0" b="0"/>
+      </a:effectRef>
+      <a:fontRef idx="minor">
+        <a:schemeClr val="lt1"/>
+      </a:fontRef>
+    </dgm:style>
+  </dgm:styleLbl>
+  <dgm:styleLbl name="parChTrans2D3">
+    <dgm:scene3d>
+      <a:camera prst="orthographicFront"/>
+      <a:lightRig rig="threePt" dir="t"/>
+    </dgm:scene3d>
+    <dgm:sp3d/>
+    <dgm:txPr/>
+    <dgm:style>
+      <a:lnRef idx="2">
+        <a:scrgbClr r="0" g="0" b="0"/>
+      </a:lnRef>
+      <a:fillRef idx="1">
+        <a:scrgbClr r="0" g="0" b="0"/>
+      </a:fillRef>
+      <a:effectRef idx="0">
+        <a:scrgbClr r="0" g="0" b="0"/>
+      </a:effectRef>
+      <a:fontRef idx="minor">
+        <a:schemeClr val="lt1"/>
+      </a:fontRef>
+    </dgm:style>
+  </dgm:styleLbl>
+  <dgm:styleLbl name="parChTrans2D4">
+    <dgm:scene3d>
+      <a:camera prst="orthographicFront"/>
+      <a:lightRig rig="threePt" dir="t"/>
+    </dgm:scene3d>
+    <dgm:sp3d/>
+    <dgm:txPr/>
+    <dgm:style>
+      <a:lnRef idx="2">
+        <a:scrgbClr r="0" g="0" b="0"/>
+      </a:lnRef>
+      <a:fillRef idx="1">
+        <a:scrgbClr r="0" g="0" b="0"/>
+      </a:fillRef>
+      <a:effectRef idx="0">
+        <a:scrgbClr r="0" g="0" b="0"/>
+      </a:effectRef>
+      <a:fontRef idx="minor">
+        <a:schemeClr val="lt1"/>
+      </a:fontRef>
+    </dgm:style>
+  </dgm:styleLbl>
+  <dgm:styleLbl name="parChTrans1D1">
+    <dgm:scene3d>
+      <a:camera prst="orthographicFront"/>
+      <a:lightRig rig="threePt" dir="t"/>
+    </dgm:scene3d>
+    <dgm:sp3d/>
+    <dgm:txPr/>
+    <dgm:style>
+      <a:lnRef idx="2">
+        <a:scrgbClr r="0" g="0" b="0"/>
+      </a:lnRef>
+      <a:fillRef idx="0">
+        <a:scrgbClr r="0" g="0" b="0"/>
+      </a:fillRef>
+      <a:effectRef idx="0">
+        <a:scrgbClr r="0" g="0" b="0"/>
+      </a:effectRef>
+      <a:fontRef idx="minor"/>
+    </dgm:style>
+  </dgm:styleLbl>
+  <dgm:styleLbl name="parChTrans1D2">
+    <dgm:scene3d>
+      <a:camera prst="orthographicFront"/>
+      <a:lightRig rig="threePt" dir="t"/>
+    </dgm:scene3d>
+    <dgm:sp3d/>
+    <dgm:txPr/>
+    <dgm:style>
+      <a:lnRef idx="2">
+        <a:scrgbClr r="0" g="0" b="0"/>
+      </a:lnRef>
+      <a:fillRef idx="0">
+        <a:scrgbClr r="0" g="0" b="0"/>
+      </a:fillRef>
+      <a:effectRef idx="0">
+        <a:scrgbClr r="0" g="0" b="0"/>
+      </a:effectRef>
+      <a:fontRef idx="minor"/>
+    </dgm:style>
+  </dgm:styleLbl>
+  <dgm:styleLbl name="parChTrans1D3">
+    <dgm:scene3d>
+      <a:camera prst="orthographicFront"/>
+      <a:lightRig rig="threePt" dir="t"/>
+    </dgm:scene3d>
+    <dgm:sp3d/>
+    <dgm:txPr/>
+    <dgm:style>
+      <a:lnRef idx="2">
+        <a:scrgbClr r="0" g="0" b="0"/>
+      </a:lnRef>
+      <a:fillRef idx="0">
+        <a:scrgbClr r="0" g="0" b="0"/>
+      </a:fillRef>
+      <a:effectRef idx="0">
+        <a:scrgbClr r="0" g="0" b="0"/>
+      </a:effectRef>
+      <a:fontRef idx="minor"/>
+    </dgm:style>
+  </dgm:styleLbl>
+  <dgm:styleLbl name="parChTrans1D4">
+    <dgm:scene3d>
+      <a:camera prst="orthographicFront"/>
+      <a:lightRig rig="threePt" dir="t"/>
+    </dgm:scene3d>
+    <dgm:sp3d/>
+    <dgm:txPr/>
+    <dgm:style>
+      <a:lnRef idx="2">
+        <a:scrgbClr r="0" g="0" b="0"/>
+      </a:lnRef>
+      <a:fillRef idx="0">
+        <a:scrgbClr r="0" g="0" b="0"/>
+      </a:fillRef>
+      <a:effectRef idx="0">
+        <a:scrgbClr r="0" g="0" b="0"/>
+      </a:effectRef>
+      <a:fontRef idx="minor"/>
+    </dgm:style>
+  </dgm:styleLbl>
+  <dgm:styleLbl name="fgAcc1">
+    <dgm:scene3d>
+      <a:camera prst="orthographicFront"/>
+      <a:lightRig rig="threePt" dir="t"/>
+    </dgm:scene3d>
+    <dgm:sp3d/>
+    <dgm:txPr/>
+    <dgm:style>
+      <a:lnRef idx="2">
+        <a:scrgbClr r="0" g="0" b="0"/>
+      </a:lnRef>
+      <a:fillRef idx="1">
+        <a:scrgbClr r="0" g="0" b="0"/>
+      </a:fillRef>
+      <a:effectRef idx="0">
+        <a:scrgbClr r="0" g="0" b="0"/>
+      </a:effectRef>
+      <a:fontRef idx="minor"/>
+    </dgm:style>
+  </dgm:styleLbl>
+  <dgm:styleLbl name="conFgAcc1">
+    <dgm:scene3d>
+      <a:camera prst="orthographicFront"/>
+      <a:lightRig rig="threePt" dir="t"/>
+    </dgm:scene3d>
+    <dgm:sp3d/>
+    <dgm:txPr/>
+    <dgm:style>
+      <a:lnRef idx="2">
+        <a:scrgbClr r="0" g="0" b="0"/>
+      </a:lnRef>
+      <a:fillRef idx="1">
+        <a:scrgbClr r="0" g="0" b="0"/>
+      </a:fillRef>
+      <a:effectRef idx="0">
+        <a:scrgbClr r="0" g="0" b="0"/>
+      </a:effectRef>
+      <a:fontRef idx="minor"/>
+    </dgm:style>
+  </dgm:styleLbl>
+  <dgm:styleLbl name="alignAcc1">
+    <dgm:scene3d>
+      <a:camera prst="orthographicFront"/>
+      <a:lightRig rig="threePt" dir="t"/>
+    </dgm:scene3d>
+    <dgm:sp3d/>
+    <dgm:txPr/>
+    <dgm:style>
+      <a:lnRef idx="2">
+        <a:scrgbClr r="0" g="0" b="0"/>
+      </a:lnRef>
+      <a:fillRef idx="1">
+        <a:scrgbClr r="0" g="0" b="0"/>
+      </a:fillRef>
+      <a:effectRef idx="0">
+        <a:scrgbClr r="0" g="0" b="0"/>
+      </a:effectRef>
+      <a:fontRef idx="minor"/>
+    </dgm:style>
+  </dgm:styleLbl>
+  <dgm:styleLbl name="trAlignAcc1">
+    <dgm:scene3d>
+      <a:camera prst="orthographicFront"/>
+      <a:lightRig rig="threePt" dir="t"/>
+    </dgm:scene3d>
+    <dgm:sp3d/>
+    <dgm:txPr/>
+    <dgm:style>
+      <a:lnRef idx="1">
+        <a:scrgbClr r="0" g="0" b="0"/>
+      </a:lnRef>
+      <a:fillRef idx="1">
+        <a:scrgbClr r="0" g="0" b="0"/>
+      </a:fillRef>
+      <a:effectRef idx="0">
+        <a:scrgbClr r="0" g="0" b="0"/>
+      </a:effectRef>
+      <a:fontRef idx="minor"/>
+    </dgm:style>
+  </dgm:styleLbl>
+  <dgm:styleLbl name="bgAcc1">
+    <dgm:scene3d>
+      <a:camera prst="orthographicFront"/>
+      <a:lightRig rig="threePt" dir="t"/>
+    </dgm:scene3d>
+    <dgm:sp3d/>
+    <dgm:txPr/>
+    <dgm:style>
+      <a:lnRef idx="2">
+        <a:scrgbClr r="0" g="0" b="0"/>
+      </a:lnRef>
+      <a:fillRef idx="1">
+        <a:scrgbClr r="0" g="0" b="0"/>
+      </a:fillRef>
+      <a:effectRef idx="0">
+        <a:scrgbClr r="0" g="0" b="0"/>
+      </a:effectRef>
+      <a:fontRef idx="minor"/>
+    </dgm:style>
+  </dgm:styleLbl>
+  <dgm:styleLbl name="solidFgAcc1">
+    <dgm:scene3d>
+      <a:camera prst="orthographicFront"/>
+      <a:lightRig rig="threePt" dir="t"/>
+    </dgm:scene3d>
+    <dgm:sp3d/>
+    <dgm:txPr/>
+    <dgm:style>
+      <a:lnRef idx="2">
+        <a:scrgbClr r="0" g="0" b="0"/>
+      </a:lnRef>
+      <a:fillRef idx="1">
+        <a:scrgbClr r="0" g="0" b="0"/>
+      </a:fillRef>
+      <a:effectRef idx="0">
+        <a:scrgbClr r="0" g="0" b="0"/>
+      </a:effectRef>
+      <a:fontRef idx="minor"/>
+    </dgm:style>
+  </dgm:styleLbl>
+  <dgm:styleLbl name="solidAlignAcc1">
+    <dgm:scene3d>
+      <a:camera prst="orthographicFront"/>
+      <a:lightRig rig="threePt" dir="t"/>
+    </dgm:scene3d>
+    <dgm:sp3d/>
+    <dgm:txPr/>
+    <dgm:style>
+      <a:lnRef idx="2">
+        <a:scrgbClr r="0" g="0" b="0"/>
+      </a:lnRef>
+      <a:fillRef idx="1">
+        <a:scrgbClr r="0" g="0" b="0"/>
+      </a:fillRef>
+      <a:effectRef idx="0">
+        <a:scrgbClr r="0" g="0" b="0"/>
+      </a:effectRef>
+      <a:fontRef idx="minor"/>
+    </dgm:style>
+  </dgm:styleLbl>
+  <dgm:styleLbl name="solidBgAcc1">
+    <dgm:scene3d>
+      <a:camera prst="orthographicFront"/>
+      <a:lightRig rig="threePt" dir="t"/>
+    </dgm:scene3d>
+    <dgm:sp3d/>
+    <dgm:txPr/>
+    <dgm:style>
+      <a:lnRef idx="2">
+        <a:scrgbClr r="0" g="0" b="0"/>
+      </a:lnRef>
+      <a:fillRef idx="1">
+        <a:scrgbClr r="0" g="0" b="0"/>
+      </a:fillRef>
+      <a:effectRef idx="0">
+        <a:scrgbClr r="0" g="0" b="0"/>
+      </a:effectRef>
+      <a:fontRef idx="minor"/>
+    </dgm:style>
+  </dgm:styleLbl>
+  <dgm:styleLbl name="fgAccFollowNode1">
+    <dgm:scene3d>
+      <a:camera prst="orthographicFront"/>
+      <a:lightRig rig="threePt" dir="t"/>
+    </dgm:scene3d>
+    <dgm:sp3d/>
+    <dgm:txPr/>
+    <dgm:style>
+      <a:lnRef idx="2">
+        <a:scrgbClr r="0" g="0" b="0"/>
+      </a:lnRef>
+      <a:fillRef idx="1">
+        <a:scrgbClr r="0" g="0" b="0"/>
+      </a:fillRef>
+      <a:effectRef idx="0">
+        <a:scrgbClr r="0" g="0" b="0"/>
+      </a:effectRef>
+      <a:fontRef idx="minor"/>
+    </dgm:style>
+  </dgm:styleLbl>
+  <dgm:styleLbl name="alignAccFollowNode1">
+    <dgm:scene3d>
+      <a:camera prst="orthographicFront"/>
+      <a:lightRig rig="threePt" dir="t"/>
+    </dgm:scene3d>
+    <dgm:sp3d/>
+    <dgm:txPr/>
+    <dgm:style>
+      <a:lnRef idx="2">
+        <a:scrgbClr r="0" g="0" b="0"/>
+      </a:lnRef>
+      <a:fillRef idx="1">
+        <a:scrgbClr r="0" g="0" b="0"/>
+      </a:fillRef>
+      <a:effectRef idx="0">
+        <a:scrgbClr r="0" g="0" b="0"/>
+      </a:effectRef>
+      <a:fontRef idx="minor"/>
+    </dgm:style>
+  </dgm:styleLbl>
+  <dgm:styleLbl name="bgAccFollowNode1">
+    <dgm:scene3d>
+      <a:camera prst="orthographicFront"/>
+      <a:lightRig rig="threePt" dir="t"/>
+    </dgm:scene3d>
+    <dgm:sp3d/>
+    <dgm:txPr/>
+    <dgm:style>
+      <a:lnRef idx="2">
+        <a:scrgbClr r="0" g="0" b="0"/>
+      </a:lnRef>
+      <a:fillRef idx="1">
+        <a:scrgbClr r="0" g="0" b="0"/>
+      </a:fillRef>
+      <a:effectRef idx="0">
+        <a:scrgbClr r="0" g="0" b="0"/>
+      </a:effectRef>
+      <a:fontRef idx="minor"/>
+    </dgm:style>
+  </dgm:styleLbl>
+  <dgm:styleLbl name="fgAcc0">
+    <dgm:scene3d>
+      <a:camera prst="orthographicFront"/>
+      <a:lightRig rig="threePt" dir="t"/>
+    </dgm:scene3d>
+    <dgm:sp3d/>
+    <dgm:txPr/>
+    <dgm:style>
+      <a:lnRef idx="2">
+        <a:scrgbClr r="0" g="0" b="0"/>
+      </a:lnRef>
+      <a:fillRef idx="1">
+        <a:scrgbClr r="0" g="0" b="0"/>
+      </a:fillRef>
+      <a:effectRef idx="0">
+        <a:scrgbClr r="0" g="0" b="0"/>
+      </a:effectRef>
+      <a:fontRef idx="minor"/>
+    </dgm:style>
+  </dgm:styleLbl>
+  <dgm:styleLbl name="fgAcc2">
+    <dgm:scene3d>
+      <a:camera prst="orthographicFront"/>
+      <a:lightRig rig="threePt" dir="t"/>
+    </dgm:scene3d>
+    <dgm:sp3d/>
+    <dgm:txPr/>
+    <dgm:style>
+      <a:lnRef idx="2">
+        <a:scrgbClr r="0" g="0" b="0"/>
+      </a:lnRef>
+      <a:fillRef idx="1">
+        <a:scrgbClr r="0" g="0" b="0"/>
+      </a:fillRef>
+      <a:effectRef idx="0">
+        <a:scrgbClr r="0" g="0" b="0"/>
+      </a:effectRef>
+      <a:fontRef idx="minor"/>
+    </dgm:style>
+  </dgm:styleLbl>
+  <dgm:styleLbl name="fgAcc3">
+    <dgm:scene3d>
+      <a:camera prst="orthographicFront"/>
+      <a:lightRig rig="threePt" dir="t"/>
+    </dgm:scene3d>
+    <dgm:sp3d/>
+    <dgm:txPr/>
+    <dgm:style>
+      <a:lnRef idx="2">
+        <a:scrgbClr r="0" g="0" b="0"/>
+      </a:lnRef>
+      <a:fillRef idx="1">
+        <a:scrgbClr r="0" g="0" b="0"/>
+      </a:fillRef>
+      <a:effectRef idx="0">
+        <a:scrgbClr r="0" g="0" b="0"/>
+      </a:effectRef>
+      <a:fontRef idx="minor"/>
+    </dgm:style>
+  </dgm:styleLbl>
+  <dgm:styleLbl name="fgAcc4">
+    <dgm:scene3d>
+      <a:camera prst="orthographicFront"/>
+      <a:lightRig rig="threePt" dir="t"/>
+    </dgm:scene3d>
+    <dgm:sp3d/>
+    <dgm:txPr/>
+    <dgm:style>
+      <a:lnRef idx="2">
+        <a:scrgbClr r="0" g="0" b="0"/>
+      </a:lnRef>
+      <a:fillRef idx="1">
+        <a:scrgbClr r="0" g="0" b="0"/>
+      </a:fillRef>
+      <a:effectRef idx="0">
+        <a:scrgbClr r="0" g="0" b="0"/>
+      </a:effectRef>
+      <a:fontRef idx="minor"/>
+    </dgm:style>
+  </dgm:styleLbl>
+  <dgm:styleLbl name="bgShp">
+    <dgm:scene3d>
+      <a:camera prst="orthographicFront"/>
+      <a:lightRig rig="threePt" dir="t"/>
+    </dgm:scene3d>
+    <dgm:sp3d/>
+    <dgm:txPr/>
+    <dgm:style>
+      <a:lnRef idx="0">
+        <a:scrgbClr r="0" g="0" b="0"/>
+      </a:lnRef>
+      <a:fillRef idx="1">
+        <a:scrgbClr r="0" g="0" b="0"/>
+      </a:fillRef>
+      <a:effectRef idx="0">
+        <a:scrgbClr r="0" g="0" b="0"/>
+      </a:effectRef>
+      <a:fontRef idx="minor"/>
+    </dgm:style>
+  </dgm:styleLbl>
+  <dgm:styleLbl name="dkBgShp">
+    <dgm:scene3d>
+      <a:camera prst="orthographicFront"/>
+      <a:lightRig rig="threePt" dir="t"/>
+    </dgm:scene3d>
+    <dgm:sp3d/>
+    <dgm:txPr/>
+    <dgm:style>
+      <a:lnRef idx="0">
+        <a:scrgbClr r="0" g="0" b="0"/>
+      </a:lnRef>
+      <a:fillRef idx="1">
+        <a:scrgbClr r="0" g="0" b="0"/>
+      </a:fillRef>
+      <a:effectRef idx="0">
+        <a:scrgbClr r="0" g="0" b="0"/>
+      </a:effectRef>
+      <a:fontRef idx="minor"/>
+    </dgm:style>
+  </dgm:styleLbl>
+  <dgm:styleLbl name="trBgShp">
+    <dgm:scene3d>
+      <a:camera prst="orthographicFront"/>
+      <a:lightRig rig="threePt" dir="t"/>
+    </dgm:scene3d>
+    <dgm:sp3d/>
+    <dgm:txPr/>
+    <dgm:style>
+      <a:lnRef idx="0">
+        <a:scrgbClr r="0" g="0" b="0"/>
+      </a:lnRef>
+      <a:fillRef idx="1">
+        <a:scrgbClr r="0" g="0" b="0"/>
+      </a:fillRef>
+      <a:effectRef idx="0">
+        <a:scrgbClr r="0" g="0" b="0"/>
+      </a:effectRef>
+      <a:fontRef idx="minor"/>
+    </dgm:style>
+  </dgm:styleLbl>
+  <dgm:styleLbl name="fgShp">
+    <dgm:scene3d>
+      <a:camera prst="orthographicFront"/>
+      <a:lightRig rig="threePt" dir="t"/>
+    </dgm:scene3d>
+    <dgm:sp3d/>
+    <dgm:txPr/>
+    <dgm:style>
+      <a:lnRef idx="2">
+        <a:scrgbClr r="0" g="0" b="0"/>
+      </a:lnRef>
+      <a:fillRef idx="1">
+        <a:scrgbClr r="0" g="0" b="0"/>
+      </a:fillRef>
+      <a:effectRef idx="0">
+        <a:scrgbClr r="0" g="0" b="0"/>
+      </a:effectRef>
+      <a:fontRef idx="minor"/>
+    </dgm:style>
+  </dgm:styleLbl>
+  <dgm:styleLbl name="revTx">
+    <dgm:scene3d>
+      <a:camera prst="orthographicFront"/>
+      <a:lightRig rig="threePt" dir="t"/>
+    </dgm:scene3d>
+    <dgm:sp3d/>
+    <dgm:txPr/>
+    <dgm:style>
+      <a:lnRef idx="0">
+        <a:scrgbClr r="0" g="0" b="0"/>
+      </a:lnRef>
+      <a:fillRef idx="0">
+        <a:scrgbClr r="0" g="0" b="0"/>
+      </a:fillRef>
+      <a:effectRef idx="0">
+        <a:scrgbClr r="0" g="0" b="0"/>
+      </a:effectRef>
+      <a:fontRef idx="minor"/>
+    </dgm:style>
+  </dgm:styleLbl>
+</dgm:styleDef>
+</file>
+
 <file path=ppt/notesMasters/notesMaster1.xml><?xml version="1.0" encoding="utf-8"?>
 <p:notesMaster xmlns:a="http://schemas.openxmlformats.org/drawingml/2006/main" xmlns:r="http://schemas.openxmlformats.org/officeDocument/2006/relationships" xmlns:p="http://schemas.openxmlformats.org/presentationml/2006/main">
   <p:cSld>
@@ -364,7 +3210,7 @@
           <a:p>
             <a:fld id="{005CC382-AF05-4256-B699-A89F13873124}" type="datetimeFigureOut">
               <a:rPr lang="en-CA" smtClean="0"/>
-              <a:t>2023-01-29</a:t>
+              <a:t>2023-03-23</a:t>
             </a:fld>
             <a:endParaRPr lang="en-CA"/>
           </a:p>
@@ -828,7 +3674,7 @@
           <a:p>
             <a:fld id="{1D8BD707-D9CF-40AE-B4C6-C98DA3205C09}" type="datetimeFigureOut">
               <a:rPr lang="en-US" smtClean="0"/>
-              <a:t>1/29/2023</a:t>
+              <a:t>3/23/2023</a:t>
             </a:fld>
             <a:endParaRPr lang="en-US"/>
           </a:p>
@@ -1049,7 +3895,7 @@
           <a:p>
             <a:fld id="{1D8BD707-D9CF-40AE-B4C6-C98DA3205C09}" type="datetimeFigureOut">
               <a:rPr lang="en-US" smtClean="0"/>
-              <a:t>1/29/2023</a:t>
+              <a:t>3/23/2023</a:t>
             </a:fld>
             <a:endParaRPr lang="en-US"/>
           </a:p>
@@ -1229,7 +4075,7 @@
           <a:p>
             <a:fld id="{1D8BD707-D9CF-40AE-B4C6-C98DA3205C09}" type="datetimeFigureOut">
               <a:rPr lang="en-US" smtClean="0"/>
-              <a:t>1/29/2023</a:t>
+              <a:t>3/23/2023</a:t>
             </a:fld>
             <a:endParaRPr lang="en-US"/>
           </a:p>
@@ -1399,7 +4245,7 @@
           <a:p>
             <a:fld id="{1D8BD707-D9CF-40AE-B4C6-C98DA3205C09}" type="datetimeFigureOut">
               <a:rPr lang="en-US" smtClean="0"/>
-              <a:t>1/29/2023</a:t>
+              <a:t>3/23/2023</a:t>
             </a:fld>
             <a:endParaRPr lang="en-US"/>
           </a:p>
@@ -1650,7 +4496,7 @@
           <a:p>
             <a:fld id="{1D8BD707-D9CF-40AE-B4C6-C98DA3205C09}" type="datetimeFigureOut">
               <a:rPr lang="en-US" smtClean="0"/>
-              <a:t>1/29/2023</a:t>
+              <a:t>3/23/2023</a:t>
             </a:fld>
             <a:endParaRPr lang="en-US"/>
           </a:p>
@@ -1973,7 +4819,7 @@
           <a:p>
             <a:fld id="{1D8BD707-D9CF-40AE-B4C6-C98DA3205C09}" type="datetimeFigureOut">
               <a:rPr lang="en-US" smtClean="0"/>
-              <a:t>1/29/2023</a:t>
+              <a:t>3/23/2023</a:t>
             </a:fld>
             <a:endParaRPr lang="en-US"/>
           </a:p>
@@ -2397,7 +5243,7 @@
           <a:p>
             <a:fld id="{1D8BD707-D9CF-40AE-B4C6-C98DA3205C09}" type="datetimeFigureOut">
               <a:rPr lang="en-US" smtClean="0"/>
-              <a:t>1/29/2023</a:t>
+              <a:t>3/23/2023</a:t>
             </a:fld>
             <a:endParaRPr lang="en-US"/>
           </a:p>
@@ -2515,7 +5361,7 @@
           <a:p>
             <a:fld id="{1D8BD707-D9CF-40AE-B4C6-C98DA3205C09}" type="datetimeFigureOut">
               <a:rPr lang="en-US" smtClean="0"/>
-              <a:t>1/29/2023</a:t>
+              <a:t>3/23/2023</a:t>
             </a:fld>
             <a:endParaRPr lang="en-US"/>
           </a:p>
@@ -2610,7 +5456,7 @@
           <a:p>
             <a:fld id="{1D8BD707-D9CF-40AE-B4C6-C98DA3205C09}" type="datetimeFigureOut">
               <a:rPr lang="en-US" smtClean="0"/>
-              <a:t>1/29/2023</a:t>
+              <a:t>3/23/2023</a:t>
             </a:fld>
             <a:endParaRPr lang="en-US"/>
           </a:p>
@@ -2900,7 +5746,7 @@
           <a:p>
             <a:fld id="{1D8BD707-D9CF-40AE-B4C6-C98DA3205C09}" type="datetimeFigureOut">
               <a:rPr lang="en-US" smtClean="0"/>
-              <a:t>1/29/2023</a:t>
+              <a:t>3/23/2023</a:t>
             </a:fld>
             <a:endParaRPr lang="en-US"/>
           </a:p>
@@ -3172,7 +6018,7 @@
           <a:p>
             <a:fld id="{1D8BD707-D9CF-40AE-B4C6-C98DA3205C09}" type="datetimeFigureOut">
               <a:rPr lang="en-US" smtClean="0"/>
-              <a:t>1/29/2023</a:t>
+              <a:t>3/23/2023</a:t>
             </a:fld>
             <a:endParaRPr lang="en-US"/>
           </a:p>
@@ -3426,7 +6272,7 @@
           <a:p>
             <a:fld id="{1D8BD707-D9CF-40AE-B4C6-C98DA3205C09}" type="datetimeFigureOut">
               <a:rPr lang="en-US" smtClean="0"/>
-              <a:t>1/29/2023</a:t>
+              <a:t>3/23/2023</a:t>
             </a:fld>
             <a:endParaRPr lang="en-US"/>
           </a:p>
@@ -3945,6 +6791,1976 @@
     <p:extLst>
       <p:ext uri="{BB962C8B-B14F-4D97-AF65-F5344CB8AC3E}">
         <p14:creationId xmlns:p14="http://schemas.microsoft.com/office/powerpoint/2010/main" val="3434089016"/>
+      </p:ext>
+    </p:extLst>
+  </p:cSld>
+  <p:clrMapOvr>
+    <a:masterClrMapping/>
+  </p:clrMapOvr>
+</p:sld>
+</file>
+
+<file path=ppt/slides/slide10.xml><?xml version="1.0" encoding="utf-8"?>
+<p:sld xmlns:a="http://schemas.openxmlformats.org/drawingml/2006/main" xmlns:r="http://schemas.openxmlformats.org/officeDocument/2006/relationships" xmlns:p="http://schemas.openxmlformats.org/presentationml/2006/main">
+  <p:cSld>
+    <p:spTree>
+      <p:nvGrpSpPr>
+        <p:cNvPr id="1" name=""/>
+        <p:cNvGrpSpPr/>
+        <p:nvPr/>
+      </p:nvGrpSpPr>
+      <p:grpSpPr>
+        <a:xfrm>
+          <a:off x="0" y="0"/>
+          <a:ext cx="0" cy="0"/>
+          <a:chOff x="0" y="0"/>
+          <a:chExt cx="0" cy="0"/>
+        </a:xfrm>
+      </p:grpSpPr>
+      <p:sp>
+        <p:nvSpPr>
+          <p:cNvPr id="2" name="Title 1">
+            <a:extLst>
+              <a:ext uri="{FF2B5EF4-FFF2-40B4-BE49-F238E27FC236}">
+                <a16:creationId xmlns:a16="http://schemas.microsoft.com/office/drawing/2014/main" id="{2F012DF9-9192-CB02-83C1-1446D047D636}"/>
+              </a:ext>
+            </a:extLst>
+          </p:cNvPr>
+          <p:cNvSpPr>
+            <a:spLocks noGrp="1"/>
+          </p:cNvSpPr>
+          <p:nvPr>
+            <p:ph type="title"/>
+          </p:nvPr>
+        </p:nvSpPr>
+        <p:spPr/>
+        <p:txBody>
+          <a:bodyPr/>
+          <a:lstStyle/>
+          <a:p>
+            <a:r>
+              <a:rPr lang="en-CA" dirty="0"/>
+              <a:t>MVVM – Model, View, View-Model</a:t>
+            </a:r>
+          </a:p>
+        </p:txBody>
+      </p:sp>
+      <p:sp>
+        <p:nvSpPr>
+          <p:cNvPr id="3" name="Content Placeholder 2">
+            <a:extLst>
+              <a:ext uri="{FF2B5EF4-FFF2-40B4-BE49-F238E27FC236}">
+                <a16:creationId xmlns:a16="http://schemas.microsoft.com/office/drawing/2014/main" id="{FE618890-A6DF-07C5-D054-37F17AF85AA8}"/>
+              </a:ext>
+            </a:extLst>
+          </p:cNvPr>
+          <p:cNvSpPr>
+            <a:spLocks noGrp="1"/>
+          </p:cNvSpPr>
+          <p:nvPr>
+            <p:ph idx="1"/>
+          </p:nvPr>
+        </p:nvSpPr>
+        <p:spPr/>
+        <p:txBody>
+          <a:bodyPr/>
+          <a:lstStyle/>
+          <a:p>
+            <a:endParaRPr lang="en-CA" dirty="0"/>
+          </a:p>
+        </p:txBody>
+      </p:sp>
+    </p:spTree>
+    <p:extLst>
+      <p:ext uri="{BB962C8B-B14F-4D97-AF65-F5344CB8AC3E}">
+        <p14:creationId xmlns:p14="http://schemas.microsoft.com/office/powerpoint/2010/main" val="896340904"/>
+      </p:ext>
+    </p:extLst>
+  </p:cSld>
+  <p:clrMapOvr>
+    <a:masterClrMapping/>
+  </p:clrMapOvr>
+</p:sld>
+</file>
+
+<file path=ppt/slides/slide11.xml><?xml version="1.0" encoding="utf-8"?>
+<p:sld xmlns:a="http://schemas.openxmlformats.org/drawingml/2006/main" xmlns:r="http://schemas.openxmlformats.org/officeDocument/2006/relationships" xmlns:p="http://schemas.openxmlformats.org/presentationml/2006/main">
+  <p:cSld>
+    <p:spTree>
+      <p:nvGrpSpPr>
+        <p:cNvPr id="1" name=""/>
+        <p:cNvGrpSpPr/>
+        <p:nvPr/>
+      </p:nvGrpSpPr>
+      <p:grpSpPr>
+        <a:xfrm>
+          <a:off x="0" y="0"/>
+          <a:ext cx="0" cy="0"/>
+          <a:chOff x="0" y="0"/>
+          <a:chExt cx="0" cy="0"/>
+        </a:xfrm>
+      </p:grpSpPr>
+      <p:sp>
+        <p:nvSpPr>
+          <p:cNvPr id="2" name="Title 1">
+            <a:extLst>
+              <a:ext uri="{FF2B5EF4-FFF2-40B4-BE49-F238E27FC236}">
+                <a16:creationId xmlns:a16="http://schemas.microsoft.com/office/drawing/2014/main" id="{3026CE1B-C1C5-727D-7F9F-86350EB9401E}"/>
+              </a:ext>
+            </a:extLst>
+          </p:cNvPr>
+          <p:cNvSpPr>
+            <a:spLocks noGrp="1"/>
+          </p:cNvSpPr>
+          <p:nvPr>
+            <p:ph type="title"/>
+          </p:nvPr>
+        </p:nvSpPr>
+        <p:spPr/>
+        <p:txBody>
+          <a:bodyPr/>
+          <a:lstStyle/>
+          <a:p>
+            <a:r>
+              <a:rPr lang="en-CA" dirty="0"/>
+              <a:t>Parts of your application</a:t>
+            </a:r>
+          </a:p>
+        </p:txBody>
+      </p:sp>
+      <p:sp>
+        <p:nvSpPr>
+          <p:cNvPr id="3" name="Content Placeholder 2">
+            <a:extLst>
+              <a:ext uri="{FF2B5EF4-FFF2-40B4-BE49-F238E27FC236}">
+                <a16:creationId xmlns:a16="http://schemas.microsoft.com/office/drawing/2014/main" id="{03004AF0-81C8-9DE4-6C2D-98F08FC81F92}"/>
+              </a:ext>
+            </a:extLst>
+          </p:cNvPr>
+          <p:cNvSpPr>
+            <a:spLocks noGrp="1"/>
+          </p:cNvSpPr>
+          <p:nvPr>
+            <p:ph idx="1"/>
+          </p:nvPr>
+        </p:nvSpPr>
+        <p:spPr/>
+        <p:txBody>
+          <a:bodyPr/>
+          <a:lstStyle/>
+          <a:p>
+            <a:r>
+              <a:rPr lang="en-CA" dirty="0"/>
+              <a:t>UI</a:t>
+            </a:r>
+          </a:p>
+          <a:p>
+            <a:r>
+              <a:rPr lang="en-CA" dirty="0"/>
+              <a:t>Data Model </a:t>
+            </a:r>
+          </a:p>
+          <a:p>
+            <a:r>
+              <a:rPr lang="en-CA" dirty="0"/>
+              <a:t>Commands</a:t>
+            </a:r>
+          </a:p>
+          <a:p>
+            <a:r>
+              <a:rPr lang="en-CA" dirty="0"/>
+              <a:t>Infrastructure</a:t>
+            </a:r>
+          </a:p>
+          <a:p>
+            <a:r>
+              <a:rPr lang="en-CA" dirty="0"/>
+              <a:t>Tests, automation, diagnostics </a:t>
+            </a:r>
+          </a:p>
+          <a:p>
+            <a:endParaRPr lang="en-CA" dirty="0"/>
+          </a:p>
+        </p:txBody>
+      </p:sp>
+    </p:spTree>
+    <p:extLst>
+      <p:ext uri="{BB962C8B-B14F-4D97-AF65-F5344CB8AC3E}">
+        <p14:creationId xmlns:p14="http://schemas.microsoft.com/office/powerpoint/2010/main" val="4260045389"/>
+      </p:ext>
+    </p:extLst>
+  </p:cSld>
+  <p:clrMapOvr>
+    <a:masterClrMapping/>
+  </p:clrMapOvr>
+</p:sld>
+</file>
+
+<file path=ppt/slides/slide12.xml><?xml version="1.0" encoding="utf-8"?>
+<p:sld xmlns:a="http://schemas.openxmlformats.org/drawingml/2006/main" xmlns:r="http://schemas.openxmlformats.org/officeDocument/2006/relationships" xmlns:p="http://schemas.openxmlformats.org/presentationml/2006/main">
+  <p:cSld>
+    <p:spTree>
+      <p:nvGrpSpPr>
+        <p:cNvPr id="1" name=""/>
+        <p:cNvGrpSpPr/>
+        <p:nvPr/>
+      </p:nvGrpSpPr>
+      <p:grpSpPr>
+        <a:xfrm>
+          <a:off x="0" y="0"/>
+          <a:ext cx="0" cy="0"/>
+          <a:chOff x="0" y="0"/>
+          <a:chExt cx="0" cy="0"/>
+        </a:xfrm>
+      </p:grpSpPr>
+      <p:sp>
+        <p:nvSpPr>
+          <p:cNvPr id="2" name="Title 1">
+            <a:extLst>
+              <a:ext uri="{FF2B5EF4-FFF2-40B4-BE49-F238E27FC236}">
+                <a16:creationId xmlns:a16="http://schemas.microsoft.com/office/drawing/2014/main" id="{6459588D-B940-1CBD-EBB1-A097122DC0FB}"/>
+              </a:ext>
+            </a:extLst>
+          </p:cNvPr>
+          <p:cNvSpPr>
+            <a:spLocks noGrp="1"/>
+          </p:cNvSpPr>
+          <p:nvPr>
+            <p:ph type="title"/>
+          </p:nvPr>
+        </p:nvSpPr>
+        <p:spPr/>
+        <p:txBody>
+          <a:bodyPr/>
+          <a:lstStyle/>
+          <a:p>
+            <a:r>
+              <a:rPr lang="en-CA" dirty="0"/>
+              <a:t>Domain Model</a:t>
+            </a:r>
+          </a:p>
+        </p:txBody>
+      </p:sp>
+      <p:sp>
+        <p:nvSpPr>
+          <p:cNvPr id="3" name="Content Placeholder 2">
+            <a:extLst>
+              <a:ext uri="{FF2B5EF4-FFF2-40B4-BE49-F238E27FC236}">
+                <a16:creationId xmlns:a16="http://schemas.microsoft.com/office/drawing/2014/main" id="{A181FFD2-9A6C-F760-CCFA-7644F1350F70}"/>
+              </a:ext>
+            </a:extLst>
+          </p:cNvPr>
+          <p:cNvSpPr>
+            <a:spLocks noGrp="1"/>
+          </p:cNvSpPr>
+          <p:nvPr>
+            <p:ph idx="1"/>
+          </p:nvPr>
+        </p:nvSpPr>
+        <p:spPr/>
+        <p:txBody>
+          <a:bodyPr/>
+          <a:lstStyle/>
+          <a:p>
+            <a:r>
+              <a:rPr lang="en-CA" dirty="0"/>
+              <a:t>The shape</a:t>
+            </a:r>
+          </a:p>
+          <a:p>
+            <a:r>
+              <a:rPr lang="en-CA" dirty="0"/>
+              <a:t>The edits </a:t>
+            </a:r>
+          </a:p>
+        </p:txBody>
+      </p:sp>
+    </p:spTree>
+    <p:extLst>
+      <p:ext uri="{BB962C8B-B14F-4D97-AF65-F5344CB8AC3E}">
+        <p14:creationId xmlns:p14="http://schemas.microsoft.com/office/powerpoint/2010/main" val="40361416"/>
+      </p:ext>
+    </p:extLst>
+  </p:cSld>
+  <p:clrMapOvr>
+    <a:masterClrMapping/>
+  </p:clrMapOvr>
+</p:sld>
+</file>
+
+<file path=ppt/slides/slide13.xml><?xml version="1.0" encoding="utf-8"?>
+<p:sld xmlns:a="http://schemas.openxmlformats.org/drawingml/2006/main" xmlns:r="http://schemas.openxmlformats.org/officeDocument/2006/relationships" xmlns:p="http://schemas.openxmlformats.org/presentationml/2006/main">
+  <p:cSld>
+    <p:spTree>
+      <p:nvGrpSpPr>
+        <p:cNvPr id="1" name=""/>
+        <p:cNvGrpSpPr/>
+        <p:nvPr/>
+      </p:nvGrpSpPr>
+      <p:grpSpPr>
+        <a:xfrm>
+          <a:off x="0" y="0"/>
+          <a:ext cx="0" cy="0"/>
+          <a:chOff x="0" y="0"/>
+          <a:chExt cx="0" cy="0"/>
+        </a:xfrm>
+      </p:grpSpPr>
+      <p:sp>
+        <p:nvSpPr>
+          <p:cNvPr id="2" name="Title 1">
+            <a:extLst>
+              <a:ext uri="{FF2B5EF4-FFF2-40B4-BE49-F238E27FC236}">
+                <a16:creationId xmlns:a16="http://schemas.microsoft.com/office/drawing/2014/main" id="{7735CB83-E67B-6206-7713-6974F64F83F6}"/>
+              </a:ext>
+            </a:extLst>
+          </p:cNvPr>
+          <p:cNvSpPr>
+            <a:spLocks noGrp="1"/>
+          </p:cNvSpPr>
+          <p:nvPr>
+            <p:ph type="title"/>
+          </p:nvPr>
+        </p:nvSpPr>
+        <p:spPr/>
+        <p:txBody>
+          <a:bodyPr/>
+          <a:lstStyle/>
+          <a:p>
+            <a:r>
+              <a:rPr lang="en-CA" dirty="0"/>
+              <a:t>Models and Views</a:t>
+            </a:r>
+          </a:p>
+        </p:txBody>
+      </p:sp>
+      <p:sp>
+        <p:nvSpPr>
+          <p:cNvPr id="3" name="Content Placeholder 2">
+            <a:extLst>
+              <a:ext uri="{FF2B5EF4-FFF2-40B4-BE49-F238E27FC236}">
+                <a16:creationId xmlns:a16="http://schemas.microsoft.com/office/drawing/2014/main" id="{D88639CC-A1F7-875D-FC91-ED57FA596D6E}"/>
+              </a:ext>
+            </a:extLst>
+          </p:cNvPr>
+          <p:cNvSpPr>
+            <a:spLocks noGrp="1"/>
+          </p:cNvSpPr>
+          <p:nvPr>
+            <p:ph idx="1"/>
+          </p:nvPr>
+        </p:nvSpPr>
+        <p:spPr/>
+        <p:txBody>
+          <a:bodyPr/>
+          <a:lstStyle/>
+          <a:p>
+            <a:endParaRPr lang="en-CA" dirty="0"/>
+          </a:p>
+        </p:txBody>
+      </p:sp>
+    </p:spTree>
+    <p:extLst>
+      <p:ext uri="{BB962C8B-B14F-4D97-AF65-F5344CB8AC3E}">
+        <p14:creationId xmlns:p14="http://schemas.microsoft.com/office/powerpoint/2010/main" val="1192704473"/>
+      </p:ext>
+    </p:extLst>
+  </p:cSld>
+  <p:clrMapOvr>
+    <a:masterClrMapping/>
+  </p:clrMapOvr>
+</p:sld>
+</file>
+
+<file path=ppt/slides/slide14.xml><?xml version="1.0" encoding="utf-8"?>
+<p:sld xmlns:a="http://schemas.openxmlformats.org/drawingml/2006/main" xmlns:r="http://schemas.openxmlformats.org/officeDocument/2006/relationships" xmlns:p="http://schemas.openxmlformats.org/presentationml/2006/main">
+  <p:cSld>
+    <p:spTree>
+      <p:nvGrpSpPr>
+        <p:cNvPr id="1" name=""/>
+        <p:cNvGrpSpPr/>
+        <p:nvPr/>
+      </p:nvGrpSpPr>
+      <p:grpSpPr>
+        <a:xfrm>
+          <a:off x="0" y="0"/>
+          <a:ext cx="0" cy="0"/>
+          <a:chOff x="0" y="0"/>
+          <a:chExt cx="0" cy="0"/>
+        </a:xfrm>
+      </p:grpSpPr>
+      <p:sp>
+        <p:nvSpPr>
+          <p:cNvPr id="2" name="Title 1">
+            <a:extLst>
+              <a:ext uri="{FF2B5EF4-FFF2-40B4-BE49-F238E27FC236}">
+                <a16:creationId xmlns:a16="http://schemas.microsoft.com/office/drawing/2014/main" id="{6778CA6B-E7C6-9701-29C0-5E376A52DF62}"/>
+              </a:ext>
+            </a:extLst>
+          </p:cNvPr>
+          <p:cNvSpPr>
+            <a:spLocks noGrp="1"/>
+          </p:cNvSpPr>
+          <p:nvPr>
+            <p:ph type="title"/>
+          </p:nvPr>
+        </p:nvSpPr>
+        <p:spPr/>
+        <p:txBody>
+          <a:bodyPr/>
+          <a:lstStyle/>
+          <a:p>
+            <a:r>
+              <a:rPr lang="en-CA" dirty="0"/>
+              <a:t>MVC – Model View Controller</a:t>
+            </a:r>
+          </a:p>
+        </p:txBody>
+      </p:sp>
+      <p:sp>
+        <p:nvSpPr>
+          <p:cNvPr id="3" name="Content Placeholder 2">
+            <a:extLst>
+              <a:ext uri="{FF2B5EF4-FFF2-40B4-BE49-F238E27FC236}">
+                <a16:creationId xmlns:a16="http://schemas.microsoft.com/office/drawing/2014/main" id="{400CDD90-A57E-78B6-14AE-8532B899AF0C}"/>
+              </a:ext>
+            </a:extLst>
+          </p:cNvPr>
+          <p:cNvSpPr>
+            <a:spLocks noGrp="1"/>
+          </p:cNvSpPr>
+          <p:nvPr>
+            <p:ph idx="1"/>
+          </p:nvPr>
+        </p:nvSpPr>
+        <p:spPr/>
+        <p:txBody>
+          <a:bodyPr/>
+          <a:lstStyle/>
+          <a:p>
+            <a:r>
+              <a:rPr lang="en-CA" dirty="0"/>
+              <a:t>This is an architectural design pattern</a:t>
+            </a:r>
+          </a:p>
+          <a:p>
+            <a:r>
+              <a:rPr lang="en-CA" dirty="0"/>
+              <a:t>Based on the idea of separating UI from business logic</a:t>
+            </a:r>
+          </a:p>
+        </p:txBody>
+      </p:sp>
+    </p:spTree>
+    <p:extLst>
+      <p:ext uri="{BB962C8B-B14F-4D97-AF65-F5344CB8AC3E}">
+        <p14:creationId xmlns:p14="http://schemas.microsoft.com/office/powerpoint/2010/main" val="1610353294"/>
+      </p:ext>
+    </p:extLst>
+  </p:cSld>
+  <p:clrMapOvr>
+    <a:masterClrMapping/>
+  </p:clrMapOvr>
+</p:sld>
+</file>
+
+<file path=ppt/slides/slide15.xml><?xml version="1.0" encoding="utf-8"?>
+<p:sld xmlns:a="http://schemas.openxmlformats.org/drawingml/2006/main" xmlns:r="http://schemas.openxmlformats.org/officeDocument/2006/relationships" xmlns:p="http://schemas.openxmlformats.org/presentationml/2006/main">
+  <p:cSld>
+    <p:spTree>
+      <p:nvGrpSpPr>
+        <p:cNvPr id="1" name=""/>
+        <p:cNvGrpSpPr/>
+        <p:nvPr/>
+      </p:nvGrpSpPr>
+      <p:grpSpPr>
+        <a:xfrm>
+          <a:off x="0" y="0"/>
+          <a:ext cx="0" cy="0"/>
+          <a:chOff x="0" y="0"/>
+          <a:chExt cx="0" cy="0"/>
+        </a:xfrm>
+      </p:grpSpPr>
+      <p:sp>
+        <p:nvSpPr>
+          <p:cNvPr id="2" name="Title 1">
+            <a:extLst>
+              <a:ext uri="{FF2B5EF4-FFF2-40B4-BE49-F238E27FC236}">
+                <a16:creationId xmlns:a16="http://schemas.microsoft.com/office/drawing/2014/main" id="{06D41819-052E-41D2-EB83-66B307CEE276}"/>
+              </a:ext>
+            </a:extLst>
+          </p:cNvPr>
+          <p:cNvSpPr>
+            <a:spLocks noGrp="1"/>
+          </p:cNvSpPr>
+          <p:nvPr>
+            <p:ph type="title"/>
+          </p:nvPr>
+        </p:nvSpPr>
+        <p:spPr/>
+        <p:txBody>
+          <a:bodyPr/>
+          <a:lstStyle/>
+          <a:p>
+            <a:r>
+              <a:rPr lang="en-CA" dirty="0"/>
+              <a:t>Models, View, Controller</a:t>
+            </a:r>
+          </a:p>
+        </p:txBody>
+      </p:sp>
+      <p:sp>
+        <p:nvSpPr>
+          <p:cNvPr id="3" name="Content Placeholder 2">
+            <a:extLst>
+              <a:ext uri="{FF2B5EF4-FFF2-40B4-BE49-F238E27FC236}">
+                <a16:creationId xmlns:a16="http://schemas.microsoft.com/office/drawing/2014/main" id="{5F9EBBBE-D1D0-760A-52FA-9F1D693ED680}"/>
+              </a:ext>
+            </a:extLst>
+          </p:cNvPr>
+          <p:cNvSpPr>
+            <a:spLocks noGrp="1"/>
+          </p:cNvSpPr>
+          <p:nvPr>
+            <p:ph idx="1"/>
+          </p:nvPr>
+        </p:nvSpPr>
+        <p:spPr/>
+        <p:txBody>
+          <a:bodyPr/>
+          <a:lstStyle/>
+          <a:p>
+            <a:r>
+              <a:rPr lang="en-CA" dirty="0"/>
+              <a:t>Model is the state of the application and the rules of its behavior</a:t>
+            </a:r>
+          </a:p>
+          <a:p>
+            <a:r>
+              <a:rPr lang="en-CA" dirty="0"/>
+              <a:t>View is the visual representation of data</a:t>
+            </a:r>
+          </a:p>
+          <a:p>
+            <a:r>
+              <a:rPr lang="en-CA" dirty="0"/>
+              <a:t>Controller communicates user interactions to the model </a:t>
+            </a:r>
+          </a:p>
+        </p:txBody>
+      </p:sp>
+    </p:spTree>
+    <p:extLst>
+      <p:ext uri="{BB962C8B-B14F-4D97-AF65-F5344CB8AC3E}">
+        <p14:creationId xmlns:p14="http://schemas.microsoft.com/office/powerpoint/2010/main" val="2955681445"/>
+      </p:ext>
+    </p:extLst>
+  </p:cSld>
+  <p:clrMapOvr>
+    <a:masterClrMapping/>
+  </p:clrMapOvr>
+</p:sld>
+</file>
+
+<file path=ppt/slides/slide16.xml><?xml version="1.0" encoding="utf-8"?>
+<p:sld xmlns:a="http://schemas.openxmlformats.org/drawingml/2006/main" xmlns:r="http://schemas.openxmlformats.org/officeDocument/2006/relationships" xmlns:p="http://schemas.openxmlformats.org/presentationml/2006/main">
+  <p:cSld>
+    <p:spTree>
+      <p:nvGrpSpPr>
+        <p:cNvPr id="1" name=""/>
+        <p:cNvGrpSpPr/>
+        <p:nvPr/>
+      </p:nvGrpSpPr>
+      <p:grpSpPr>
+        <a:xfrm>
+          <a:off x="0" y="0"/>
+          <a:ext cx="0" cy="0"/>
+          <a:chOff x="0" y="0"/>
+          <a:chExt cx="0" cy="0"/>
+        </a:xfrm>
+      </p:grpSpPr>
+      <p:sp>
+        <p:nvSpPr>
+          <p:cNvPr id="2" name="Title 1">
+            <a:extLst>
+              <a:ext uri="{FF2B5EF4-FFF2-40B4-BE49-F238E27FC236}">
+                <a16:creationId xmlns:a16="http://schemas.microsoft.com/office/drawing/2014/main" id="{6E876441-FED2-7900-D943-9EA18231B03D}"/>
+              </a:ext>
+            </a:extLst>
+          </p:cNvPr>
+          <p:cNvSpPr>
+            <a:spLocks noGrp="1"/>
+          </p:cNvSpPr>
+          <p:nvPr>
+            <p:ph type="title"/>
+          </p:nvPr>
+        </p:nvSpPr>
+        <p:spPr>
+          <a:xfrm>
+            <a:off x="11337846" y="914400"/>
+            <a:ext cx="5868874" cy="2034540"/>
+          </a:xfrm>
+        </p:spPr>
+        <p:txBody>
+          <a:bodyPr>
+            <a:normAutofit/>
+          </a:bodyPr>
+          <a:lstStyle/>
+          <a:p>
+            <a:r>
+              <a:rPr lang="en-CA" sz="4800"/>
+              <a:t>User, View, Controller</a:t>
+            </a:r>
+          </a:p>
+        </p:txBody>
+      </p:sp>
+      <p:pic>
+        <p:nvPicPr>
+          <p:cNvPr id="1026" name="Picture 2" descr="undefined">
+            <a:extLst>
+              <a:ext uri="{FF2B5EF4-FFF2-40B4-BE49-F238E27FC236}">
+                <a16:creationId xmlns:a16="http://schemas.microsoft.com/office/drawing/2014/main" id="{F35CE035-A1A4-0B5A-741B-C237D1955C68}"/>
+              </a:ext>
+            </a:extLst>
+          </p:cNvPr>
+          <p:cNvPicPr>
+            <a:picLocks noChangeAspect="1" noChangeArrowheads="1"/>
+          </p:cNvPicPr>
+          <p:nvPr/>
+        </p:nvPicPr>
+        <p:blipFill>
+          <a:blip r:embed="rId2">
+            <a:extLst>
+              <a:ext uri="{28A0092B-C50C-407E-A947-70E740481C1C}">
+                <a14:useLocalDpi xmlns:a14="http://schemas.microsoft.com/office/drawing/2010/main" val="0"/>
+              </a:ext>
+            </a:extLst>
+          </a:blip>
+          <a:stretch>
+            <a:fillRect/>
+          </a:stretch>
+        </p:blipFill>
+        <p:spPr bwMode="auto">
+          <a:xfrm>
+            <a:off x="2333771" y="1286512"/>
+            <a:ext cx="7017013" cy="7711004"/>
+          </a:xfrm>
+          <a:prstGeom prst="rect">
+            <a:avLst/>
+          </a:prstGeom>
+          <a:noFill/>
+          <a:extLst>
+            <a:ext uri="{909E8E84-426E-40DD-AFC4-6F175D3DCCD1}">
+              <a14:hiddenFill xmlns:a14="http://schemas.microsoft.com/office/drawing/2010/main">
+                <a:solidFill>
+                  <a:srgbClr val="FFFFFF"/>
+                </a:solidFill>
+              </a14:hiddenFill>
+            </a:ext>
+          </a:extLst>
+        </p:spPr>
+      </p:pic>
+      <p:sp>
+        <p:nvSpPr>
+          <p:cNvPr id="3" name="Content Placeholder 2">
+            <a:extLst>
+              <a:ext uri="{FF2B5EF4-FFF2-40B4-BE49-F238E27FC236}">
+                <a16:creationId xmlns:a16="http://schemas.microsoft.com/office/drawing/2014/main" id="{3D2C36CF-0F15-D72B-CB80-6E5457B4915A}"/>
+              </a:ext>
+            </a:extLst>
+          </p:cNvPr>
+          <p:cNvSpPr>
+            <a:spLocks noGrp="1"/>
+          </p:cNvSpPr>
+          <p:nvPr>
+            <p:ph idx="1"/>
+          </p:nvPr>
+        </p:nvSpPr>
+        <p:spPr>
+          <a:xfrm>
+            <a:off x="11337846" y="3086100"/>
+            <a:ext cx="5868874" cy="6057900"/>
+          </a:xfrm>
+        </p:spPr>
+        <p:txBody>
+          <a:bodyPr>
+            <a:normAutofit/>
+          </a:bodyPr>
+          <a:lstStyle/>
+          <a:p>
+            <a:r>
+              <a:rPr lang="en-CA" sz="2400" dirty="0"/>
+              <a:t>The user sees the view</a:t>
+            </a:r>
+          </a:p>
+          <a:p>
+            <a:r>
+              <a:rPr lang="en-CA" sz="2400" dirty="0"/>
+              <a:t>Interactions are sent to the controller </a:t>
+            </a:r>
+          </a:p>
+        </p:txBody>
+      </p:sp>
+    </p:spTree>
+    <p:extLst>
+      <p:ext uri="{BB962C8B-B14F-4D97-AF65-F5344CB8AC3E}">
+        <p14:creationId xmlns:p14="http://schemas.microsoft.com/office/powerpoint/2010/main" val="791404666"/>
+      </p:ext>
+    </p:extLst>
+  </p:cSld>
+  <p:clrMapOvr>
+    <a:masterClrMapping/>
+  </p:clrMapOvr>
+</p:sld>
+</file>
+
+<file path=ppt/slides/slide17.xml><?xml version="1.0" encoding="utf-8"?>
+<p:sld xmlns:a="http://schemas.openxmlformats.org/drawingml/2006/main" xmlns:r="http://schemas.openxmlformats.org/officeDocument/2006/relationships" xmlns:p="http://schemas.openxmlformats.org/presentationml/2006/main">
+  <p:cSld>
+    <p:spTree>
+      <p:nvGrpSpPr>
+        <p:cNvPr id="1" name=""/>
+        <p:cNvGrpSpPr/>
+        <p:nvPr/>
+      </p:nvGrpSpPr>
+      <p:grpSpPr>
+        <a:xfrm>
+          <a:off x="0" y="0"/>
+          <a:ext cx="0" cy="0"/>
+          <a:chOff x="0" y="0"/>
+          <a:chExt cx="0" cy="0"/>
+        </a:xfrm>
+      </p:grpSpPr>
+      <p:sp>
+        <p:nvSpPr>
+          <p:cNvPr id="3" name="Content Placeholder 2">
+            <a:extLst>
+              <a:ext uri="{FF2B5EF4-FFF2-40B4-BE49-F238E27FC236}">
+                <a16:creationId xmlns:a16="http://schemas.microsoft.com/office/drawing/2014/main" id="{476861A8-2EE3-A9F6-B8DE-A418E6A33A22}"/>
+              </a:ext>
+            </a:extLst>
+          </p:cNvPr>
+          <p:cNvSpPr>
+            <a:spLocks noGrp="1"/>
+          </p:cNvSpPr>
+          <p:nvPr>
+            <p:ph idx="1"/>
+          </p:nvPr>
+        </p:nvSpPr>
+        <p:spPr>
+          <a:xfrm>
+            <a:off x="1714494" y="6325737"/>
+            <a:ext cx="14839126" cy="2474007"/>
+          </a:xfrm>
+        </p:spPr>
+        <p:txBody>
+          <a:bodyPr vert="horz" lIns="91440" tIns="45720" rIns="91440" bIns="45720" rtlCol="0" anchor="t">
+            <a:normAutofit/>
+          </a:bodyPr>
+          <a:lstStyle/>
+          <a:p>
+            <a:pPr marL="0" indent="0" defTabSz="914400">
+              <a:spcBef>
+                <a:spcPts val="1400"/>
+              </a:spcBef>
+              <a:buNone/>
+            </a:pPr>
+            <a:r>
+              <a:rPr lang="en-US" sz="4200" dirty="0">
+                <a:solidFill>
+                  <a:schemeClr val="accent3"/>
+                </a:solidFill>
+              </a:rPr>
+              <a:t>The form is both the view and the controller.</a:t>
+            </a:r>
+          </a:p>
+        </p:txBody>
+      </p:sp>
+      <p:sp>
+        <p:nvSpPr>
+          <p:cNvPr id="2" name="Title 1">
+            <a:extLst>
+              <a:ext uri="{FF2B5EF4-FFF2-40B4-BE49-F238E27FC236}">
+                <a16:creationId xmlns:a16="http://schemas.microsoft.com/office/drawing/2014/main" id="{A97B1125-20AF-A6DF-17B6-7A6CBB1DBBA9}"/>
+              </a:ext>
+            </a:extLst>
+          </p:cNvPr>
+          <p:cNvSpPr>
+            <a:spLocks noGrp="1"/>
+          </p:cNvSpPr>
+          <p:nvPr>
+            <p:ph type="title"/>
+          </p:nvPr>
+        </p:nvSpPr>
+        <p:spPr>
+          <a:xfrm>
+            <a:off x="1714494" y="798394"/>
+            <a:ext cx="14839126" cy="5527343"/>
+          </a:xfrm>
+          <a:noFill/>
+          <a:ln w="12700" cmpd="sng">
+            <a:noFill/>
+          </a:ln>
+        </p:spPr>
+        <p:txBody>
+          <a:bodyPr vert="horz" lIns="91440" tIns="45720" rIns="91440" bIns="45720" rtlCol="0" anchor="b">
+            <a:normAutofit/>
+          </a:bodyPr>
+          <a:lstStyle/>
+          <a:p>
+            <a:pPr defTabSz="914400">
+              <a:lnSpc>
+                <a:spcPct val="85000"/>
+              </a:lnSpc>
+            </a:pPr>
+            <a:r>
+              <a:rPr lang="en-US" b="1" cap="all" dirty="0">
+                <a:solidFill>
+                  <a:schemeClr val="tx1"/>
+                </a:solidFill>
+              </a:rPr>
+              <a:t>In a Windows forms application?</a:t>
+            </a:r>
+          </a:p>
+        </p:txBody>
+      </p:sp>
+    </p:spTree>
+    <p:extLst>
+      <p:ext uri="{BB962C8B-B14F-4D97-AF65-F5344CB8AC3E}">
+        <p14:creationId xmlns:p14="http://schemas.microsoft.com/office/powerpoint/2010/main" val="1524162989"/>
+      </p:ext>
+    </p:extLst>
+  </p:cSld>
+  <p:clrMapOvr>
+    <a:masterClrMapping/>
+  </p:clrMapOvr>
+</p:sld>
+</file>
+
+<file path=ppt/slides/slide18.xml><?xml version="1.0" encoding="utf-8"?>
+<p:sld xmlns:a="http://schemas.openxmlformats.org/drawingml/2006/main" xmlns:r="http://schemas.openxmlformats.org/officeDocument/2006/relationships" xmlns:p="http://schemas.openxmlformats.org/presentationml/2006/main">
+  <p:cSld>
+    <p:spTree>
+      <p:nvGrpSpPr>
+        <p:cNvPr id="1" name=""/>
+        <p:cNvGrpSpPr/>
+        <p:nvPr/>
+      </p:nvGrpSpPr>
+      <p:grpSpPr>
+        <a:xfrm>
+          <a:off x="0" y="0"/>
+          <a:ext cx="0" cy="0"/>
+          <a:chOff x="0" y="0"/>
+          <a:chExt cx="0" cy="0"/>
+        </a:xfrm>
+      </p:grpSpPr>
+      <p:sp>
+        <p:nvSpPr>
+          <p:cNvPr id="2" name="Title 1">
+            <a:extLst>
+              <a:ext uri="{FF2B5EF4-FFF2-40B4-BE49-F238E27FC236}">
+                <a16:creationId xmlns:a16="http://schemas.microsoft.com/office/drawing/2014/main" id="{8A72249F-B2E4-812D-E2CB-F50C27F6CFD9}"/>
+              </a:ext>
+            </a:extLst>
+          </p:cNvPr>
+          <p:cNvSpPr>
+            <a:spLocks noGrp="1"/>
+          </p:cNvSpPr>
+          <p:nvPr>
+            <p:ph type="title"/>
+          </p:nvPr>
+        </p:nvSpPr>
+        <p:spPr/>
+        <p:txBody>
+          <a:bodyPr/>
+          <a:lstStyle/>
+          <a:p>
+            <a:r>
+              <a:rPr lang="en-CA" dirty="0"/>
+              <a:t>MVC in ASP Web Applications </a:t>
+            </a:r>
+          </a:p>
+        </p:txBody>
+      </p:sp>
+      <p:sp>
+        <p:nvSpPr>
+          <p:cNvPr id="3" name="Content Placeholder 2">
+            <a:extLst>
+              <a:ext uri="{FF2B5EF4-FFF2-40B4-BE49-F238E27FC236}">
+                <a16:creationId xmlns:a16="http://schemas.microsoft.com/office/drawing/2014/main" id="{5EB746A8-AFAB-DB27-389A-01513A78CD16}"/>
+              </a:ext>
+            </a:extLst>
+          </p:cNvPr>
+          <p:cNvSpPr>
+            <a:spLocks noGrp="1"/>
+          </p:cNvSpPr>
+          <p:nvPr>
+            <p:ph idx="1"/>
+          </p:nvPr>
+        </p:nvSpPr>
+        <p:spPr/>
+        <p:txBody>
+          <a:bodyPr>
+            <a:normAutofit/>
+          </a:bodyPr>
+          <a:lstStyle/>
+          <a:p>
+            <a:r>
+              <a:rPr lang="en-CA" dirty="0">
+                <a:hlinkClick r:id="rId2"/>
+              </a:rPr>
+              <a:t>https://learn.microsoft.com/en-us/aspnet/core/tutorials/first-mvc-app/adding-controller</a:t>
+            </a:r>
+            <a:r>
+              <a:rPr lang="en-CA" dirty="0"/>
+              <a:t> </a:t>
+            </a:r>
+          </a:p>
+          <a:p>
+            <a:r>
+              <a:rPr lang="en-US" dirty="0"/>
+              <a:t>Models: </a:t>
+            </a:r>
+          </a:p>
+          <a:p>
+            <a:pPr lvl="1"/>
+            <a:r>
+              <a:rPr lang="en-US" dirty="0"/>
+              <a:t>Classes that represent the data of the app and use validation logic to enforce business rules. Model objects might retrieve and store model state to/from a database. </a:t>
+            </a:r>
+          </a:p>
+          <a:p>
+            <a:r>
+              <a:rPr lang="en-US" dirty="0"/>
+              <a:t>Views: </a:t>
+            </a:r>
+          </a:p>
+          <a:p>
+            <a:pPr lvl="1"/>
+            <a:r>
+              <a:rPr lang="en-US" dirty="0"/>
+              <a:t>Components that display the app's user interface (UI). Generally, this UI displays the model data.</a:t>
+            </a:r>
+          </a:p>
+          <a:p>
+            <a:r>
+              <a:rPr lang="en-US" dirty="0"/>
+              <a:t>Controllers: </a:t>
+            </a:r>
+          </a:p>
+          <a:p>
+            <a:pPr lvl="1"/>
+            <a:r>
+              <a:rPr lang="en-US" dirty="0"/>
+              <a:t>Classes that handle browser requests, retrieve model data, call view templates that return a response.</a:t>
+            </a:r>
+            <a:endParaRPr lang="en-CA" dirty="0"/>
+          </a:p>
+        </p:txBody>
+      </p:sp>
+    </p:spTree>
+    <p:extLst>
+      <p:ext uri="{BB962C8B-B14F-4D97-AF65-F5344CB8AC3E}">
+        <p14:creationId xmlns:p14="http://schemas.microsoft.com/office/powerpoint/2010/main" val="3867397852"/>
+      </p:ext>
+    </p:extLst>
+  </p:cSld>
+  <p:clrMapOvr>
+    <a:masterClrMapping/>
+  </p:clrMapOvr>
+</p:sld>
+</file>
+
+<file path=ppt/slides/slide19.xml><?xml version="1.0" encoding="utf-8"?>
+<p:sld xmlns:a="http://schemas.openxmlformats.org/drawingml/2006/main" xmlns:r="http://schemas.openxmlformats.org/officeDocument/2006/relationships" xmlns:p="http://schemas.openxmlformats.org/presentationml/2006/main">
+  <p:cSld>
+    <p:spTree>
+      <p:nvGrpSpPr>
+        <p:cNvPr id="1" name=""/>
+        <p:cNvGrpSpPr/>
+        <p:nvPr/>
+      </p:nvGrpSpPr>
+      <p:grpSpPr>
+        <a:xfrm>
+          <a:off x="0" y="0"/>
+          <a:ext cx="0" cy="0"/>
+          <a:chOff x="0" y="0"/>
+          <a:chExt cx="0" cy="0"/>
+        </a:xfrm>
+      </p:grpSpPr>
+      <p:sp>
+        <p:nvSpPr>
+          <p:cNvPr id="2" name="Title 1">
+            <a:extLst>
+              <a:ext uri="{FF2B5EF4-FFF2-40B4-BE49-F238E27FC236}">
+                <a16:creationId xmlns:a16="http://schemas.microsoft.com/office/drawing/2014/main" id="{73B8EFF9-57E9-0777-10F9-D0C9636675E7}"/>
+              </a:ext>
+            </a:extLst>
+          </p:cNvPr>
+          <p:cNvSpPr>
+            <a:spLocks noGrp="1"/>
+          </p:cNvSpPr>
+          <p:nvPr>
+            <p:ph type="title"/>
+          </p:nvPr>
+        </p:nvSpPr>
+        <p:spPr/>
+        <p:txBody>
+          <a:bodyPr/>
+          <a:lstStyle/>
+          <a:p>
+            <a:r>
+              <a:rPr lang="en-CA" dirty="0"/>
+              <a:t>Notice:</a:t>
+            </a:r>
+          </a:p>
+        </p:txBody>
+      </p:sp>
+      <p:sp>
+        <p:nvSpPr>
+          <p:cNvPr id="3" name="Content Placeholder 2">
+            <a:extLst>
+              <a:ext uri="{FF2B5EF4-FFF2-40B4-BE49-F238E27FC236}">
+                <a16:creationId xmlns:a16="http://schemas.microsoft.com/office/drawing/2014/main" id="{80348DC4-30AF-8B11-4351-51D24616C81D}"/>
+              </a:ext>
+            </a:extLst>
+          </p:cNvPr>
+          <p:cNvSpPr>
+            <a:spLocks noGrp="1"/>
+          </p:cNvSpPr>
+          <p:nvPr>
+            <p:ph idx="1"/>
+          </p:nvPr>
+        </p:nvSpPr>
+        <p:spPr/>
+        <p:txBody>
+          <a:bodyPr/>
+          <a:lstStyle/>
+          <a:p>
+            <a:r>
+              <a:rPr lang="en-CA" dirty="0"/>
+              <a:t>In the MVC description for ASP applications there are two types of user interactions: those which happen directly the UI, which </a:t>
+            </a:r>
+          </a:p>
+        </p:txBody>
+      </p:sp>
+    </p:spTree>
+    <p:extLst>
+      <p:ext uri="{BB962C8B-B14F-4D97-AF65-F5344CB8AC3E}">
+        <p14:creationId xmlns:p14="http://schemas.microsoft.com/office/powerpoint/2010/main" val="211788715"/>
+      </p:ext>
+    </p:extLst>
+  </p:cSld>
+  <p:clrMapOvr>
+    <a:masterClrMapping/>
+  </p:clrMapOvr>
+</p:sld>
+</file>
+
+<file path=ppt/slides/slide2.xml><?xml version="1.0" encoding="utf-8"?>
+<p:sld xmlns:a="http://schemas.openxmlformats.org/drawingml/2006/main" xmlns:r="http://schemas.openxmlformats.org/officeDocument/2006/relationships" xmlns:p="http://schemas.openxmlformats.org/presentationml/2006/main">
+  <p:cSld>
+    <p:spTree>
+      <p:nvGrpSpPr>
+        <p:cNvPr id="1" name=""/>
+        <p:cNvGrpSpPr/>
+        <p:nvPr/>
+      </p:nvGrpSpPr>
+      <p:grpSpPr>
+        <a:xfrm>
+          <a:off x="0" y="0"/>
+          <a:ext cx="0" cy="0"/>
+          <a:chOff x="0" y="0"/>
+          <a:chExt cx="0" cy="0"/>
+        </a:xfrm>
+      </p:grpSpPr>
+      <p:sp>
+        <p:nvSpPr>
+          <p:cNvPr id="2" name="Title 1">
+            <a:extLst>
+              <a:ext uri="{FF2B5EF4-FFF2-40B4-BE49-F238E27FC236}">
+                <a16:creationId xmlns:a16="http://schemas.microsoft.com/office/drawing/2014/main" id="{7D7113DC-707F-FB21-2D7E-9D8246A2EC99}"/>
+              </a:ext>
+            </a:extLst>
+          </p:cNvPr>
+          <p:cNvSpPr>
+            <a:spLocks noGrp="1"/>
+          </p:cNvSpPr>
+          <p:nvPr>
+            <p:ph type="title"/>
+          </p:nvPr>
+        </p:nvSpPr>
+        <p:spPr/>
+        <p:txBody>
+          <a:bodyPr/>
+          <a:lstStyle/>
+          <a:p>
+            <a:r>
+              <a:rPr lang="en-CA" dirty="0"/>
+              <a:t>All the things an Application can Do </a:t>
+            </a:r>
+          </a:p>
+        </p:txBody>
+      </p:sp>
+      <p:sp>
+        <p:nvSpPr>
+          <p:cNvPr id="3" name="Content Placeholder 2">
+            <a:extLst>
+              <a:ext uri="{FF2B5EF4-FFF2-40B4-BE49-F238E27FC236}">
+                <a16:creationId xmlns:a16="http://schemas.microsoft.com/office/drawing/2014/main" id="{E1DB8868-04B6-7E9B-220F-EBD35348BA03}"/>
+              </a:ext>
+            </a:extLst>
+          </p:cNvPr>
+          <p:cNvSpPr>
+            <a:spLocks noGrp="1"/>
+          </p:cNvSpPr>
+          <p:nvPr>
+            <p:ph idx="1"/>
+          </p:nvPr>
+        </p:nvSpPr>
+        <p:spPr/>
+        <p:txBody>
+          <a:bodyPr/>
+          <a:lstStyle/>
+          <a:p>
+            <a:endParaRPr lang="en-CA"/>
+          </a:p>
+        </p:txBody>
+      </p:sp>
+    </p:spTree>
+    <p:extLst>
+      <p:ext uri="{BB962C8B-B14F-4D97-AF65-F5344CB8AC3E}">
+        <p14:creationId xmlns:p14="http://schemas.microsoft.com/office/powerpoint/2010/main" val="1865462299"/>
+      </p:ext>
+    </p:extLst>
+  </p:cSld>
+  <p:clrMapOvr>
+    <a:masterClrMapping/>
+  </p:clrMapOvr>
+</p:sld>
+</file>
+
+<file path=ppt/slides/slide20.xml><?xml version="1.0" encoding="utf-8"?>
+<p:sld xmlns:a="http://schemas.openxmlformats.org/drawingml/2006/main" xmlns:r="http://schemas.openxmlformats.org/officeDocument/2006/relationships" xmlns:p="http://schemas.openxmlformats.org/presentationml/2006/main">
+  <p:cSld>
+    <p:spTree>
+      <p:nvGrpSpPr>
+        <p:cNvPr id="1" name=""/>
+        <p:cNvGrpSpPr/>
+        <p:nvPr/>
+      </p:nvGrpSpPr>
+      <p:grpSpPr>
+        <a:xfrm>
+          <a:off x="0" y="0"/>
+          <a:ext cx="0" cy="0"/>
+          <a:chOff x="0" y="0"/>
+          <a:chExt cx="0" cy="0"/>
+        </a:xfrm>
+      </p:grpSpPr>
+      <p:sp>
+        <p:nvSpPr>
+          <p:cNvPr id="2" name="Title 1">
+            <a:extLst>
+              <a:ext uri="{FF2B5EF4-FFF2-40B4-BE49-F238E27FC236}">
+                <a16:creationId xmlns:a16="http://schemas.microsoft.com/office/drawing/2014/main" id="{3285C3F0-7ED9-1097-C5A8-722B8A5D7228}"/>
+              </a:ext>
+            </a:extLst>
+          </p:cNvPr>
+          <p:cNvSpPr>
+            <a:spLocks noGrp="1"/>
+          </p:cNvSpPr>
+          <p:nvPr>
+            <p:ph type="title"/>
+          </p:nvPr>
+        </p:nvSpPr>
+        <p:spPr/>
+        <p:txBody>
+          <a:bodyPr/>
+          <a:lstStyle/>
+          <a:p>
+            <a:r>
+              <a:rPr lang="en-CA" dirty="0"/>
+              <a:t>Should you use it?</a:t>
+            </a:r>
+          </a:p>
+        </p:txBody>
+      </p:sp>
+      <p:sp>
+        <p:nvSpPr>
+          <p:cNvPr id="3" name="Content Placeholder 2">
+            <a:extLst>
+              <a:ext uri="{FF2B5EF4-FFF2-40B4-BE49-F238E27FC236}">
+                <a16:creationId xmlns:a16="http://schemas.microsoft.com/office/drawing/2014/main" id="{D22AC0DA-C413-B577-F2C9-AB7AA7623BFF}"/>
+              </a:ext>
+            </a:extLst>
+          </p:cNvPr>
+          <p:cNvSpPr>
+            <a:spLocks noGrp="1"/>
+          </p:cNvSpPr>
+          <p:nvPr>
+            <p:ph idx="1"/>
+          </p:nvPr>
+        </p:nvSpPr>
+        <p:spPr/>
+        <p:txBody>
+          <a:bodyPr/>
+          <a:lstStyle/>
+          <a:p>
+            <a:r>
+              <a:rPr lang="en-CA" dirty="0"/>
+              <a:t>Only if it solves a problem </a:t>
+            </a:r>
+          </a:p>
+          <a:p>
+            <a:r>
+              <a:rPr lang="en-CA" dirty="0"/>
+              <a:t>You would use it by adding a controller object to your application that is responsible for responding to user events</a:t>
+            </a:r>
+          </a:p>
+          <a:p>
+            <a:r>
+              <a:rPr lang="en-CA" dirty="0"/>
+              <a:t>All actions would route through it </a:t>
+            </a:r>
+          </a:p>
+          <a:p>
+            <a:r>
+              <a:rPr lang="en-CA" dirty="0"/>
+              <a:t>I don’t recommend this pattern for the final project.  </a:t>
+            </a:r>
+          </a:p>
+          <a:p>
+            <a:endParaRPr lang="en-CA" dirty="0"/>
+          </a:p>
+        </p:txBody>
+      </p:sp>
+    </p:spTree>
+    <p:extLst>
+      <p:ext uri="{BB962C8B-B14F-4D97-AF65-F5344CB8AC3E}">
+        <p14:creationId xmlns:p14="http://schemas.microsoft.com/office/powerpoint/2010/main" val="1639120719"/>
+      </p:ext>
+    </p:extLst>
+  </p:cSld>
+  <p:clrMapOvr>
+    <a:masterClrMapping/>
+  </p:clrMapOvr>
+</p:sld>
+</file>
+
+<file path=ppt/slides/slide21.xml><?xml version="1.0" encoding="utf-8"?>
+<p:sld xmlns:a="http://schemas.openxmlformats.org/drawingml/2006/main" xmlns:r="http://schemas.openxmlformats.org/officeDocument/2006/relationships" xmlns:p="http://schemas.openxmlformats.org/presentationml/2006/main">
+  <p:cSld>
+    <p:spTree>
+      <p:nvGrpSpPr>
+        <p:cNvPr id="1" name=""/>
+        <p:cNvGrpSpPr/>
+        <p:nvPr/>
+      </p:nvGrpSpPr>
+      <p:grpSpPr>
+        <a:xfrm>
+          <a:off x="0" y="0"/>
+          <a:ext cx="0" cy="0"/>
+          <a:chOff x="0" y="0"/>
+          <a:chExt cx="0" cy="0"/>
+        </a:xfrm>
+      </p:grpSpPr>
+      <p:sp>
+        <p:nvSpPr>
+          <p:cNvPr id="2" name="Title 1">
+            <a:extLst>
+              <a:ext uri="{FF2B5EF4-FFF2-40B4-BE49-F238E27FC236}">
+                <a16:creationId xmlns:a16="http://schemas.microsoft.com/office/drawing/2014/main" id="{499CE1BD-4B3C-1CC4-AB07-914DD5CA117A}"/>
+              </a:ext>
+            </a:extLst>
+          </p:cNvPr>
+          <p:cNvSpPr>
+            <a:spLocks noGrp="1"/>
+          </p:cNvSpPr>
+          <p:nvPr>
+            <p:ph type="title"/>
+          </p:nvPr>
+        </p:nvSpPr>
+        <p:spPr>
+          <a:xfrm>
+            <a:off x="11984182" y="914398"/>
+            <a:ext cx="5361707" cy="8104910"/>
+          </a:xfrm>
+        </p:spPr>
+        <p:txBody>
+          <a:bodyPr>
+            <a:normAutofit/>
+          </a:bodyPr>
+          <a:lstStyle/>
+          <a:p>
+            <a:r>
+              <a:rPr lang="en-CA" sz="7700">
+                <a:solidFill>
+                  <a:srgbClr val="FFFFFF"/>
+                </a:solidFill>
+              </a:rPr>
+              <a:t>How Windows Applications work</a:t>
+            </a:r>
+          </a:p>
+        </p:txBody>
+      </p:sp>
+      <p:graphicFrame>
+        <p:nvGraphicFramePr>
+          <p:cNvPr id="14" name="Content Placeholder 2">
+            <a:extLst>
+              <a:ext uri="{FF2B5EF4-FFF2-40B4-BE49-F238E27FC236}">
+                <a16:creationId xmlns:a16="http://schemas.microsoft.com/office/drawing/2014/main" id="{3FD6BFF5-B6C1-5AC3-50EB-368A13A8EC29}"/>
+              </a:ext>
+            </a:extLst>
+          </p:cNvPr>
+          <p:cNvGraphicFramePr>
+            <a:graphicFrameLocks noGrp="1"/>
+          </p:cNvGraphicFramePr>
+          <p:nvPr>
+            <p:ph idx="1"/>
+          </p:nvPr>
+        </p:nvGraphicFramePr>
+        <p:xfrm>
+          <a:off x="1293019" y="1321594"/>
+          <a:ext cx="9082088" cy="7698581"/>
+        </p:xfrm>
+        <a:graphic>
+          <a:graphicData uri="http://schemas.openxmlformats.org/drawingml/2006/diagram">
+            <dgm:relIds xmlns:dgm="http://schemas.openxmlformats.org/drawingml/2006/diagram" xmlns:r="http://schemas.openxmlformats.org/officeDocument/2006/relationships" r:dm="rId2" r:lo="rId3" r:qs="rId4" r:cs="rId5"/>
+          </a:graphicData>
+        </a:graphic>
+      </p:graphicFrame>
+    </p:spTree>
+    <p:extLst>
+      <p:ext uri="{BB962C8B-B14F-4D97-AF65-F5344CB8AC3E}">
+        <p14:creationId xmlns:p14="http://schemas.microsoft.com/office/powerpoint/2010/main" val="2219525341"/>
+      </p:ext>
+    </p:extLst>
+  </p:cSld>
+  <p:clrMapOvr>
+    <a:masterClrMapping/>
+  </p:clrMapOvr>
+</p:sld>
+</file>
+
+<file path=ppt/slides/slide3.xml><?xml version="1.0" encoding="utf-8"?>
+<p:sld xmlns:a="http://schemas.openxmlformats.org/drawingml/2006/main" xmlns:r="http://schemas.openxmlformats.org/officeDocument/2006/relationships" xmlns:p="http://schemas.openxmlformats.org/presentationml/2006/main">
+  <p:cSld>
+    <p:spTree>
+      <p:nvGrpSpPr>
+        <p:cNvPr id="1" name=""/>
+        <p:cNvGrpSpPr/>
+        <p:nvPr/>
+      </p:nvGrpSpPr>
+      <p:grpSpPr>
+        <a:xfrm>
+          <a:off x="0" y="0"/>
+          <a:ext cx="0" cy="0"/>
+          <a:chOff x="0" y="0"/>
+          <a:chExt cx="0" cy="0"/>
+        </a:xfrm>
+      </p:grpSpPr>
+      <p:sp>
+        <p:nvSpPr>
+          <p:cNvPr id="2" name="Title 1">
+            <a:extLst>
+              <a:ext uri="{FF2B5EF4-FFF2-40B4-BE49-F238E27FC236}">
+                <a16:creationId xmlns:a16="http://schemas.microsoft.com/office/drawing/2014/main" id="{E219A56A-E2D5-D900-D5C8-47D4D2251F49}"/>
+              </a:ext>
+            </a:extLst>
+          </p:cNvPr>
+          <p:cNvSpPr>
+            <a:spLocks noGrp="1"/>
+          </p:cNvSpPr>
+          <p:nvPr>
+            <p:ph type="title"/>
+          </p:nvPr>
+        </p:nvSpPr>
+        <p:spPr/>
+        <p:txBody>
+          <a:bodyPr/>
+          <a:lstStyle/>
+          <a:p>
+            <a:r>
+              <a:rPr lang="en-CA" dirty="0"/>
+              <a:t>Plugin Systems</a:t>
+            </a:r>
+          </a:p>
+        </p:txBody>
+      </p:sp>
+      <p:sp>
+        <p:nvSpPr>
+          <p:cNvPr id="3" name="Content Placeholder 2">
+            <a:extLst>
+              <a:ext uri="{FF2B5EF4-FFF2-40B4-BE49-F238E27FC236}">
+                <a16:creationId xmlns:a16="http://schemas.microsoft.com/office/drawing/2014/main" id="{D62C318E-B2A1-9B68-D858-BBDFED108161}"/>
+              </a:ext>
+            </a:extLst>
+          </p:cNvPr>
+          <p:cNvSpPr>
+            <a:spLocks noGrp="1"/>
+          </p:cNvSpPr>
+          <p:nvPr>
+            <p:ph idx="1"/>
+          </p:nvPr>
+        </p:nvSpPr>
+        <p:spPr/>
+        <p:txBody>
+          <a:bodyPr/>
+          <a:lstStyle/>
+          <a:p>
+            <a:r>
+              <a:rPr lang="en-CA" dirty="0"/>
+              <a:t>What if I want to allow other application to be built onto my program? </a:t>
+            </a:r>
+          </a:p>
+          <a:p>
+            <a:r>
+              <a:rPr lang="en-CA" dirty="0"/>
+              <a:t>I can load assemblies dynamically from disk.</a:t>
+            </a:r>
+          </a:p>
+          <a:p>
+            <a:r>
+              <a:rPr lang="en-CA" dirty="0"/>
+              <a:t>Call a function in that assembly with a predetermined name. </a:t>
+            </a:r>
+          </a:p>
+          <a:p>
+            <a:r>
+              <a:rPr lang="en-CA" dirty="0"/>
+              <a:t>Have fun!  </a:t>
+            </a:r>
+          </a:p>
+        </p:txBody>
+      </p:sp>
+    </p:spTree>
+    <p:extLst>
+      <p:ext uri="{BB962C8B-B14F-4D97-AF65-F5344CB8AC3E}">
+        <p14:creationId xmlns:p14="http://schemas.microsoft.com/office/powerpoint/2010/main" val="141898353"/>
+      </p:ext>
+    </p:extLst>
+  </p:cSld>
+  <p:clrMapOvr>
+    <a:masterClrMapping/>
+  </p:clrMapOvr>
+</p:sld>
+</file>
+
+<file path=ppt/slides/slide4.xml><?xml version="1.0" encoding="utf-8"?>
+<p:sld xmlns:a="http://schemas.openxmlformats.org/drawingml/2006/main" xmlns:r="http://schemas.openxmlformats.org/officeDocument/2006/relationships" xmlns:p="http://schemas.openxmlformats.org/presentationml/2006/main">
+  <p:cSld>
+    <p:spTree>
+      <p:nvGrpSpPr>
+        <p:cNvPr id="1" name=""/>
+        <p:cNvGrpSpPr/>
+        <p:nvPr/>
+      </p:nvGrpSpPr>
+      <p:grpSpPr>
+        <a:xfrm>
+          <a:off x="0" y="0"/>
+          <a:ext cx="0" cy="0"/>
+          <a:chOff x="0" y="0"/>
+          <a:chExt cx="0" cy="0"/>
+        </a:xfrm>
+      </p:grpSpPr>
+      <p:sp>
+        <p:nvSpPr>
+          <p:cNvPr id="2" name="Title 1">
+            <a:extLst>
+              <a:ext uri="{FF2B5EF4-FFF2-40B4-BE49-F238E27FC236}">
+                <a16:creationId xmlns:a16="http://schemas.microsoft.com/office/drawing/2014/main" id="{9BFB26F5-33DF-6330-61D4-77BE51FABB43}"/>
+              </a:ext>
+            </a:extLst>
+          </p:cNvPr>
+          <p:cNvSpPr>
+            <a:spLocks noGrp="1"/>
+          </p:cNvSpPr>
+          <p:nvPr>
+            <p:ph type="title"/>
+          </p:nvPr>
+        </p:nvSpPr>
+        <p:spPr/>
+        <p:txBody>
+          <a:bodyPr/>
+          <a:lstStyle/>
+          <a:p>
+            <a:r>
+              <a:rPr lang="en-CA" dirty="0"/>
+              <a:t>An Error you might see</a:t>
+            </a:r>
+          </a:p>
+        </p:txBody>
+      </p:sp>
+      <p:pic>
+        <p:nvPicPr>
+          <p:cNvPr id="5" name="Content Placeholder 4">
+            <a:extLst>
+              <a:ext uri="{FF2B5EF4-FFF2-40B4-BE49-F238E27FC236}">
+                <a16:creationId xmlns:a16="http://schemas.microsoft.com/office/drawing/2014/main" id="{25A0EC65-1369-D8EA-DD65-BAC3422A26AB}"/>
+              </a:ext>
+            </a:extLst>
+          </p:cNvPr>
+          <p:cNvPicPr>
+            <a:picLocks noGrp="1" noChangeAspect="1"/>
+          </p:cNvPicPr>
+          <p:nvPr>
+            <p:ph idx="1"/>
+          </p:nvPr>
+        </p:nvPicPr>
+        <p:blipFill>
+          <a:blip r:embed="rId2"/>
+          <a:stretch>
+            <a:fillRect/>
+          </a:stretch>
+        </p:blipFill>
+        <p:spPr>
+          <a:xfrm>
+            <a:off x="5105400" y="4390920"/>
+            <a:ext cx="9202434" cy="1505160"/>
+          </a:xfrm>
+        </p:spPr>
+      </p:pic>
+    </p:spTree>
+    <p:extLst>
+      <p:ext uri="{BB962C8B-B14F-4D97-AF65-F5344CB8AC3E}">
+        <p14:creationId xmlns:p14="http://schemas.microsoft.com/office/powerpoint/2010/main" val="1905750079"/>
+      </p:ext>
+    </p:extLst>
+  </p:cSld>
+  <p:clrMapOvr>
+    <a:masterClrMapping/>
+  </p:clrMapOvr>
+</p:sld>
+</file>
+
+<file path=ppt/slides/slide5.xml><?xml version="1.0" encoding="utf-8"?>
+<p:sld xmlns:a="http://schemas.openxmlformats.org/drawingml/2006/main" xmlns:r="http://schemas.openxmlformats.org/officeDocument/2006/relationships" xmlns:p="http://schemas.openxmlformats.org/presentationml/2006/main">
+  <p:cSld>
+    <p:spTree>
+      <p:nvGrpSpPr>
+        <p:cNvPr id="1" name=""/>
+        <p:cNvGrpSpPr/>
+        <p:nvPr/>
+      </p:nvGrpSpPr>
+      <p:grpSpPr>
+        <a:xfrm>
+          <a:off x="0" y="0"/>
+          <a:ext cx="0" cy="0"/>
+          <a:chOff x="0" y="0"/>
+          <a:chExt cx="0" cy="0"/>
+        </a:xfrm>
+      </p:grpSpPr>
+      <p:sp>
+        <p:nvSpPr>
+          <p:cNvPr id="2" name="Title 1">
+            <a:extLst>
+              <a:ext uri="{FF2B5EF4-FFF2-40B4-BE49-F238E27FC236}">
+                <a16:creationId xmlns:a16="http://schemas.microsoft.com/office/drawing/2014/main" id="{FEEA7586-3760-C488-53F9-ABCD17797D0F}"/>
+              </a:ext>
+            </a:extLst>
+          </p:cNvPr>
+          <p:cNvSpPr>
+            <a:spLocks noGrp="1"/>
+          </p:cNvSpPr>
+          <p:nvPr>
+            <p:ph type="title"/>
+          </p:nvPr>
+        </p:nvSpPr>
+        <p:spPr/>
+        <p:txBody>
+          <a:bodyPr/>
+          <a:lstStyle/>
+          <a:p>
+            <a:r>
+              <a:rPr lang="en-CA" dirty="0"/>
+              <a:t>Defensive Programming</a:t>
+            </a:r>
+          </a:p>
+        </p:txBody>
+      </p:sp>
+      <p:sp>
+        <p:nvSpPr>
+          <p:cNvPr id="3" name="Content Placeholder 2">
+            <a:extLst>
+              <a:ext uri="{FF2B5EF4-FFF2-40B4-BE49-F238E27FC236}">
+                <a16:creationId xmlns:a16="http://schemas.microsoft.com/office/drawing/2014/main" id="{FF41552F-95F4-F8A4-8795-5755DDBF5DF1}"/>
+              </a:ext>
+            </a:extLst>
+          </p:cNvPr>
+          <p:cNvSpPr>
+            <a:spLocks noGrp="1"/>
+          </p:cNvSpPr>
+          <p:nvPr>
+            <p:ph idx="1"/>
+          </p:nvPr>
+        </p:nvSpPr>
+        <p:spPr/>
+        <p:txBody>
+          <a:bodyPr/>
+          <a:lstStyle/>
+          <a:p>
+            <a:r>
+              <a:rPr lang="en-CA" dirty="0"/>
+              <a:t>Use asserts to check that things are happening like you expect</a:t>
+            </a:r>
+          </a:p>
+          <a:p>
+            <a:r>
+              <a:rPr lang="en-CA" dirty="0"/>
+              <a:t>Much better than comments when you can write them</a:t>
+            </a:r>
+          </a:p>
+        </p:txBody>
+      </p:sp>
+    </p:spTree>
+    <p:extLst>
+      <p:ext uri="{BB962C8B-B14F-4D97-AF65-F5344CB8AC3E}">
+        <p14:creationId xmlns:p14="http://schemas.microsoft.com/office/powerpoint/2010/main" val="3862956295"/>
+      </p:ext>
+    </p:extLst>
+  </p:cSld>
+  <p:clrMapOvr>
+    <a:masterClrMapping/>
+  </p:clrMapOvr>
+</p:sld>
+</file>
+
+<file path=ppt/slides/slide6.xml><?xml version="1.0" encoding="utf-8"?>
+<p:sld xmlns:a="http://schemas.openxmlformats.org/drawingml/2006/main" xmlns:r="http://schemas.openxmlformats.org/officeDocument/2006/relationships" xmlns:p="http://schemas.openxmlformats.org/presentationml/2006/main">
+  <p:cSld>
+    <p:spTree>
+      <p:nvGrpSpPr>
+        <p:cNvPr id="1" name=""/>
+        <p:cNvGrpSpPr/>
+        <p:nvPr/>
+      </p:nvGrpSpPr>
+      <p:grpSpPr>
+        <a:xfrm>
+          <a:off x="0" y="0"/>
+          <a:ext cx="0" cy="0"/>
+          <a:chOff x="0" y="0"/>
+          <a:chExt cx="0" cy="0"/>
+        </a:xfrm>
+      </p:grpSpPr>
+      <p:sp>
+        <p:nvSpPr>
+          <p:cNvPr id="2" name="Title 1">
+            <a:extLst>
+              <a:ext uri="{FF2B5EF4-FFF2-40B4-BE49-F238E27FC236}">
+                <a16:creationId xmlns:a16="http://schemas.microsoft.com/office/drawing/2014/main" id="{26259625-6DD2-8C0C-E7F2-C24237A628EF}"/>
+              </a:ext>
+            </a:extLst>
+          </p:cNvPr>
+          <p:cNvSpPr>
+            <a:spLocks noGrp="1"/>
+          </p:cNvSpPr>
+          <p:nvPr>
+            <p:ph type="title"/>
+          </p:nvPr>
+        </p:nvSpPr>
+        <p:spPr/>
+        <p:txBody>
+          <a:bodyPr/>
+          <a:lstStyle/>
+          <a:p>
+            <a:r>
+              <a:rPr lang="en-CA" dirty="0"/>
+              <a:t>Variations</a:t>
+            </a:r>
+          </a:p>
+        </p:txBody>
+      </p:sp>
+      <p:sp>
+        <p:nvSpPr>
+          <p:cNvPr id="3" name="Content Placeholder 2">
+            <a:extLst>
+              <a:ext uri="{FF2B5EF4-FFF2-40B4-BE49-F238E27FC236}">
+                <a16:creationId xmlns:a16="http://schemas.microsoft.com/office/drawing/2014/main" id="{4A399C82-5FAC-7D34-DD55-3137C96E7F92}"/>
+              </a:ext>
+            </a:extLst>
+          </p:cNvPr>
+          <p:cNvSpPr>
+            <a:spLocks noGrp="1"/>
+          </p:cNvSpPr>
+          <p:nvPr>
+            <p:ph idx="1"/>
+          </p:nvPr>
+        </p:nvSpPr>
+        <p:spPr/>
+        <p:txBody>
+          <a:bodyPr/>
+          <a:lstStyle/>
+          <a:p>
+            <a:r>
+              <a:rPr lang="en-CA" dirty="0"/>
+              <a:t>Maybe the user </a:t>
+            </a:r>
+          </a:p>
+        </p:txBody>
+      </p:sp>
+    </p:spTree>
+    <p:extLst>
+      <p:ext uri="{BB962C8B-B14F-4D97-AF65-F5344CB8AC3E}">
+        <p14:creationId xmlns:p14="http://schemas.microsoft.com/office/powerpoint/2010/main" val="3829371401"/>
+      </p:ext>
+    </p:extLst>
+  </p:cSld>
+  <p:clrMapOvr>
+    <a:masterClrMapping/>
+  </p:clrMapOvr>
+</p:sld>
+</file>
+
+<file path=ppt/slides/slide7.xml><?xml version="1.0" encoding="utf-8"?>
+<p:sld xmlns:a="http://schemas.openxmlformats.org/drawingml/2006/main" xmlns:r="http://schemas.openxmlformats.org/officeDocument/2006/relationships" xmlns:p="http://schemas.openxmlformats.org/presentationml/2006/main">
+  <p:cSld>
+    <p:spTree>
+      <p:nvGrpSpPr>
+        <p:cNvPr id="1" name=""/>
+        <p:cNvGrpSpPr/>
+        <p:nvPr/>
+      </p:nvGrpSpPr>
+      <p:grpSpPr>
+        <a:xfrm>
+          <a:off x="0" y="0"/>
+          <a:ext cx="0" cy="0"/>
+          <a:chOff x="0" y="0"/>
+          <a:chExt cx="0" cy="0"/>
+        </a:xfrm>
+      </p:grpSpPr>
+      <p:sp>
+        <p:nvSpPr>
+          <p:cNvPr id="2" name="Title 1">
+            <a:extLst>
+              <a:ext uri="{FF2B5EF4-FFF2-40B4-BE49-F238E27FC236}">
+                <a16:creationId xmlns:a16="http://schemas.microsoft.com/office/drawing/2014/main" id="{1C5CAC93-F0AB-767A-DA2F-CE0C7D937283}"/>
+              </a:ext>
+            </a:extLst>
+          </p:cNvPr>
+          <p:cNvSpPr>
+            <a:spLocks noGrp="1"/>
+          </p:cNvSpPr>
+          <p:nvPr>
+            <p:ph type="title"/>
+          </p:nvPr>
+        </p:nvSpPr>
+        <p:spPr/>
+        <p:txBody>
+          <a:bodyPr/>
+          <a:lstStyle/>
+          <a:p>
+            <a:r>
+              <a:rPr lang="en-CA" dirty="0"/>
+              <a:t>Models, Views, and Controller</a:t>
+            </a:r>
+          </a:p>
+        </p:txBody>
+      </p:sp>
+      <p:sp>
+        <p:nvSpPr>
+          <p:cNvPr id="3" name="Content Placeholder 2">
+            <a:extLst>
+              <a:ext uri="{FF2B5EF4-FFF2-40B4-BE49-F238E27FC236}">
+                <a16:creationId xmlns:a16="http://schemas.microsoft.com/office/drawing/2014/main" id="{3511532B-6BE1-1701-7DE8-8C383D791372}"/>
+              </a:ext>
+            </a:extLst>
+          </p:cNvPr>
+          <p:cNvSpPr>
+            <a:spLocks noGrp="1"/>
+          </p:cNvSpPr>
+          <p:nvPr>
+            <p:ph idx="1"/>
+          </p:nvPr>
+        </p:nvSpPr>
+        <p:spPr/>
+        <p:txBody>
+          <a:bodyPr/>
+          <a:lstStyle/>
+          <a:p>
+            <a:r>
+              <a:rPr lang="en-CA" dirty="0"/>
+              <a:t>Some complex applications with UI break up software into </a:t>
+            </a:r>
+            <a:r>
+              <a:rPr lang="en-CA" dirty="0" err="1"/>
+              <a:t>thre</a:t>
+            </a:r>
+            <a:endParaRPr lang="en-CA" dirty="0"/>
+          </a:p>
+        </p:txBody>
+      </p:sp>
+    </p:spTree>
+    <p:extLst>
+      <p:ext uri="{BB962C8B-B14F-4D97-AF65-F5344CB8AC3E}">
+        <p14:creationId xmlns:p14="http://schemas.microsoft.com/office/powerpoint/2010/main" val="3739095599"/>
+      </p:ext>
+    </p:extLst>
+  </p:cSld>
+  <p:clrMapOvr>
+    <a:masterClrMapping/>
+  </p:clrMapOvr>
+</p:sld>
+</file>
+
+<file path=ppt/slides/slide8.xml><?xml version="1.0" encoding="utf-8"?>
+<p:sld xmlns:a="http://schemas.openxmlformats.org/drawingml/2006/main" xmlns:r="http://schemas.openxmlformats.org/officeDocument/2006/relationships" xmlns:p="http://schemas.openxmlformats.org/presentationml/2006/main">
+  <p:cSld>
+    <p:spTree>
+      <p:nvGrpSpPr>
+        <p:cNvPr id="1" name=""/>
+        <p:cNvGrpSpPr/>
+        <p:nvPr/>
+      </p:nvGrpSpPr>
+      <p:grpSpPr>
+        <a:xfrm>
+          <a:off x="0" y="0"/>
+          <a:ext cx="0" cy="0"/>
+          <a:chOff x="0" y="0"/>
+          <a:chExt cx="0" cy="0"/>
+        </a:xfrm>
+      </p:grpSpPr>
+      <p:sp>
+        <p:nvSpPr>
+          <p:cNvPr id="2" name="Title 1">
+            <a:extLst>
+              <a:ext uri="{FF2B5EF4-FFF2-40B4-BE49-F238E27FC236}">
+                <a16:creationId xmlns:a16="http://schemas.microsoft.com/office/drawing/2014/main" id="{21802E71-B058-C5F1-BA4C-0590DE2ED5E6}"/>
+              </a:ext>
+            </a:extLst>
+          </p:cNvPr>
+          <p:cNvSpPr>
+            <a:spLocks noGrp="1"/>
+          </p:cNvSpPr>
+          <p:nvPr>
+            <p:ph type="title"/>
+          </p:nvPr>
+        </p:nvSpPr>
+        <p:spPr/>
+        <p:txBody>
+          <a:bodyPr/>
+          <a:lstStyle/>
+          <a:p>
+            <a:r>
+              <a:rPr lang="en-CA" dirty="0"/>
+              <a:t>Models and Views</a:t>
+            </a:r>
+          </a:p>
+        </p:txBody>
+      </p:sp>
+      <p:sp>
+        <p:nvSpPr>
+          <p:cNvPr id="3" name="Content Placeholder 2">
+            <a:extLst>
+              <a:ext uri="{FF2B5EF4-FFF2-40B4-BE49-F238E27FC236}">
+                <a16:creationId xmlns:a16="http://schemas.microsoft.com/office/drawing/2014/main" id="{DCA16F68-2830-F9D7-D155-8F6F5AB6C4D6}"/>
+              </a:ext>
+            </a:extLst>
+          </p:cNvPr>
+          <p:cNvSpPr>
+            <a:spLocks noGrp="1"/>
+          </p:cNvSpPr>
+          <p:nvPr>
+            <p:ph idx="1"/>
+          </p:nvPr>
+        </p:nvSpPr>
+        <p:spPr/>
+        <p:txBody>
+          <a:bodyPr/>
+          <a:lstStyle/>
+          <a:p>
+            <a:endParaRPr lang="en-CA"/>
+          </a:p>
+        </p:txBody>
+      </p:sp>
+    </p:spTree>
+    <p:extLst>
+      <p:ext uri="{BB962C8B-B14F-4D97-AF65-F5344CB8AC3E}">
+        <p14:creationId xmlns:p14="http://schemas.microsoft.com/office/powerpoint/2010/main" val="359048740"/>
+      </p:ext>
+    </p:extLst>
+  </p:cSld>
+  <p:clrMapOvr>
+    <a:masterClrMapping/>
+  </p:clrMapOvr>
+</p:sld>
+</file>
+
+<file path=ppt/slides/slide9.xml><?xml version="1.0" encoding="utf-8"?>
+<p:sld xmlns:a="http://schemas.openxmlformats.org/drawingml/2006/main" xmlns:r="http://schemas.openxmlformats.org/officeDocument/2006/relationships" xmlns:p="http://schemas.openxmlformats.org/presentationml/2006/main">
+  <p:cSld>
+    <p:spTree>
+      <p:nvGrpSpPr>
+        <p:cNvPr id="1" name=""/>
+        <p:cNvGrpSpPr/>
+        <p:nvPr/>
+      </p:nvGrpSpPr>
+      <p:grpSpPr>
+        <a:xfrm>
+          <a:off x="0" y="0"/>
+          <a:ext cx="0" cy="0"/>
+          <a:chOff x="0" y="0"/>
+          <a:chExt cx="0" cy="0"/>
+        </a:xfrm>
+      </p:grpSpPr>
+      <p:sp>
+        <p:nvSpPr>
+          <p:cNvPr id="2" name="Title 1">
+            <a:extLst>
+              <a:ext uri="{FF2B5EF4-FFF2-40B4-BE49-F238E27FC236}">
+                <a16:creationId xmlns:a16="http://schemas.microsoft.com/office/drawing/2014/main" id="{872E07E8-A709-BF1A-CA6E-50EA0D7CA489}"/>
+              </a:ext>
+            </a:extLst>
+          </p:cNvPr>
+          <p:cNvSpPr>
+            <a:spLocks noGrp="1"/>
+          </p:cNvSpPr>
+          <p:nvPr>
+            <p:ph type="title"/>
+          </p:nvPr>
+        </p:nvSpPr>
+        <p:spPr/>
+        <p:txBody>
+          <a:bodyPr/>
+          <a:lstStyle/>
+          <a:p>
+            <a:r>
+              <a:rPr lang="en-CA" dirty="0"/>
+              <a:t>Model View Update (MVU)</a:t>
+            </a:r>
+          </a:p>
+        </p:txBody>
+      </p:sp>
+      <p:sp>
+        <p:nvSpPr>
+          <p:cNvPr id="3" name="Content Placeholder 2">
+            <a:extLst>
+              <a:ext uri="{FF2B5EF4-FFF2-40B4-BE49-F238E27FC236}">
+                <a16:creationId xmlns:a16="http://schemas.microsoft.com/office/drawing/2014/main" id="{EE9FB8A6-6146-B07F-9B2F-95E677723B16}"/>
+              </a:ext>
+            </a:extLst>
+          </p:cNvPr>
+          <p:cNvSpPr>
+            <a:spLocks noGrp="1"/>
+          </p:cNvSpPr>
+          <p:nvPr>
+            <p:ph idx="1"/>
+          </p:nvPr>
+        </p:nvSpPr>
+        <p:spPr/>
+        <p:txBody>
+          <a:bodyPr/>
+          <a:lstStyle/>
+          <a:p>
+            <a:r>
+              <a:rPr lang="en-CA" dirty="0"/>
+              <a:t>A very simple idea </a:t>
+            </a:r>
+          </a:p>
+        </p:txBody>
+      </p:sp>
+    </p:spTree>
+    <p:extLst>
+      <p:ext uri="{BB962C8B-B14F-4D97-AF65-F5344CB8AC3E}">
+        <p14:creationId xmlns:p14="http://schemas.microsoft.com/office/powerpoint/2010/main" val="985651402"/>
       </p:ext>
     </p:extLst>
   </p:cSld>
